--- a/sql/02_DDL, DCL.pptx
+++ b/sql/02_DDL, DCL.pptx
@@ -247,7 +247,7 @@
           <a:p>
             <a:fld id="{CC4AB0D4-CC94-4020-9447-247B6EE41C1E}" type="datetimeFigureOut">
               <a:rPr lang="en-US" smtClean="0"/>
-              <a:t>3/5/2020</a:t>
+              <a:t>3/31/2022</a:t>
             </a:fld>
             <a:endParaRPr lang="en-US" dirty="0"/>
           </a:p>
@@ -414,7 +414,7 @@
             <a:fld id="{2E03A1FB-12CB-49E6-809F-DA2D2089BF59}" type="datetimeFigureOut">
               <a:rPr lang="en-US" smtClean="0"/>
               <a:pPr/>
-              <a:t>3/5/2020</a:t>
+              <a:t>3/31/2022</a:t>
             </a:fld>
             <a:endParaRPr lang="en-US" dirty="0"/>
           </a:p>
@@ -480,38 +480,37 @@
           <a:p>
             <a:pPr lvl="0"/>
             <a:r>
-              <a:rPr lang="en-US" smtClean="0"/>
+              <a:rPr lang="en-US"/>
               <a:t>Click to edit Master text styles</a:t>
             </a:r>
           </a:p>
           <a:p>
             <a:pPr lvl="1"/>
             <a:r>
-              <a:rPr lang="en-US" smtClean="0"/>
+              <a:rPr lang="en-US"/>
               <a:t>Second level</a:t>
             </a:r>
           </a:p>
           <a:p>
             <a:pPr lvl="2"/>
             <a:r>
-              <a:rPr lang="en-US" smtClean="0"/>
+              <a:rPr lang="en-US"/>
               <a:t>Third level</a:t>
             </a:r>
           </a:p>
           <a:p>
             <a:pPr lvl="3"/>
             <a:r>
-              <a:rPr lang="en-US" smtClean="0"/>
+              <a:rPr lang="en-US"/>
               <a:t>Fourth level</a:t>
             </a:r>
           </a:p>
           <a:p>
             <a:pPr lvl="4"/>
             <a:r>
-              <a:rPr lang="en-US" smtClean="0"/>
+              <a:rPr lang="en-US"/>
               <a:t>Fifth level</a:t>
             </a:r>
-            <a:endParaRPr lang="en-US"/>
           </a:p>
         </p:txBody>
       </p:sp>
@@ -731,7 +730,7 @@
           <a:lstStyle/>
           <a:p>
             <a:r>
-              <a:rPr lang="en-US" sz="1200" b="0" i="0" kern="1200" dirty="0" smtClean="0">
+              <a:rPr lang="en-US" sz="1200" b="0" i="0" kern="1200" dirty="0">
                 <a:solidFill>
                   <a:schemeClr val="tx1"/>
                 </a:solidFill>
@@ -742,15 +741,11 @@
               </a:rPr>
               <a:t>CREATE – Creates objects in the database</a:t>
             </a:r>
-            <a:r>
-              <a:rPr lang="en-US" dirty="0" smtClean="0"/>
-              <a:t/>
-            </a:r>
             <a:br>
-              <a:rPr lang="en-US" dirty="0" smtClean="0"/>
+              <a:rPr lang="en-US" dirty="0"/>
             </a:br>
             <a:r>
-              <a:rPr lang="en-US" sz="1200" b="0" i="0" kern="1200" dirty="0" smtClean="0">
+              <a:rPr lang="en-US" sz="1200" b="0" i="0" kern="1200" dirty="0">
                 <a:solidFill>
                   <a:schemeClr val="tx1"/>
                 </a:solidFill>
@@ -761,15 +756,11 @@
               </a:rPr>
               <a:t>ALTER – Alters objects of the database</a:t>
             </a:r>
-            <a:r>
-              <a:rPr lang="en-US" dirty="0" smtClean="0"/>
-              <a:t/>
-            </a:r>
             <a:br>
-              <a:rPr lang="en-US" dirty="0" smtClean="0"/>
+              <a:rPr lang="en-US" dirty="0"/>
             </a:br>
             <a:r>
-              <a:rPr lang="en-US" sz="1200" b="0" i="0" kern="1200" dirty="0" smtClean="0">
+              <a:rPr lang="en-US" sz="1200" b="0" i="0" kern="1200" dirty="0">
                 <a:solidFill>
                   <a:schemeClr val="tx1"/>
                 </a:solidFill>
@@ -780,15 +771,11 @@
               </a:rPr>
               <a:t>DROP – Deletes objects of the database</a:t>
             </a:r>
-            <a:r>
-              <a:rPr lang="en-US" dirty="0" smtClean="0"/>
-              <a:t/>
-            </a:r>
             <a:br>
-              <a:rPr lang="en-US" dirty="0" smtClean="0"/>
+              <a:rPr lang="en-US" dirty="0"/>
             </a:br>
             <a:r>
-              <a:rPr lang="en-US" sz="1200" b="0" i="0" kern="1200" dirty="0" smtClean="0">
+              <a:rPr lang="en-US" sz="1200" b="0" i="0" kern="1200" dirty="0">
                 <a:solidFill>
                   <a:schemeClr val="tx1"/>
                 </a:solidFill>
@@ -902,7 +889,7 @@
               <a:defRPr/>
             </a:pPr>
             <a:r>
-              <a:rPr lang="en-US" sz="1200" dirty="0" smtClean="0">
+              <a:rPr lang="en-US" sz="1200" dirty="0">
                 <a:solidFill>
                   <a:schemeClr val="bg1"/>
                 </a:solidFill>
@@ -912,7 +899,7 @@
               <a:t>If you have an existing table </a:t>
             </a:r>
             <a:r>
-              <a:rPr lang="en-US" sz="1200" dirty="0" err="1" smtClean="0">
+              <a:rPr lang="en-US" sz="1200" dirty="0" err="1">
                 <a:solidFill>
                   <a:schemeClr val="bg1"/>
                 </a:solidFill>
@@ -922,7 +909,7 @@
               <a:t>old_table</a:t>
             </a:r>
             <a:r>
-              <a:rPr lang="en-US" sz="1200" dirty="0" smtClean="0">
+              <a:rPr lang="en-US" sz="1200" dirty="0">
                 <a:solidFill>
                   <a:schemeClr val="bg1"/>
                 </a:solidFill>
@@ -932,7 +919,7 @@
               <a:t>, you can create another table </a:t>
             </a:r>
             <a:r>
-              <a:rPr lang="en-US" sz="1200" dirty="0" err="1" smtClean="0">
+              <a:rPr lang="en-US" sz="1200" dirty="0" err="1">
                 <a:solidFill>
                   <a:schemeClr val="bg1"/>
                 </a:solidFill>
@@ -942,7 +929,7 @@
               <a:t>new_table</a:t>
             </a:r>
             <a:r>
-              <a:rPr lang="en-US" sz="1200" dirty="0" smtClean="0">
+              <a:rPr lang="en-US" sz="1200" dirty="0">
                 <a:solidFill>
                   <a:schemeClr val="bg1"/>
                 </a:solidFill>
@@ -952,7 +939,7 @@
               <a:t> that has the same structure but is empty, and then replace the existing table with the empty one as follows </a:t>
             </a:r>
             <a:r>
-              <a:rPr lang="en-US" sz="1200" b="1" dirty="0" smtClean="0">
+              <a:rPr lang="en-US" sz="1200" b="1" dirty="0">
                 <a:solidFill>
                   <a:schemeClr val="bg1"/>
                 </a:solidFill>
@@ -962,7 +949,7 @@
               <a:t>(assuming that </a:t>
             </a:r>
             <a:r>
-              <a:rPr lang="en-US" sz="1200" b="1" dirty="0" err="1" smtClean="0">
+              <a:rPr lang="en-US" sz="1200" b="1" dirty="0" err="1">
                 <a:solidFill>
                   <a:schemeClr val="bg1"/>
                 </a:solidFill>
@@ -972,7 +959,7 @@
               <a:t>backup_table</a:t>
             </a:r>
             <a:r>
-              <a:rPr lang="en-US" sz="1200" b="1" dirty="0" smtClean="0">
+              <a:rPr lang="en-US" sz="1200" b="1" dirty="0">
                 <a:solidFill>
                   <a:schemeClr val="bg1"/>
                 </a:solidFill>
@@ -1245,7 +1232,7 @@
               <a:buFont typeface="Calibri" pitchFamily="34" charset="0"/>
               <a:buNone/>
             </a:pPr>
-            <a:endParaRPr lang="en-US" dirty="0" smtClean="0">
+            <a:endParaRPr lang="en-US" dirty="0">
               <a:solidFill>
                 <a:schemeClr val="bg1"/>
               </a:solidFill>
@@ -1261,7 +1248,7 @@
               <a:buFont typeface="Calibri" pitchFamily="34" charset="0"/>
               <a:buNone/>
             </a:pPr>
-            <a:endParaRPr lang="en-US" dirty="0" smtClean="0">
+            <a:endParaRPr lang="en-US" dirty="0">
               <a:solidFill>
                 <a:schemeClr val="bg1"/>
               </a:solidFill>
@@ -1356,7 +1343,7 @@
           <a:lstStyle/>
           <a:p>
             <a:r>
-              <a:rPr lang="en-US" b="1" u="sng" dirty="0" smtClean="0"/>
+              <a:rPr lang="en-US" b="1" u="sng" dirty="0"/>
               <a:t>Important Information</a:t>
             </a:r>
           </a:p>
@@ -1369,7 +1356,7 @@
               <a:buChar char="•"/>
             </a:pPr>
             <a:r>
-              <a:rPr lang="en-US" sz="2000" dirty="0" smtClean="0">
+              <a:rPr lang="en-US" sz="2000" dirty="0">
                 <a:solidFill>
                   <a:schemeClr val="bg1"/>
                 </a:solidFill>
@@ -1388,7 +1375,7 @@
               <a:buChar char="•"/>
             </a:pPr>
             <a:r>
-              <a:rPr lang="en-US" sz="2000" dirty="0" smtClean="0">
+              <a:rPr lang="en-US" sz="2000" dirty="0">
                 <a:solidFill>
                   <a:schemeClr val="bg1"/>
                 </a:solidFill>
@@ -1491,7 +1478,7 @@
               <a:buFont typeface="Calibri" pitchFamily="34" charset="0"/>
               <a:buNone/>
             </a:pPr>
-            <a:endParaRPr lang="en-US" dirty="0" smtClean="0">
+            <a:endParaRPr lang="en-US" dirty="0">
               <a:solidFill>
                 <a:schemeClr val="bg1"/>
               </a:solidFill>
@@ -1506,7 +1493,7 @@
               </a:spcBef>
             </a:pPr>
             <a:r>
-              <a:rPr lang="en-US" sz="2000" dirty="0" smtClean="0">
+              <a:rPr lang="en-US" sz="2000" dirty="0">
                 <a:solidFill>
                   <a:schemeClr val="bg1"/>
                 </a:solidFill>
@@ -1527,7 +1514,7 @@
               <a:buNone/>
             </a:pPr>
             <a:r>
-              <a:rPr lang="en-US" sz="2000" b="1" dirty="0" smtClean="0">
+              <a:rPr lang="en-US" sz="2000" b="1" dirty="0">
                 <a:solidFill>
                   <a:schemeClr val="bg1"/>
                 </a:solidFill>
@@ -1544,7 +1531,7 @@
               </a:spcBef>
             </a:pPr>
             <a:r>
-              <a:rPr lang="en-US" sz="2000" dirty="0" smtClean="0">
+              <a:rPr lang="en-US" sz="2000" dirty="0">
                 <a:solidFill>
                   <a:schemeClr val="bg1"/>
                 </a:solidFill>
@@ -1565,7 +1552,7 @@
               <a:buNone/>
             </a:pPr>
             <a:r>
-              <a:rPr lang="en-US" sz="2000" b="1" dirty="0" smtClean="0">
+              <a:rPr lang="en-US" sz="2000" b="1" dirty="0">
                 <a:solidFill>
                   <a:schemeClr val="bg1"/>
                 </a:solidFill>
@@ -1582,7 +1569,7 @@
               </a:spcBef>
             </a:pPr>
             <a:r>
-              <a:rPr lang="en-US" sz="2000" dirty="0" smtClean="0">
+              <a:rPr lang="en-US" sz="2000" dirty="0">
                 <a:solidFill>
                   <a:schemeClr val="bg1"/>
                 </a:solidFill>
@@ -1603,7 +1590,7 @@
               <a:buNone/>
             </a:pPr>
             <a:r>
-              <a:rPr lang="en-US" sz="2000" b="1" dirty="0" smtClean="0">
+              <a:rPr lang="en-US" sz="2000" b="1" dirty="0">
                 <a:solidFill>
                   <a:schemeClr val="bg1"/>
                 </a:solidFill>
@@ -1613,7 +1600,7 @@
               <a:t>CREATE Database </a:t>
             </a:r>
             <a:r>
-              <a:rPr lang="en-US" sz="2000" b="1" dirty="0" err="1" smtClean="0">
+              <a:rPr lang="en-US" sz="2000" b="1" dirty="0" err="1">
                 <a:solidFill>
                   <a:schemeClr val="bg1"/>
                 </a:solidFill>
@@ -1623,7 +1610,7 @@
               <a:t>TrainingFeedbackDBTemp</a:t>
             </a:r>
             <a:r>
-              <a:rPr lang="en-US" sz="2000" b="1" dirty="0" smtClean="0">
+              <a:rPr lang="en-US" sz="2000" b="1" dirty="0">
                 <a:solidFill>
                   <a:schemeClr val="bg1"/>
                 </a:solidFill>
@@ -1641,7 +1628,7 @@
               <a:buFont typeface="Calibri" pitchFamily="34" charset="0"/>
               <a:buNone/>
             </a:pPr>
-            <a:endParaRPr lang="en-US" dirty="0" smtClean="0">
+            <a:endParaRPr lang="en-US" dirty="0">
               <a:solidFill>
                 <a:schemeClr val="bg1"/>
               </a:solidFill>
@@ -1743,7 +1730,7 @@
               <a:buNone/>
             </a:pPr>
             <a:r>
-              <a:rPr lang="en-US" b="1" u="sng" dirty="0" smtClean="0">
+              <a:rPr lang="en-US" b="1" u="sng" dirty="0">
                 <a:solidFill>
                   <a:schemeClr val="bg1"/>
                 </a:solidFill>
@@ -1762,7 +1749,7 @@
               <a:buChar char="•"/>
             </a:pPr>
             <a:r>
-              <a:rPr lang="en-US" dirty="0" smtClean="0">
+              <a:rPr lang="en-US" dirty="0">
                 <a:solidFill>
                   <a:schemeClr val="bg1"/>
                 </a:solidFill>
@@ -1781,7 +1768,7 @@
               <a:buChar char="•"/>
             </a:pPr>
             <a:r>
-              <a:rPr lang="en-US" dirty="0" smtClean="0">
+              <a:rPr lang="en-US" dirty="0">
                 <a:solidFill>
                   <a:schemeClr val="bg1"/>
                 </a:solidFill>
@@ -1800,7 +1787,7 @@
               <a:buChar char="•"/>
             </a:pPr>
             <a:r>
-              <a:rPr lang="en-US" dirty="0" smtClean="0">
+              <a:rPr lang="en-US" dirty="0">
                 <a:solidFill>
                   <a:schemeClr val="bg1"/>
                 </a:solidFill>
@@ -1899,10 +1886,9 @@
           <a:lstStyle/>
           <a:p>
             <a:r>
-              <a:rPr lang="en-US" dirty="0" smtClean="0"/>
+              <a:rPr lang="en-US" dirty="0"/>
               <a:t> </a:t>
             </a:r>
-            <a:endParaRPr lang="en-US" dirty="0"/>
           </a:p>
         </p:txBody>
       </p:sp>
@@ -1990,10 +1976,9 @@
           <a:lstStyle/>
           <a:p>
             <a:r>
-              <a:rPr lang="en-US" dirty="0" smtClean="0"/>
+              <a:rPr lang="en-US" dirty="0"/>
               <a:t> </a:t>
             </a:r>
-            <a:endParaRPr lang="en-US" dirty="0"/>
           </a:p>
         </p:txBody>
       </p:sp>
@@ -2085,7 +2070,7 @@
               <a:buFont typeface="Calibri" pitchFamily="34" charset="0"/>
               <a:buNone/>
             </a:pPr>
-            <a:endParaRPr lang="en-US" dirty="0" smtClean="0">
+            <a:endParaRPr lang="en-US" dirty="0">
               <a:solidFill>
                 <a:schemeClr val="bg1"/>
               </a:solidFill>
@@ -2100,7 +2085,7 @@
               </a:spcBef>
             </a:pPr>
             <a:r>
-              <a:rPr lang="en-US" sz="2000" b="1" u="sng" dirty="0" smtClean="0">
+              <a:rPr lang="en-US" sz="2000" b="1" u="sng" dirty="0">
                 <a:solidFill>
                   <a:schemeClr val="bg1"/>
                 </a:solidFill>
@@ -2119,7 +2104,7 @@
               <a:buNone/>
             </a:pPr>
             <a:r>
-              <a:rPr lang="en-US" dirty="0" smtClean="0">
+              <a:rPr lang="en-US" dirty="0">
                 <a:solidFill>
                   <a:schemeClr val="bg1"/>
                 </a:solidFill>
@@ -2129,7 +2114,7 @@
               <a:t>The query will create a Database with name </a:t>
             </a:r>
             <a:r>
-              <a:rPr lang="en-US" dirty="0" err="1" smtClean="0">
+              <a:rPr lang="en-US" dirty="0" err="1">
                 <a:solidFill>
                   <a:schemeClr val="bg1"/>
                 </a:solidFill>
@@ -2138,7 +2123,7 @@
               </a:rPr>
               <a:t>ABCTradersPMSDB</a:t>
             </a:r>
-            <a:endParaRPr lang="en-US" dirty="0" smtClean="0">
+            <a:endParaRPr lang="en-US" dirty="0">
               <a:solidFill>
                 <a:schemeClr val="bg1"/>
               </a:solidFill>
@@ -2154,7 +2139,7 @@
               <a:buFont typeface="Calibri" pitchFamily="34" charset="0"/>
               <a:buNone/>
             </a:pPr>
-            <a:endParaRPr lang="en-US" dirty="0" smtClean="0">
+            <a:endParaRPr lang="en-US" dirty="0">
               <a:solidFill>
                 <a:schemeClr val="bg1"/>
               </a:solidFill>
@@ -2255,7 +2240,7 @@
               <a:buFont typeface="Calibri" pitchFamily="34" charset="0"/>
               <a:buNone/>
             </a:pPr>
-            <a:endParaRPr lang="en-US" dirty="0" smtClean="0">
+            <a:endParaRPr lang="en-US" dirty="0">
               <a:solidFill>
                 <a:schemeClr val="bg1"/>
               </a:solidFill>
@@ -2282,7 +2267,7 @@
               <a:defRPr/>
             </a:pPr>
             <a:r>
-              <a:rPr lang="en-US" sz="1200" b="1" dirty="0" smtClean="0">
+              <a:rPr lang="en-US" sz="1200" b="1" dirty="0">
                 <a:solidFill>
                   <a:schemeClr val="bg1"/>
                 </a:solidFill>
@@ -2311,7 +2296,7 @@
               <a:defRPr/>
             </a:pPr>
             <a:r>
-              <a:rPr lang="en-US" sz="1200" b="1" dirty="0" smtClean="0">
+              <a:rPr lang="en-US" sz="1200" b="1" dirty="0">
                 <a:solidFill>
                   <a:schemeClr val="bg1"/>
                 </a:solidFill>
@@ -2321,7 +2306,7 @@
               <a:t>Tim needs to be told about the best practices which we will follow while naming database or database objects</a:t>
             </a:r>
             <a:r>
-              <a:rPr lang="en-US" sz="1200" dirty="0" smtClean="0">
+              <a:rPr lang="en-US" sz="1200" dirty="0">
                 <a:solidFill>
                   <a:schemeClr val="bg1"/>
                 </a:solidFill>
@@ -2337,7 +2322,7 @@
                 <a:spcPts val="0"/>
               </a:spcBef>
             </a:pPr>
-            <a:endParaRPr lang="en-US" sz="2000" b="1" u="sng" dirty="0" smtClean="0">
+            <a:endParaRPr lang="en-US" sz="2000" b="1" u="sng" dirty="0">
               <a:solidFill>
                 <a:schemeClr val="bg1"/>
               </a:solidFill>
@@ -2351,7 +2336,7 @@
                 <a:spcPts val="0"/>
               </a:spcBef>
             </a:pPr>
-            <a:endParaRPr lang="en-US" sz="2000" b="1" u="sng" dirty="0" smtClean="0">
+            <a:endParaRPr lang="en-US" sz="2000" b="1" u="sng" dirty="0">
               <a:solidFill>
                 <a:schemeClr val="bg1"/>
               </a:solidFill>
@@ -2366,7 +2351,7 @@
               </a:spcBef>
             </a:pPr>
             <a:r>
-              <a:rPr lang="en-US" sz="2000" b="1" u="sng" dirty="0" smtClean="0">
+              <a:rPr lang="en-US" sz="2000" b="1" u="sng" dirty="0">
                 <a:solidFill>
                   <a:schemeClr val="bg1"/>
                 </a:solidFill>
@@ -2385,7 +2370,7 @@
               <a:buNone/>
             </a:pPr>
             <a:r>
-              <a:rPr lang="en-US" dirty="0" smtClean="0">
+              <a:rPr lang="en-US" dirty="0">
                 <a:solidFill>
                   <a:schemeClr val="bg1"/>
                 </a:solidFill>
@@ -2395,7 +2380,7 @@
               <a:t>The query will create a Database with name </a:t>
             </a:r>
             <a:r>
-              <a:rPr lang="en-US" dirty="0" err="1" smtClean="0">
+              <a:rPr lang="en-US" dirty="0" err="1">
                 <a:solidFill>
                   <a:schemeClr val="bg1"/>
                 </a:solidFill>
@@ -2404,7 +2389,7 @@
               </a:rPr>
               <a:t>ABCTradersPMSDB</a:t>
             </a:r>
-            <a:endParaRPr lang="en-US" dirty="0" smtClean="0">
+            <a:endParaRPr lang="en-US" dirty="0">
               <a:solidFill>
                 <a:schemeClr val="bg1"/>
               </a:solidFill>
@@ -2420,7 +2405,7 @@
               <a:buFont typeface="Calibri" pitchFamily="34" charset="0"/>
               <a:buNone/>
             </a:pPr>
-            <a:endParaRPr lang="en-US" dirty="0" smtClean="0">
+            <a:endParaRPr lang="en-US" dirty="0">
               <a:solidFill>
                 <a:schemeClr val="bg1"/>
               </a:solidFill>
@@ -2521,7 +2506,7 @@
               <a:buFont typeface="Calibri" pitchFamily="34" charset="0"/>
               <a:buNone/>
             </a:pPr>
-            <a:endParaRPr lang="en-US" dirty="0" smtClean="0">
+            <a:endParaRPr lang="en-US" dirty="0">
               <a:solidFill>
                 <a:schemeClr val="bg1"/>
               </a:solidFill>
@@ -2536,7 +2521,7 @@
               </a:spcBef>
             </a:pPr>
             <a:r>
-              <a:rPr lang="en-US" sz="2000" b="1" u="sng" dirty="0" smtClean="0">
+              <a:rPr lang="en-US" sz="2000" b="1" u="sng" dirty="0">
                 <a:solidFill>
                   <a:schemeClr val="bg1"/>
                 </a:solidFill>
@@ -2555,7 +2540,7 @@
               <a:buNone/>
             </a:pPr>
             <a:r>
-              <a:rPr lang="en-US" dirty="0" smtClean="0">
+              <a:rPr lang="en-US" dirty="0">
                 <a:solidFill>
                   <a:schemeClr val="bg1"/>
                 </a:solidFill>
@@ -2565,7 +2550,7 @@
               <a:t>The query will create a Database with name </a:t>
             </a:r>
             <a:r>
-              <a:rPr lang="en-US" dirty="0" err="1" smtClean="0">
+              <a:rPr lang="en-US" dirty="0" err="1">
                 <a:solidFill>
                   <a:schemeClr val="bg1"/>
                 </a:solidFill>
@@ -2574,7 +2559,7 @@
               </a:rPr>
               <a:t>ABCTradersPMSDB</a:t>
             </a:r>
-            <a:endParaRPr lang="en-US" dirty="0" smtClean="0">
+            <a:endParaRPr lang="en-US" dirty="0">
               <a:solidFill>
                 <a:schemeClr val="bg1"/>
               </a:solidFill>
@@ -2590,7 +2575,7 @@
               <a:buFont typeface="Calibri" pitchFamily="34" charset="0"/>
               <a:buNone/>
             </a:pPr>
-            <a:endParaRPr lang="en-US" dirty="0" smtClean="0">
+            <a:endParaRPr lang="en-US" dirty="0">
               <a:solidFill>
                 <a:schemeClr val="bg1"/>
               </a:solidFill>
@@ -2776,7 +2761,7 @@
               <a:buFont typeface="Calibri" pitchFamily="34" charset="0"/>
               <a:buNone/>
             </a:pPr>
-            <a:endParaRPr lang="en-US" dirty="0" smtClean="0">
+            <a:endParaRPr lang="en-US" dirty="0">
               <a:solidFill>
                 <a:schemeClr val="bg1"/>
               </a:solidFill>
@@ -2792,7 +2777,7 @@
               <a:buFont typeface="Calibri" pitchFamily="34" charset="0"/>
               <a:buNone/>
             </a:pPr>
-            <a:endParaRPr lang="en-US" dirty="0" smtClean="0">
+            <a:endParaRPr lang="en-US" dirty="0">
               <a:solidFill>
                 <a:schemeClr val="bg1"/>
               </a:solidFill>
@@ -2893,7 +2878,7 @@
               <a:buFont typeface="Calibri" pitchFamily="34" charset="0"/>
               <a:buNone/>
             </a:pPr>
-            <a:endParaRPr lang="en-US" dirty="0" smtClean="0">
+            <a:endParaRPr lang="en-US" dirty="0">
               <a:solidFill>
                 <a:schemeClr val="bg1"/>
               </a:solidFill>
@@ -2909,7 +2894,7 @@
               <a:buFont typeface="Calibri" pitchFamily="34" charset="0"/>
               <a:buNone/>
             </a:pPr>
-            <a:endParaRPr lang="en-US" dirty="0" smtClean="0">
+            <a:endParaRPr lang="en-US" dirty="0">
               <a:solidFill>
                 <a:schemeClr val="bg1"/>
               </a:solidFill>
@@ -3042,7 +3027,7 @@
           <a:p>
             <a:pPr lvl="0"/>
             <a:r>
-              <a:rPr lang="en-US" dirty="0" smtClean="0"/>
+              <a:rPr lang="en-US" dirty="0"/>
               <a:t>Read Me First</a:t>
             </a:r>
           </a:p>
@@ -3086,10 +3071,9 @@
           <a:p>
             <a:pPr lvl="0"/>
             <a:r>
-              <a:rPr lang="en-US" dirty="0" smtClean="0"/>
+              <a:rPr lang="en-US" dirty="0"/>
               <a:t>See notes on the left of slide </a:t>
             </a:r>
-            <a:endParaRPr lang="en-US" dirty="0"/>
           </a:p>
         </p:txBody>
       </p:sp>
@@ -3155,7 +3139,7 @@
               <a:defRPr/>
             </a:pPr>
             <a:r>
-              <a:rPr lang="en-US" sz="1800" b="1" dirty="0" smtClean="0">
+              <a:rPr lang="en-US" sz="1800" b="1" dirty="0">
                 <a:solidFill>
                   <a:schemeClr val="tx2"/>
                 </a:solidFill>
@@ -3168,7 +3152,7 @@
               <a:buFont typeface="Arial" panose="020B0604020202020204" pitchFamily="34" charset="0"/>
               <a:buNone/>
             </a:pPr>
-            <a:endParaRPr lang="en-US" sz="1800" b="1" dirty="0" smtClean="0">
+            <a:endParaRPr lang="en-US" sz="1800" b="1" dirty="0">
               <a:solidFill>
                 <a:schemeClr val="tx2"/>
               </a:solidFill>
@@ -3180,7 +3164,7 @@
               <a:buChar char="•"/>
             </a:pPr>
             <a:r>
-              <a:rPr lang="en-US" sz="1800" dirty="0" smtClean="0">
+              <a:rPr lang="en-US" sz="1800" dirty="0">
                 <a:solidFill>
                   <a:schemeClr val="tx2"/>
                 </a:solidFill>
@@ -3188,7 +3172,7 @@
               <a:t>Follow the </a:t>
             </a:r>
             <a:r>
-              <a:rPr lang="en-US" sz="1800" b="1" dirty="0" smtClean="0">
+              <a:rPr lang="en-US" sz="1800" b="1" dirty="0">
                 <a:solidFill>
                   <a:schemeClr val="tx2"/>
                 </a:solidFill>
@@ -3196,7 +3180,7 @@
               <a:t>5</a:t>
             </a:r>
             <a:r>
-              <a:rPr lang="en-US" sz="1800" dirty="0" smtClean="0">
+              <a:rPr lang="en-US" sz="1800" dirty="0">
                 <a:solidFill>
                   <a:schemeClr val="tx2"/>
                 </a:solidFill>
@@ -3204,7 +3188,7 @@
               <a:t> </a:t>
             </a:r>
             <a:r>
-              <a:rPr lang="en-US" sz="1800" b="1" dirty="0" smtClean="0">
+              <a:rPr lang="en-US" sz="1800" b="1" dirty="0">
                 <a:solidFill>
                   <a:schemeClr val="tx2"/>
                 </a:solidFill>
@@ -3212,7 +3196,7 @@
               <a:t>slide design principles</a:t>
             </a:r>
             <a:r>
-              <a:rPr lang="en-US" sz="1800" dirty="0" smtClean="0">
+              <a:rPr lang="en-US" sz="1800" dirty="0">
                 <a:solidFill>
                   <a:schemeClr val="tx2"/>
                 </a:solidFill>
@@ -3220,7 +3204,7 @@
               <a:t> from the</a:t>
             </a:r>
             <a:r>
-              <a:rPr lang="en-US" sz="1800" baseline="0" dirty="0" smtClean="0">
+              <a:rPr lang="en-US" sz="1800" baseline="0" dirty="0">
                 <a:solidFill>
                   <a:schemeClr val="tx2"/>
                 </a:solidFill>
@@ -3228,7 +3212,7 @@
               <a:t> video </a:t>
             </a:r>
             <a:r>
-              <a:rPr lang="en-US" sz="1800" b="0" i="1" kern="1200" dirty="0" smtClean="0">
+              <a:rPr lang="en-US" sz="1800" b="0" i="1" kern="1200" dirty="0">
                 <a:solidFill>
                   <a:srgbClr val="0070C0"/>
                 </a:solidFill>
@@ -3240,7 +3224,7 @@
               <a:t>How to avoid death By PowerPoint  </a:t>
             </a:r>
             <a:r>
-              <a:rPr lang="en-US" sz="1800" baseline="0" dirty="0" smtClean="0">
+              <a:rPr lang="en-US" sz="1800" baseline="0" dirty="0">
                 <a:solidFill>
                   <a:schemeClr val="tx2"/>
                 </a:solidFill>
@@ -3254,7 +3238,7 @@
               <a:buChar char="•"/>
             </a:pPr>
             <a:r>
-              <a:rPr lang="en-US" sz="1800" baseline="0" dirty="0" smtClean="0">
+              <a:rPr lang="en-US" sz="1800" baseline="0" dirty="0">
                 <a:solidFill>
                   <a:schemeClr val="tx2"/>
                 </a:solidFill>
@@ -3262,7 +3246,7 @@
               <a:t>Adhere to </a:t>
             </a:r>
             <a:r>
-              <a:rPr lang="en-US" sz="1800" b="1" baseline="0" dirty="0" smtClean="0">
+              <a:rPr lang="en-US" sz="1800" b="1" baseline="0" dirty="0">
                 <a:solidFill>
                   <a:schemeClr val="tx2"/>
                 </a:solidFill>
@@ -3270,7 +3254,7 @@
               <a:t>LCD ABC model </a:t>
             </a:r>
             <a:r>
-              <a:rPr lang="en-US" sz="1800" baseline="0" dirty="0" smtClean="0">
+              <a:rPr lang="en-US" sz="1800" baseline="0" dirty="0">
                 <a:solidFill>
                   <a:schemeClr val="tx2"/>
                 </a:solidFill>
@@ -3284,7 +3268,7 @@
               <a:buChar char="•"/>
             </a:pPr>
             <a:r>
-              <a:rPr lang="en-US" sz="1800" baseline="0" dirty="0" smtClean="0">
+              <a:rPr lang="en-US" sz="1800" baseline="0" dirty="0">
                 <a:solidFill>
                   <a:schemeClr val="tx2"/>
                 </a:solidFill>
@@ -3298,7 +3282,7 @@
               <a:buChar char="•"/>
             </a:pPr>
             <a:r>
-              <a:rPr lang="en-US" sz="1800" baseline="0" dirty="0" smtClean="0">
+              <a:rPr lang="en-US" sz="1800" baseline="0" dirty="0">
                 <a:solidFill>
                   <a:schemeClr val="tx2"/>
                 </a:solidFill>
@@ -3312,7 +3296,7 @@
               <a:buChar char="•"/>
             </a:pPr>
             <a:r>
-              <a:rPr lang="en-US" sz="1800" baseline="0" dirty="0" smtClean="0">
+              <a:rPr lang="en-US" sz="1800" baseline="0" dirty="0">
                 <a:solidFill>
                   <a:schemeClr val="tx2"/>
                 </a:solidFill>
@@ -3346,13 +3330,6 @@
   <p:clrMapOvr>
     <a:masterClrMapping/>
   </p:clrMapOvr>
-  <p:timing>
-    <p:tnLst>
-      <p:par>
-        <p:cTn id="1" dur="indefinite" restart="never" nodeType="tmRoot"/>
-      </p:par>
-    </p:tnLst>
-  </p:timing>
 </p:sldLayout>
 </file>
 
@@ -3413,10 +3390,9 @@
           </a:lstStyle>
           <a:p>
             <a:r>
-              <a:rPr lang="en-US" dirty="0" smtClean="0"/>
+              <a:rPr lang="en-US" dirty="0"/>
               <a:t>Recap or Review – use any color slide</a:t>
             </a:r>
-            <a:endParaRPr lang="en-US" dirty="0"/>
           </a:p>
         </p:txBody>
       </p:sp>
@@ -3504,35 +3480,35 @@
           <a:p>
             <a:pPr lvl="0"/>
             <a:r>
-              <a:rPr lang="en-US" smtClean="0"/>
+              <a:rPr lang="en-US"/>
               <a:t>Edit Master text styles</a:t>
             </a:r>
           </a:p>
           <a:p>
             <a:pPr lvl="1"/>
             <a:r>
-              <a:rPr lang="en-US" smtClean="0"/>
+              <a:rPr lang="en-US"/>
               <a:t>Second level</a:t>
             </a:r>
           </a:p>
           <a:p>
             <a:pPr lvl="2"/>
             <a:r>
-              <a:rPr lang="en-US" smtClean="0"/>
+              <a:rPr lang="en-US"/>
               <a:t>Third level</a:t>
             </a:r>
           </a:p>
           <a:p>
             <a:pPr lvl="3"/>
             <a:r>
-              <a:rPr lang="en-US" smtClean="0"/>
+              <a:rPr lang="en-US"/>
               <a:t>Fourth level</a:t>
             </a:r>
           </a:p>
           <a:p>
             <a:pPr lvl="4"/>
             <a:r>
-              <a:rPr lang="en-US" smtClean="0"/>
+              <a:rPr lang="en-US"/>
               <a:t>Fifth level</a:t>
             </a:r>
             <a:endParaRPr lang="en-US" dirty="0"/>
@@ -3552,13 +3528,6 @@
   <p:clrMapOvr>
     <a:masterClrMapping/>
   </p:clrMapOvr>
-  <p:timing>
-    <p:tnLst>
-      <p:par>
-        <p:cTn id="1" dur="indefinite" restart="never" nodeType="tmRoot"/>
-      </p:par>
-    </p:tnLst>
-  </p:timing>
 </p:sldLayout>
 </file>
 
@@ -3619,10 +3588,9 @@
           </a:lstStyle>
           <a:p>
             <a:r>
-              <a:rPr lang="en-US" dirty="0" smtClean="0"/>
+              <a:rPr lang="en-US" dirty="0"/>
               <a:t>Slide Title – Light Blue Background</a:t>
             </a:r>
-            <a:endParaRPr lang="en-US" dirty="0"/>
           </a:p>
         </p:txBody>
       </p:sp>
@@ -3710,35 +3678,35 @@
           <a:p>
             <a:pPr lvl="0"/>
             <a:r>
-              <a:rPr lang="en-US" smtClean="0"/>
+              <a:rPr lang="en-US"/>
               <a:t>Edit Master text styles</a:t>
             </a:r>
           </a:p>
           <a:p>
             <a:pPr lvl="1"/>
             <a:r>
-              <a:rPr lang="en-US" smtClean="0"/>
+              <a:rPr lang="en-US"/>
               <a:t>Second level</a:t>
             </a:r>
           </a:p>
           <a:p>
             <a:pPr lvl="2"/>
             <a:r>
-              <a:rPr lang="en-US" smtClean="0"/>
+              <a:rPr lang="en-US"/>
               <a:t>Third level</a:t>
             </a:r>
           </a:p>
           <a:p>
             <a:pPr lvl="3"/>
             <a:r>
-              <a:rPr lang="en-US" smtClean="0"/>
+              <a:rPr lang="en-US"/>
               <a:t>Fourth level</a:t>
             </a:r>
           </a:p>
           <a:p>
             <a:pPr lvl="4"/>
             <a:r>
-              <a:rPr lang="en-US" smtClean="0"/>
+              <a:rPr lang="en-US"/>
               <a:t>Fifth level</a:t>
             </a:r>
             <a:endParaRPr lang="en-US" dirty="0"/>
@@ -3758,13 +3726,6 @@
   <p:clrMapOvr>
     <a:masterClrMapping/>
   </p:clrMapOvr>
-  <p:timing>
-    <p:tnLst>
-      <p:par>
-        <p:cTn id="1" dur="indefinite" restart="never" nodeType="tmRoot"/>
-      </p:par>
-    </p:tnLst>
-  </p:timing>
 </p:sldLayout>
 </file>
 
@@ -3825,10 +3786,9 @@
           </a:lstStyle>
           <a:p>
             <a:r>
-              <a:rPr lang="en-US" dirty="0" smtClean="0"/>
+              <a:rPr lang="en-US" dirty="0"/>
               <a:t>Slide Title – White background</a:t>
             </a:r>
-            <a:endParaRPr lang="en-US" dirty="0"/>
           </a:p>
         </p:txBody>
       </p:sp>
@@ -3908,35 +3868,35 @@
           <a:p>
             <a:pPr lvl="0"/>
             <a:r>
-              <a:rPr lang="en-US" smtClean="0"/>
+              <a:rPr lang="en-US"/>
               <a:t>Edit Master text styles</a:t>
             </a:r>
           </a:p>
           <a:p>
             <a:pPr lvl="1"/>
             <a:r>
-              <a:rPr lang="en-US" smtClean="0"/>
+              <a:rPr lang="en-US"/>
               <a:t>Second level</a:t>
             </a:r>
           </a:p>
           <a:p>
             <a:pPr lvl="2"/>
             <a:r>
-              <a:rPr lang="en-US" smtClean="0"/>
+              <a:rPr lang="en-US"/>
               <a:t>Third level</a:t>
             </a:r>
           </a:p>
           <a:p>
             <a:pPr lvl="3"/>
             <a:r>
-              <a:rPr lang="en-US" smtClean="0"/>
+              <a:rPr lang="en-US"/>
               <a:t>Fourth level</a:t>
             </a:r>
           </a:p>
           <a:p>
             <a:pPr lvl="4"/>
             <a:r>
-              <a:rPr lang="en-US" smtClean="0"/>
+              <a:rPr lang="en-US"/>
               <a:t>Fifth level</a:t>
             </a:r>
             <a:endParaRPr lang="en-US" dirty="0"/>
@@ -3956,13 +3916,6 @@
   <p:clrMapOvr>
     <a:masterClrMapping/>
   </p:clrMapOvr>
-  <p:timing>
-    <p:tnLst>
-      <p:par>
-        <p:cTn id="1" dur="indefinite" restart="never" nodeType="tmRoot"/>
-      </p:par>
-    </p:tnLst>
-  </p:timing>
 </p:sldLayout>
 </file>
 
@@ -4023,10 +3976,9 @@
           </a:lstStyle>
           <a:p>
             <a:r>
-              <a:rPr lang="en-US" dirty="0" smtClean="0"/>
+              <a:rPr lang="en-US" dirty="0"/>
               <a:t>Check on learning -  any color slide </a:t>
             </a:r>
-            <a:endParaRPr lang="en-US" dirty="0"/>
           </a:p>
         </p:txBody>
       </p:sp>
@@ -4114,35 +4066,35 @@
           <a:p>
             <a:pPr lvl="0"/>
             <a:r>
-              <a:rPr lang="en-US" smtClean="0"/>
+              <a:rPr lang="en-US"/>
               <a:t>Edit Master text styles</a:t>
             </a:r>
           </a:p>
           <a:p>
             <a:pPr lvl="1"/>
             <a:r>
-              <a:rPr lang="en-US" smtClean="0"/>
+              <a:rPr lang="en-US"/>
               <a:t>Second level</a:t>
             </a:r>
           </a:p>
           <a:p>
             <a:pPr lvl="2"/>
             <a:r>
-              <a:rPr lang="en-US" smtClean="0"/>
+              <a:rPr lang="en-US"/>
               <a:t>Third level</a:t>
             </a:r>
           </a:p>
           <a:p>
             <a:pPr lvl="3"/>
             <a:r>
-              <a:rPr lang="en-US" smtClean="0"/>
+              <a:rPr lang="en-US"/>
               <a:t>Fourth level</a:t>
             </a:r>
           </a:p>
           <a:p>
             <a:pPr lvl="4"/>
             <a:r>
-              <a:rPr lang="en-US" smtClean="0"/>
+              <a:rPr lang="en-US"/>
               <a:t>Fifth level</a:t>
             </a:r>
             <a:endParaRPr lang="en-US" dirty="0"/>
@@ -4162,13 +4114,6 @@
   <p:clrMapOvr>
     <a:masterClrMapping/>
   </p:clrMapOvr>
-  <p:timing>
-    <p:tnLst>
-      <p:par>
-        <p:cTn id="1" dur="indefinite" restart="never" nodeType="tmRoot"/>
-      </p:par>
-    </p:tnLst>
-  </p:timing>
 </p:sldLayout>
 </file>
 
@@ -4229,10 +4174,9 @@
           </a:lstStyle>
           <a:p>
             <a:r>
-              <a:rPr lang="en-US" dirty="0" smtClean="0"/>
+              <a:rPr lang="en-US" dirty="0"/>
               <a:t>Restate terminal objective - any color slide </a:t>
             </a:r>
-            <a:endParaRPr lang="en-US" dirty="0"/>
           </a:p>
         </p:txBody>
       </p:sp>
@@ -4320,35 +4264,35 @@
           <a:p>
             <a:pPr lvl="0"/>
             <a:r>
-              <a:rPr lang="en-US" smtClean="0"/>
+              <a:rPr lang="en-US"/>
               <a:t>Edit Master text styles</a:t>
             </a:r>
           </a:p>
           <a:p>
             <a:pPr lvl="1"/>
             <a:r>
-              <a:rPr lang="en-US" smtClean="0"/>
+              <a:rPr lang="en-US"/>
               <a:t>Second level</a:t>
             </a:r>
           </a:p>
           <a:p>
             <a:pPr lvl="2"/>
             <a:r>
-              <a:rPr lang="en-US" smtClean="0"/>
+              <a:rPr lang="en-US"/>
               <a:t>Third level</a:t>
             </a:r>
           </a:p>
           <a:p>
             <a:pPr lvl="3"/>
             <a:r>
-              <a:rPr lang="en-US" smtClean="0"/>
+              <a:rPr lang="en-US"/>
               <a:t>Fourth level</a:t>
             </a:r>
           </a:p>
           <a:p>
             <a:pPr lvl="4"/>
             <a:r>
-              <a:rPr lang="en-US" smtClean="0"/>
+              <a:rPr lang="en-US"/>
               <a:t>Fifth level</a:t>
             </a:r>
             <a:endParaRPr lang="en-US" dirty="0"/>
@@ -4368,13 +4312,6 @@
   <p:clrMapOvr>
     <a:masterClrMapping/>
   </p:clrMapOvr>
-  <p:timing>
-    <p:tnLst>
-      <p:par>
-        <p:cTn id="1" dur="indefinite" restart="never" nodeType="tmRoot"/>
-      </p:par>
-    </p:tnLst>
-  </p:timing>
 </p:sldLayout>
 </file>
 
@@ -4435,10 +4372,9 @@
           </a:lstStyle>
           <a:p>
             <a:r>
-              <a:rPr lang="en-US" dirty="0" smtClean="0"/>
+              <a:rPr lang="en-US" dirty="0"/>
               <a:t>Ask learner-centered questions - any color slide </a:t>
             </a:r>
-            <a:endParaRPr lang="en-US" dirty="0"/>
           </a:p>
         </p:txBody>
       </p:sp>
@@ -4526,35 +4462,35 @@
           <a:p>
             <a:pPr lvl="0"/>
             <a:r>
-              <a:rPr lang="en-US" smtClean="0"/>
+              <a:rPr lang="en-US"/>
               <a:t>Edit Master text styles</a:t>
             </a:r>
           </a:p>
           <a:p>
             <a:pPr lvl="1"/>
             <a:r>
-              <a:rPr lang="en-US" smtClean="0"/>
+              <a:rPr lang="en-US"/>
               <a:t>Second level</a:t>
             </a:r>
           </a:p>
           <a:p>
             <a:pPr lvl="2"/>
             <a:r>
-              <a:rPr lang="en-US" smtClean="0"/>
+              <a:rPr lang="en-US"/>
               <a:t>Third level</a:t>
             </a:r>
           </a:p>
           <a:p>
             <a:pPr lvl="3"/>
             <a:r>
-              <a:rPr lang="en-US" smtClean="0"/>
+              <a:rPr lang="en-US"/>
               <a:t>Fourth level</a:t>
             </a:r>
           </a:p>
           <a:p>
             <a:pPr lvl="4"/>
             <a:r>
-              <a:rPr lang="en-US" smtClean="0"/>
+              <a:rPr lang="en-US"/>
               <a:t>Fifth level</a:t>
             </a:r>
             <a:endParaRPr lang="en-US" dirty="0"/>
@@ -4574,13 +4510,6 @@
   <p:clrMapOvr>
     <a:masterClrMapping/>
   </p:clrMapOvr>
-  <p:timing>
-    <p:tnLst>
-      <p:par>
-        <p:cTn id="1" dur="indefinite" restart="never" nodeType="tmRoot"/>
-      </p:par>
-    </p:tnLst>
-  </p:timing>
 </p:sldLayout>
 </file>
 
@@ -4664,10 +4593,9 @@
           </a:lstStyle>
           <a:p>
             <a:r>
-              <a:rPr lang="en-US" dirty="0" smtClean="0"/>
+              <a:rPr lang="en-US" dirty="0"/>
               <a:t>Thank you</a:t>
             </a:r>
-            <a:endParaRPr lang="en-US" dirty="0"/>
           </a:p>
         </p:txBody>
       </p:sp>
@@ -4768,21 +4696,21 @@
           <a:p>
             <a:pPr lvl="0"/>
             <a:r>
-              <a:rPr lang="en-US" dirty="0" smtClean="0"/>
+              <a:rPr lang="en-US" dirty="0"/>
               <a:t>Name</a:t>
             </a:r>
           </a:p>
           <a:p>
             <a:pPr lvl="0"/>
             <a:r>
-              <a:rPr lang="en-US" dirty="0" smtClean="0"/>
+              <a:rPr lang="en-US" dirty="0"/>
               <a:t>ID</a:t>
             </a:r>
             <a:br>
-              <a:rPr lang="en-US" dirty="0" smtClean="0"/>
+              <a:rPr lang="en-US" dirty="0"/>
             </a:br>
             <a:r>
-              <a:rPr lang="en-US" dirty="0" smtClean="0"/>
+              <a:rPr lang="en-US" dirty="0"/>
               <a:t>Email</a:t>
             </a:r>
           </a:p>
@@ -5060,13 +4988,6 @@
   <p:clrMapOvr>
     <a:masterClrMapping/>
   </p:clrMapOvr>
-  <p:timing>
-    <p:tnLst>
-      <p:par>
-        <p:cTn id="1" dur="indefinite" restart="never" nodeType="tmRoot"/>
-      </p:par>
-    </p:tnLst>
-  </p:timing>
 </p:sldLayout>
 </file>
 
@@ -5100,13 +5021,6 @@
   <p:clrMapOvr>
     <a:masterClrMapping/>
   </p:clrMapOvr>
-  <p:timing>
-    <p:tnLst>
-      <p:par>
-        <p:cTn id="1" dur="indefinite" restart="never" nodeType="tmRoot"/>
-      </p:par>
-    </p:tnLst>
-  </p:timing>
 </p:sldLayout>
 </file>
 
@@ -5379,25 +5293,8 @@
                 <a:latin typeface="Arial" panose="020B0604020202020204" pitchFamily="34" charset="0"/>
                 <a:cs typeface="Arial" panose="020B0604020202020204" pitchFamily="34" charset="0"/>
               </a:rPr>
-              <a:t>LEVEL </a:t>
-            </a:r>
-            <a:r>
-              <a:rPr lang="en-US" b="1" dirty="0" smtClean="0">
-                <a:solidFill>
-                  <a:schemeClr val="bg1"/>
-                </a:solidFill>
-                <a:latin typeface="Arial" panose="020B0604020202020204" pitchFamily="34" charset="0"/>
-                <a:cs typeface="Arial" panose="020B0604020202020204" pitchFamily="34" charset="0"/>
-              </a:rPr>
-              <a:t>- LEARNER</a:t>
-            </a:r>
-            <a:endParaRPr lang="en-US" b="1" dirty="0">
-              <a:solidFill>
-                <a:schemeClr val="bg1"/>
-              </a:solidFill>
-              <a:latin typeface="Arial" panose="020B0604020202020204" pitchFamily="34" charset="0"/>
-              <a:cs typeface="Arial" panose="020B0604020202020204" pitchFamily="34" charset="0"/>
-            </a:endParaRPr>
+              <a:t>LEVEL - LEARNER</a:t>
+            </a:r>
           </a:p>
         </p:txBody>
       </p:sp>
@@ -5411,13 +5308,6 @@
   <p:clrMapOvr>
     <a:masterClrMapping/>
   </p:clrMapOvr>
-  <p:timing>
-    <p:tnLst>
-      <p:par>
-        <p:cTn id="1" dur="indefinite" restart="never" nodeType="tmRoot"/>
-      </p:par>
-    </p:tnLst>
-  </p:timing>
 </p:sldLayout>
 </file>
 
@@ -5525,7 +5415,7 @@
           <a:p>
             <a:pPr lvl="0"/>
             <a:r>
-              <a:rPr lang="en-US" dirty="0" smtClean="0"/>
+              <a:rPr lang="en-US" dirty="0"/>
               <a:t>Course Title</a:t>
             </a:r>
           </a:p>
@@ -5569,10 +5459,9 @@
           <a:p>
             <a:pPr lvl="0"/>
             <a:r>
-              <a:rPr lang="en-US" dirty="0" smtClean="0"/>
+              <a:rPr lang="en-US" dirty="0"/>
               <a:t>Sub Topic Title</a:t>
             </a:r>
-            <a:endParaRPr lang="en-US" dirty="0"/>
           </a:p>
         </p:txBody>
       </p:sp>
@@ -5728,13 +5617,6 @@
   <p:clrMapOvr>
     <a:masterClrMapping/>
   </p:clrMapOvr>
-  <p:timing>
-    <p:tnLst>
-      <p:par>
-        <p:cTn id="1" dur="indefinite" restart="never" nodeType="tmRoot"/>
-      </p:par>
-    </p:tnLst>
-  </p:timing>
 </p:sldLayout>
 </file>
 
@@ -5771,10 +5653,9 @@
           <a:lstStyle/>
           <a:p>
             <a:r>
-              <a:rPr lang="en-US" smtClean="0"/>
+              <a:rPr lang="en-US"/>
               <a:t>Click to edit Master title style</a:t>
             </a:r>
-            <a:endParaRPr lang="en-US"/>
           </a:p>
         </p:txBody>
       </p:sp>
@@ -5795,38 +5676,37 @@
           <a:p>
             <a:pPr lvl="0"/>
             <a:r>
-              <a:rPr lang="en-US" smtClean="0"/>
+              <a:rPr lang="en-US"/>
               <a:t>Edit Master text styles</a:t>
             </a:r>
           </a:p>
           <a:p>
             <a:pPr lvl="1"/>
             <a:r>
-              <a:rPr lang="en-US" smtClean="0"/>
+              <a:rPr lang="en-US"/>
               <a:t>Second level</a:t>
             </a:r>
           </a:p>
           <a:p>
             <a:pPr lvl="2"/>
             <a:r>
-              <a:rPr lang="en-US" smtClean="0"/>
+              <a:rPr lang="en-US"/>
               <a:t>Third level</a:t>
             </a:r>
           </a:p>
           <a:p>
             <a:pPr lvl="3"/>
             <a:r>
-              <a:rPr lang="en-US" smtClean="0"/>
+              <a:rPr lang="en-US"/>
               <a:t>Fourth level</a:t>
             </a:r>
           </a:p>
           <a:p>
             <a:pPr lvl="4"/>
             <a:r>
-              <a:rPr lang="en-US" smtClean="0"/>
+              <a:rPr lang="en-US"/>
               <a:t>Fifth level</a:t>
             </a:r>
-            <a:endParaRPr lang="en-US"/>
           </a:p>
         </p:txBody>
       </p:sp>
@@ -5847,7 +5727,7 @@
           <a:p>
             <a:fld id="{1793A5AB-402B-4B57-BAD0-22A4EF7606EB}" type="datetimeFigureOut">
               <a:rPr lang="en-US" smtClean="0"/>
-              <a:t>3/5/2020</a:t>
+              <a:t>3/31/2022</a:t>
             </a:fld>
             <a:endParaRPr lang="en-US"/>
           </a:p>
@@ -5964,21 +5844,21 @@
           <a:p>
             <a:pPr lvl="0"/>
             <a:r>
-              <a:rPr lang="en-US" dirty="0" smtClean="0"/>
+              <a:rPr lang="en-US" dirty="0"/>
               <a:t>Add text here. (Topic slide starts from here)</a:t>
             </a:r>
           </a:p>
           <a:p>
             <a:pPr lvl="1"/>
             <a:r>
-              <a:rPr lang="en-US" dirty="0" smtClean="0"/>
+              <a:rPr lang="en-US" dirty="0"/>
               <a:t>You can add a picture, chart, or other content in the right column by clicking the appropriate button.</a:t>
             </a:r>
           </a:p>
           <a:p>
             <a:pPr lvl="2"/>
             <a:r>
-              <a:rPr lang="en-US" dirty="0" smtClean="0"/>
+              <a:rPr lang="en-US" dirty="0"/>
               <a:t>You may need more than one slide for each topic. To add a slide, click New Slide on the Insert menu, or press CTRL+M and add a suitable slide depending upon the content</a:t>
             </a:r>
           </a:p>
@@ -6069,7 +5949,7 @@
           <a:lstStyle/>
           <a:p>
             <a:r>
-              <a:rPr lang="en-US" dirty="0" smtClean="0"/>
+              <a:rPr lang="en-US" dirty="0"/>
               <a:t>Click to edit Slide Title</a:t>
             </a:r>
             <a:endParaRPr lang="en-GB" dirty="0"/>
@@ -6086,13 +5966,6 @@
   <p:clrMapOvr>
     <a:masterClrMapping/>
   </p:clrMapOvr>
-  <p:timing>
-    <p:tnLst>
-      <p:par>
-        <p:cTn id="1" dur="indefinite" restart="never" nodeType="tmRoot"/>
-      </p:par>
-    </p:tnLst>
-  </p:timing>
 </p:sldLayout>
 </file>
 
@@ -6147,28 +6020,28 @@
           <a:p>
             <a:pPr lvl="0"/>
             <a:r>
-              <a:rPr lang="en-US" dirty="0" smtClean="0"/>
+              <a:rPr lang="en-US" dirty="0"/>
               <a:t>Click to edit Master text styles</a:t>
             </a:r>
           </a:p>
           <a:p>
             <a:pPr lvl="1"/>
             <a:r>
-              <a:rPr lang="en-US" dirty="0" smtClean="0"/>
+              <a:rPr lang="en-US" dirty="0"/>
               <a:t>Second level</a:t>
             </a:r>
           </a:p>
           <a:p>
             <a:pPr lvl="2"/>
             <a:r>
-              <a:rPr lang="en-US" dirty="0" smtClean="0"/>
+              <a:rPr lang="en-US" dirty="0"/>
               <a:t>Third level</a:t>
             </a:r>
           </a:p>
           <a:p>
             <a:pPr lvl="3"/>
             <a:r>
-              <a:rPr lang="en-US" dirty="0" smtClean="0"/>
+              <a:rPr lang="en-US" dirty="0"/>
               <a:t>Fourth level</a:t>
             </a:r>
           </a:p>
@@ -6259,7 +6132,7 @@
           <a:lstStyle/>
           <a:p>
             <a:r>
-              <a:rPr lang="en-US" dirty="0" smtClean="0"/>
+              <a:rPr lang="en-US" dirty="0"/>
               <a:t>Click to edit Master title style</a:t>
             </a:r>
             <a:endParaRPr lang="en-GB" dirty="0"/>
@@ -6276,13 +6149,6 @@
   <p:clrMapOvr>
     <a:masterClrMapping/>
   </p:clrMapOvr>
-  <p:timing>
-    <p:tnLst>
-      <p:par>
-        <p:cTn id="1" dur="indefinite" restart="never" nodeType="tmRoot"/>
-      </p:par>
-    </p:tnLst>
-  </p:timing>
 </p:sldLayout>
 </file>
 
@@ -6319,10 +6185,9 @@
           <a:lstStyle/>
           <a:p>
             <a:r>
-              <a:rPr lang="en-US" smtClean="0"/>
+              <a:rPr lang="en-US"/>
               <a:t>Click to edit Master title style</a:t>
             </a:r>
-            <a:endParaRPr lang="en-US"/>
           </a:p>
         </p:txBody>
       </p:sp>
@@ -6343,7 +6208,7 @@
           <a:p>
             <a:fld id="{1793A5AB-402B-4B57-BAD0-22A4EF7606EB}" type="datetimeFigureOut">
               <a:rPr lang="en-US" smtClean="0"/>
-              <a:t>3/5/2020</a:t>
+              <a:t>3/31/2022</a:t>
             </a:fld>
             <a:endParaRPr lang="en-US"/>
           </a:p>
@@ -6533,14 +6398,11 @@
           <a:lstStyle/>
           <a:p>
             <a:r>
-              <a:rPr lang="en-US" sz="1200" b="1" dirty="0" smtClean="0">
+              <a:rPr lang="en-US" sz="1200" b="1" dirty="0">
                 <a:latin typeface="Arial Narrow" pitchFamily="34" charset="0"/>
               </a:rPr>
               <a:t>  © Cognizant, 2015</a:t>
             </a:r>
-            <a:endParaRPr lang="en-US" sz="1200" b="1" dirty="0">
-              <a:latin typeface="Arial Narrow" pitchFamily="34" charset="0"/>
-            </a:endParaRPr>
           </a:p>
         </p:txBody>
       </p:sp>
@@ -6716,7 +6578,7 @@
           <a:p>
             <a:pPr lvl="0"/>
             <a:r>
-              <a:rPr lang="en-US" dirty="0" smtClean="0"/>
+              <a:rPr lang="en-US" dirty="0"/>
               <a:t>Read Me First</a:t>
             </a:r>
           </a:p>
@@ -6760,10 +6622,9 @@
           <a:p>
             <a:pPr lvl="0"/>
             <a:r>
-              <a:rPr lang="en-US" dirty="0" smtClean="0"/>
+              <a:rPr lang="en-US" dirty="0"/>
               <a:t>See notes on the left of slide </a:t>
             </a:r>
-            <a:endParaRPr lang="en-US" dirty="0"/>
           </a:p>
         </p:txBody>
       </p:sp>
@@ -6780,13 +6641,6 @@
   <p:clrMapOvr>
     <a:masterClrMapping/>
   </p:clrMapOvr>
-  <p:timing>
-    <p:tnLst>
-      <p:par>
-        <p:cTn id="1" dur="indefinite" restart="never" nodeType="tmRoot"/>
-      </p:par>
-    </p:tnLst>
-  </p:timing>
 </p:sldLayout>
 </file>
 
@@ -6894,7 +6748,7 @@
           <a:p>
             <a:pPr lvl="0"/>
             <a:r>
-              <a:rPr lang="en-US" dirty="0" smtClean="0"/>
+              <a:rPr lang="en-US" dirty="0"/>
               <a:t>Course Title</a:t>
             </a:r>
           </a:p>
@@ -6938,10 +6792,9 @@
           <a:p>
             <a:pPr lvl="0"/>
             <a:r>
-              <a:rPr lang="en-US" dirty="0" smtClean="0"/>
+              <a:rPr lang="en-US" dirty="0"/>
               <a:t>Sub Topic Title</a:t>
             </a:r>
-            <a:endParaRPr lang="en-US" dirty="0"/>
           </a:p>
         </p:txBody>
       </p:sp>
@@ -7097,13 +6950,6 @@
   <p:clrMapOvr>
     <a:masterClrMapping/>
   </p:clrMapOvr>
-  <p:timing>
-    <p:tnLst>
-      <p:par>
-        <p:cTn id="1" dur="indefinite" restart="never" nodeType="tmRoot"/>
-      </p:par>
-    </p:tnLst>
-  </p:timing>
 </p:sldLayout>
 </file>
 
@@ -7208,10 +7054,9 @@
           <a:p>
             <a:pPr lvl="0"/>
             <a:r>
-              <a:rPr lang="en-US" dirty="0" smtClean="0"/>
+              <a:rPr lang="en-US" dirty="0"/>
               <a:t>Click to add text</a:t>
             </a:r>
-            <a:endParaRPr lang="en-US" dirty="0"/>
           </a:p>
         </p:txBody>
       </p:sp>
@@ -7283,10 +7128,9 @@
           </a:lstStyle>
           <a:p>
             <a:r>
-              <a:rPr lang="en-US" dirty="0" smtClean="0"/>
+              <a:rPr lang="en-US" dirty="0"/>
               <a:t>Click to edit Master title style</a:t>
             </a:r>
-            <a:endParaRPr lang="en-US" dirty="0"/>
           </a:p>
         </p:txBody>
       </p:sp>
@@ -7303,13 +7147,6 @@
   <p:clrMapOvr>
     <a:masterClrMapping/>
   </p:clrMapOvr>
-  <p:timing>
-    <p:tnLst>
-      <p:par>
-        <p:cTn id="1" dur="indefinite" restart="never" nodeType="tmRoot"/>
-      </p:par>
-    </p:tnLst>
-  </p:timing>
 </p:sldLayout>
 </file>
 
@@ -7362,10 +7199,9 @@
           </a:lstStyle>
           <a:p>
             <a:r>
-              <a:rPr lang="en-US" dirty="0" smtClean="0"/>
+              <a:rPr lang="en-US" dirty="0"/>
               <a:t>Terminal Objective</a:t>
             </a:r>
-            <a:endParaRPr lang="en-US" dirty="0"/>
           </a:p>
         </p:txBody>
       </p:sp>
@@ -7453,10 +7289,9 @@
           <a:p>
             <a:pPr lvl="0"/>
             <a:r>
-              <a:rPr lang="en-US" dirty="0" smtClean="0"/>
+              <a:rPr lang="en-US" dirty="0"/>
               <a:t>Click to add text</a:t>
             </a:r>
-            <a:endParaRPr lang="en-US" dirty="0"/>
           </a:p>
         </p:txBody>
       </p:sp>
@@ -7509,13 +7344,6 @@
   <p:clrMapOvr>
     <a:masterClrMapping/>
   </p:clrMapOvr>
-  <p:timing>
-    <p:tnLst>
-      <p:par>
-        <p:cTn id="1" dur="indefinite" restart="never" nodeType="tmRoot"/>
-      </p:par>
-    </p:tnLst>
-  </p:timing>
 </p:sldLayout>
 </file>
 
@@ -7568,10 +7396,9 @@
           </a:lstStyle>
           <a:p>
             <a:r>
-              <a:rPr lang="en-US" dirty="0" smtClean="0"/>
+              <a:rPr lang="en-US" dirty="0"/>
               <a:t>Need and/or Benefits</a:t>
             </a:r>
-            <a:endParaRPr lang="en-US" dirty="0"/>
           </a:p>
         </p:txBody>
       </p:sp>
@@ -7659,7 +7486,7 @@
           <a:p>
             <a:pPr lvl="0"/>
             <a:r>
-              <a:rPr lang="en-US" dirty="0" smtClean="0"/>
+              <a:rPr lang="en-US" dirty="0"/>
               <a:t>Click to edit Master text styles</a:t>
             </a:r>
           </a:p>
@@ -7714,13 +7541,6 @@
   <p:clrMapOvr>
     <a:masterClrMapping/>
   </p:clrMapOvr>
-  <p:timing>
-    <p:tnLst>
-      <p:par>
-        <p:cTn id="1" dur="indefinite" restart="never" nodeType="tmRoot"/>
-      </p:par>
-    </p:tnLst>
-  </p:timing>
 </p:sldLayout>
 </file>
 
@@ -7773,10 +7593,9 @@
           </a:lstStyle>
           <a:p>
             <a:r>
-              <a:rPr lang="en-US" dirty="0" smtClean="0"/>
+              <a:rPr lang="en-US" dirty="0"/>
               <a:t>Generate interest</a:t>
             </a:r>
-            <a:endParaRPr lang="en-US" dirty="0"/>
           </a:p>
         </p:txBody>
       </p:sp>
@@ -7864,10 +7683,9 @@
           <a:p>
             <a:pPr lvl="0"/>
             <a:r>
-              <a:rPr lang="en-US" dirty="0" smtClean="0"/>
+              <a:rPr lang="en-US" dirty="0"/>
               <a:t>Click to add text</a:t>
             </a:r>
-            <a:endParaRPr lang="en-US" dirty="0"/>
           </a:p>
         </p:txBody>
       </p:sp>
@@ -7884,13 +7702,6 @@
   <p:clrMapOvr>
     <a:masterClrMapping/>
   </p:clrMapOvr>
-  <p:timing>
-    <p:tnLst>
-      <p:par>
-        <p:cTn id="1" dur="indefinite" restart="never" nodeType="tmRoot"/>
-      </p:par>
-    </p:tnLst>
-  </p:timing>
 </p:sldLayout>
 </file>
 
@@ -7943,10 +7754,9 @@
           </a:lstStyle>
           <a:p>
             <a:r>
-              <a:rPr lang="en-US" dirty="0" smtClean="0"/>
+              <a:rPr lang="en-US" dirty="0"/>
               <a:t>Key Topics</a:t>
             </a:r>
-            <a:endParaRPr lang="en-US" dirty="0"/>
           </a:p>
         </p:txBody>
       </p:sp>
@@ -8034,7 +7844,7 @@
           <a:p>
             <a:pPr lvl="0"/>
             <a:r>
-              <a:rPr lang="en-US" smtClean="0"/>
+              <a:rPr lang="en-US"/>
               <a:t>Click to edit Master text styles</a:t>
             </a:r>
           </a:p>
@@ -8089,13 +7899,6 @@
   <p:clrMapOvr>
     <a:masterClrMapping/>
   </p:clrMapOvr>
-  <p:timing>
-    <p:tnLst>
-      <p:par>
-        <p:cTn id="1" dur="indefinite" restart="never" nodeType="tmRoot"/>
-      </p:par>
-    </p:tnLst>
-  </p:timing>
 </p:sldLayout>
 </file>
 
@@ -8220,7 +8023,7 @@
           <a:p>
             <a:pPr lvl="0"/>
             <a:r>
-              <a:rPr lang="en-US" dirty="0" smtClean="0"/>
+              <a:rPr lang="en-US" dirty="0"/>
               <a:t>Module Title</a:t>
             </a:r>
           </a:p>
@@ -8268,13 +8071,6 @@
   <p:clrMapOvr>
     <a:masterClrMapping/>
   </p:clrMapOvr>
-  <p:timing>
-    <p:tnLst>
-      <p:par>
-        <p:cTn id="1" dur="indefinite" restart="never" nodeType="tmRoot"/>
-      </p:par>
-    </p:tnLst>
-  </p:timing>
 </p:sldLayout>
 </file>
 
@@ -8327,10 +8123,9 @@
           </a:lstStyle>
           <a:p>
             <a:r>
-              <a:rPr lang="en-US" dirty="0" smtClean="0"/>
+              <a:rPr lang="en-US" dirty="0"/>
               <a:t>Slide Title – Black Background</a:t>
             </a:r>
-            <a:endParaRPr lang="en-US" dirty="0"/>
           </a:p>
         </p:txBody>
       </p:sp>
@@ -8418,35 +8213,35 @@
           <a:p>
             <a:pPr lvl="0"/>
             <a:r>
-              <a:rPr lang="en-US" smtClean="0"/>
+              <a:rPr lang="en-US"/>
               <a:t>Click to edit Master text styles</a:t>
             </a:r>
           </a:p>
           <a:p>
             <a:pPr lvl="1"/>
             <a:r>
-              <a:rPr lang="en-US" smtClean="0"/>
+              <a:rPr lang="en-US"/>
               <a:t>Second level</a:t>
             </a:r>
           </a:p>
           <a:p>
             <a:pPr lvl="2"/>
             <a:r>
-              <a:rPr lang="en-US" smtClean="0"/>
+              <a:rPr lang="en-US"/>
               <a:t>Third level</a:t>
             </a:r>
           </a:p>
           <a:p>
             <a:pPr lvl="3"/>
             <a:r>
-              <a:rPr lang="en-US" smtClean="0"/>
+              <a:rPr lang="en-US"/>
               <a:t>Fourth level</a:t>
             </a:r>
           </a:p>
           <a:p>
             <a:pPr lvl="4"/>
             <a:r>
-              <a:rPr lang="en-US" smtClean="0"/>
+              <a:rPr lang="en-US"/>
               <a:t>Fifth level</a:t>
             </a:r>
             <a:endParaRPr lang="en-US" dirty="0"/>
@@ -8511,13 +8306,6 @@
   <p:clrMapOvr>
     <a:masterClrMapping/>
   </p:clrMapOvr>
-  <p:timing>
-    <p:tnLst>
-      <p:par>
-        <p:cTn id="1" dur="indefinite" restart="never" nodeType="tmRoot"/>
-      </p:par>
-    </p:tnLst>
-  </p:timing>
 </p:sldLayout>
 </file>
 
@@ -8578,10 +8366,9 @@
           </a:lstStyle>
           <a:p>
             <a:r>
-              <a:rPr lang="en-US" dirty="0" smtClean="0"/>
+              <a:rPr lang="en-US" dirty="0"/>
               <a:t>Activity Slide -  dark blue – use only for activities</a:t>
             </a:r>
-            <a:endParaRPr lang="en-US" dirty="0"/>
           </a:p>
         </p:txBody>
       </p:sp>
@@ -8669,35 +8456,35 @@
           <a:p>
             <a:pPr lvl="0"/>
             <a:r>
-              <a:rPr lang="en-US" smtClean="0"/>
+              <a:rPr lang="en-US"/>
               <a:t>Click to edit Master text styles</a:t>
             </a:r>
           </a:p>
           <a:p>
             <a:pPr lvl="1"/>
             <a:r>
-              <a:rPr lang="en-US" smtClean="0"/>
+              <a:rPr lang="en-US"/>
               <a:t>Second level</a:t>
             </a:r>
           </a:p>
           <a:p>
             <a:pPr lvl="2"/>
             <a:r>
-              <a:rPr lang="en-US" smtClean="0"/>
+              <a:rPr lang="en-US"/>
               <a:t>Third level</a:t>
             </a:r>
           </a:p>
           <a:p>
             <a:pPr lvl="3"/>
             <a:r>
-              <a:rPr lang="en-US" smtClean="0"/>
+              <a:rPr lang="en-US"/>
               <a:t>Fourth level</a:t>
             </a:r>
           </a:p>
           <a:p>
             <a:pPr lvl="4"/>
             <a:r>
-              <a:rPr lang="en-US" smtClean="0"/>
+              <a:rPr lang="en-US"/>
               <a:t>Fifth level</a:t>
             </a:r>
             <a:endParaRPr lang="en-US" dirty="0"/>
@@ -8753,13 +8540,6 @@
   <p:clrMapOvr>
     <a:masterClrMapping/>
   </p:clrMapOvr>
-  <p:timing>
-    <p:tnLst>
-      <p:par>
-        <p:cTn id="1" dur="indefinite" restart="never" nodeType="tmRoot"/>
-      </p:par>
-    </p:tnLst>
-  </p:timing>
 </p:sldLayout>
 </file>
 
@@ -8820,10 +8600,9 @@
           </a:lstStyle>
           <a:p>
             <a:r>
-              <a:rPr lang="en-US" dirty="0" smtClean="0"/>
+              <a:rPr lang="en-US" dirty="0"/>
               <a:t>Recap or Review – use any color slide</a:t>
             </a:r>
-            <a:endParaRPr lang="en-US" dirty="0"/>
           </a:p>
         </p:txBody>
       </p:sp>
@@ -8911,35 +8690,35 @@
           <a:p>
             <a:pPr lvl="0"/>
             <a:r>
-              <a:rPr lang="en-US" smtClean="0"/>
+              <a:rPr lang="en-US"/>
               <a:t>Click to edit Master text styles</a:t>
             </a:r>
           </a:p>
           <a:p>
             <a:pPr lvl="1"/>
             <a:r>
-              <a:rPr lang="en-US" smtClean="0"/>
+              <a:rPr lang="en-US"/>
               <a:t>Second level</a:t>
             </a:r>
           </a:p>
           <a:p>
             <a:pPr lvl="2"/>
             <a:r>
-              <a:rPr lang="en-US" smtClean="0"/>
+              <a:rPr lang="en-US"/>
               <a:t>Third level</a:t>
             </a:r>
           </a:p>
           <a:p>
             <a:pPr lvl="3"/>
             <a:r>
-              <a:rPr lang="en-US" smtClean="0"/>
+              <a:rPr lang="en-US"/>
               <a:t>Fourth level</a:t>
             </a:r>
           </a:p>
           <a:p>
             <a:pPr lvl="4"/>
             <a:r>
-              <a:rPr lang="en-US" smtClean="0"/>
+              <a:rPr lang="en-US"/>
               <a:t>Fifth level</a:t>
             </a:r>
             <a:endParaRPr lang="en-US" dirty="0"/>
@@ -8995,13 +8774,6 @@
   <p:clrMapOvr>
     <a:masterClrMapping/>
   </p:clrMapOvr>
-  <p:timing>
-    <p:tnLst>
-      <p:par>
-        <p:cTn id="1" dur="indefinite" restart="never" nodeType="tmRoot"/>
-      </p:par>
-    </p:tnLst>
-  </p:timing>
 </p:sldLayout>
 </file>
 
@@ -9062,10 +8834,9 @@
           </a:lstStyle>
           <a:p>
             <a:r>
-              <a:rPr lang="en-US" dirty="0" smtClean="0"/>
+              <a:rPr lang="en-US" dirty="0"/>
               <a:t>Slide Title – Light Blue Background</a:t>
             </a:r>
-            <a:endParaRPr lang="en-US" dirty="0"/>
           </a:p>
         </p:txBody>
       </p:sp>
@@ -9153,35 +8924,35 @@
           <a:p>
             <a:pPr lvl="0"/>
             <a:r>
-              <a:rPr lang="en-US" smtClean="0"/>
+              <a:rPr lang="en-US"/>
               <a:t>Click to edit Master text styles</a:t>
             </a:r>
           </a:p>
           <a:p>
             <a:pPr lvl="1"/>
             <a:r>
-              <a:rPr lang="en-US" smtClean="0"/>
+              <a:rPr lang="en-US"/>
               <a:t>Second level</a:t>
             </a:r>
           </a:p>
           <a:p>
             <a:pPr lvl="2"/>
             <a:r>
-              <a:rPr lang="en-US" smtClean="0"/>
+              <a:rPr lang="en-US"/>
               <a:t>Third level</a:t>
             </a:r>
           </a:p>
           <a:p>
             <a:pPr lvl="3"/>
             <a:r>
-              <a:rPr lang="en-US" smtClean="0"/>
+              <a:rPr lang="en-US"/>
               <a:t>Fourth level</a:t>
             </a:r>
           </a:p>
           <a:p>
             <a:pPr lvl="4"/>
             <a:r>
-              <a:rPr lang="en-US" smtClean="0"/>
+              <a:rPr lang="en-US"/>
               <a:t>Fifth level</a:t>
             </a:r>
             <a:endParaRPr lang="en-US" dirty="0"/>
@@ -9237,13 +9008,6 @@
   <p:clrMapOvr>
     <a:masterClrMapping/>
   </p:clrMapOvr>
-  <p:timing>
-    <p:tnLst>
-      <p:par>
-        <p:cTn id="1" dur="indefinite" restart="never" nodeType="tmRoot"/>
-      </p:par>
-    </p:tnLst>
-  </p:timing>
 </p:sldLayout>
 </file>
 
@@ -9304,10 +9068,9 @@
           </a:lstStyle>
           <a:p>
             <a:r>
-              <a:rPr lang="en-US" dirty="0" smtClean="0"/>
+              <a:rPr lang="en-US" dirty="0"/>
               <a:t>Slide Title – White background</a:t>
             </a:r>
-            <a:endParaRPr lang="en-US" dirty="0"/>
           </a:p>
         </p:txBody>
       </p:sp>
@@ -9387,35 +9150,35 @@
           <a:p>
             <a:pPr lvl="0"/>
             <a:r>
-              <a:rPr lang="en-US" smtClean="0"/>
+              <a:rPr lang="en-US"/>
               <a:t>Click to edit Master text styles</a:t>
             </a:r>
           </a:p>
           <a:p>
             <a:pPr lvl="1"/>
             <a:r>
-              <a:rPr lang="en-US" smtClean="0"/>
+              <a:rPr lang="en-US"/>
               <a:t>Second level</a:t>
             </a:r>
           </a:p>
           <a:p>
             <a:pPr lvl="2"/>
             <a:r>
-              <a:rPr lang="en-US" smtClean="0"/>
+              <a:rPr lang="en-US"/>
               <a:t>Third level</a:t>
             </a:r>
           </a:p>
           <a:p>
             <a:pPr lvl="3"/>
             <a:r>
-              <a:rPr lang="en-US" smtClean="0"/>
+              <a:rPr lang="en-US"/>
               <a:t>Fourth level</a:t>
             </a:r>
           </a:p>
           <a:p>
             <a:pPr lvl="4"/>
             <a:r>
-              <a:rPr lang="en-US" smtClean="0"/>
+              <a:rPr lang="en-US"/>
               <a:t>Fifth level</a:t>
             </a:r>
             <a:endParaRPr lang="en-US" dirty="0"/>
@@ -9471,13 +9234,6 @@
   <p:clrMapOvr>
     <a:masterClrMapping/>
   </p:clrMapOvr>
-  <p:timing>
-    <p:tnLst>
-      <p:par>
-        <p:cTn id="1" dur="indefinite" restart="never" nodeType="tmRoot"/>
-      </p:par>
-    </p:tnLst>
-  </p:timing>
 </p:sldLayout>
 </file>
 
@@ -9538,10 +9294,9 @@
           </a:lstStyle>
           <a:p>
             <a:r>
-              <a:rPr lang="en-US" dirty="0" smtClean="0"/>
+              <a:rPr lang="en-US" dirty="0"/>
               <a:t>Check on learning -  any color slide </a:t>
             </a:r>
-            <a:endParaRPr lang="en-US" dirty="0"/>
           </a:p>
         </p:txBody>
       </p:sp>
@@ -9629,35 +9384,35 @@
           <a:p>
             <a:pPr lvl="0"/>
             <a:r>
-              <a:rPr lang="en-US" smtClean="0"/>
+              <a:rPr lang="en-US"/>
               <a:t>Click to edit Master text styles</a:t>
             </a:r>
           </a:p>
           <a:p>
             <a:pPr lvl="1"/>
             <a:r>
-              <a:rPr lang="en-US" smtClean="0"/>
+              <a:rPr lang="en-US"/>
               <a:t>Second level</a:t>
             </a:r>
           </a:p>
           <a:p>
             <a:pPr lvl="2"/>
             <a:r>
-              <a:rPr lang="en-US" smtClean="0"/>
+              <a:rPr lang="en-US"/>
               <a:t>Third level</a:t>
             </a:r>
           </a:p>
           <a:p>
             <a:pPr lvl="3"/>
             <a:r>
-              <a:rPr lang="en-US" smtClean="0"/>
+              <a:rPr lang="en-US"/>
               <a:t>Fourth level</a:t>
             </a:r>
           </a:p>
           <a:p>
             <a:pPr lvl="4"/>
             <a:r>
-              <a:rPr lang="en-US" smtClean="0"/>
+              <a:rPr lang="en-US"/>
               <a:t>Fifth level</a:t>
             </a:r>
             <a:endParaRPr lang="en-US" dirty="0"/>
@@ -9713,13 +9468,6 @@
   <p:clrMapOvr>
     <a:masterClrMapping/>
   </p:clrMapOvr>
-  <p:timing>
-    <p:tnLst>
-      <p:par>
-        <p:cTn id="1" dur="indefinite" restart="never" nodeType="tmRoot"/>
-      </p:par>
-    </p:tnLst>
-  </p:timing>
 </p:sldLayout>
 </file>
 
@@ -9780,10 +9528,9 @@
           </a:lstStyle>
           <a:p>
             <a:r>
-              <a:rPr lang="en-US" dirty="0" smtClean="0"/>
+              <a:rPr lang="en-US" dirty="0"/>
               <a:t>Restate terminal objective - any color slide </a:t>
             </a:r>
-            <a:endParaRPr lang="en-US" dirty="0"/>
           </a:p>
         </p:txBody>
       </p:sp>
@@ -9871,35 +9618,35 @@
           <a:p>
             <a:pPr lvl="0"/>
             <a:r>
-              <a:rPr lang="en-US" smtClean="0"/>
+              <a:rPr lang="en-US"/>
               <a:t>Click to edit Master text styles</a:t>
             </a:r>
           </a:p>
           <a:p>
             <a:pPr lvl="1"/>
             <a:r>
-              <a:rPr lang="en-US" smtClean="0"/>
+              <a:rPr lang="en-US"/>
               <a:t>Second level</a:t>
             </a:r>
           </a:p>
           <a:p>
             <a:pPr lvl="2"/>
             <a:r>
-              <a:rPr lang="en-US" smtClean="0"/>
+              <a:rPr lang="en-US"/>
               <a:t>Third level</a:t>
             </a:r>
           </a:p>
           <a:p>
             <a:pPr lvl="3"/>
             <a:r>
-              <a:rPr lang="en-US" smtClean="0"/>
+              <a:rPr lang="en-US"/>
               <a:t>Fourth level</a:t>
             </a:r>
           </a:p>
           <a:p>
             <a:pPr lvl="4"/>
             <a:r>
-              <a:rPr lang="en-US" smtClean="0"/>
+              <a:rPr lang="en-US"/>
               <a:t>Fifth level</a:t>
             </a:r>
             <a:endParaRPr lang="en-US" dirty="0"/>
@@ -9955,13 +9702,6 @@
   <p:clrMapOvr>
     <a:masterClrMapping/>
   </p:clrMapOvr>
-  <p:timing>
-    <p:tnLst>
-      <p:par>
-        <p:cTn id="1" dur="indefinite" restart="never" nodeType="tmRoot"/>
-      </p:par>
-    </p:tnLst>
-  </p:timing>
 </p:sldLayout>
 </file>
 
@@ -10022,10 +9762,9 @@
           </a:lstStyle>
           <a:p>
             <a:r>
-              <a:rPr lang="en-US" dirty="0" smtClean="0"/>
+              <a:rPr lang="en-US" dirty="0"/>
               <a:t>Ask learner-centered questions - any color slide </a:t>
             </a:r>
-            <a:endParaRPr lang="en-US" dirty="0"/>
           </a:p>
         </p:txBody>
       </p:sp>
@@ -10113,35 +9852,35 @@
           <a:p>
             <a:pPr lvl="0"/>
             <a:r>
-              <a:rPr lang="en-US" smtClean="0"/>
+              <a:rPr lang="en-US"/>
               <a:t>Click to edit Master text styles</a:t>
             </a:r>
           </a:p>
           <a:p>
             <a:pPr lvl="1"/>
             <a:r>
-              <a:rPr lang="en-US" smtClean="0"/>
+              <a:rPr lang="en-US"/>
               <a:t>Second level</a:t>
             </a:r>
           </a:p>
           <a:p>
             <a:pPr lvl="2"/>
             <a:r>
-              <a:rPr lang="en-US" smtClean="0"/>
+              <a:rPr lang="en-US"/>
               <a:t>Third level</a:t>
             </a:r>
           </a:p>
           <a:p>
             <a:pPr lvl="3"/>
             <a:r>
-              <a:rPr lang="en-US" smtClean="0"/>
+              <a:rPr lang="en-US"/>
               <a:t>Fourth level</a:t>
             </a:r>
           </a:p>
           <a:p>
             <a:pPr lvl="4"/>
             <a:r>
-              <a:rPr lang="en-US" smtClean="0"/>
+              <a:rPr lang="en-US"/>
               <a:t>Fifth level</a:t>
             </a:r>
             <a:endParaRPr lang="en-US" dirty="0"/>
@@ -10197,13 +9936,6 @@
   <p:clrMapOvr>
     <a:masterClrMapping/>
   </p:clrMapOvr>
-  <p:timing>
-    <p:tnLst>
-      <p:par>
-        <p:cTn id="1" dur="indefinite" restart="never" nodeType="tmRoot"/>
-      </p:par>
-    </p:tnLst>
-  </p:timing>
 </p:sldLayout>
 </file>
 
@@ -10256,10 +9988,9 @@
           </a:lstStyle>
           <a:p>
             <a:r>
-              <a:rPr lang="en-US" dirty="0" smtClean="0"/>
+              <a:rPr lang="en-US" dirty="0"/>
               <a:t>Terminal Objective</a:t>
             </a:r>
-            <a:endParaRPr lang="en-US" dirty="0"/>
           </a:p>
         </p:txBody>
       </p:sp>
@@ -10347,10 +10078,9 @@
           <a:p>
             <a:pPr lvl="0"/>
             <a:r>
-              <a:rPr lang="en-US" dirty="0" smtClean="0"/>
+              <a:rPr lang="en-US" dirty="0"/>
               <a:t>Click to add text</a:t>
             </a:r>
-            <a:endParaRPr lang="en-US" dirty="0"/>
           </a:p>
         </p:txBody>
       </p:sp>
@@ -10367,13 +10097,6 @@
   <p:clrMapOvr>
     <a:masterClrMapping/>
   </p:clrMapOvr>
-  <p:timing>
-    <p:tnLst>
-      <p:par>
-        <p:cTn id="1" dur="indefinite" restart="never" nodeType="tmRoot"/>
-      </p:par>
-    </p:tnLst>
-  </p:timing>
 </p:sldLayout>
 </file>
 
@@ -10457,10 +10180,9 @@
           </a:lstStyle>
           <a:p>
             <a:r>
-              <a:rPr lang="en-US" dirty="0" smtClean="0"/>
+              <a:rPr lang="en-US" dirty="0"/>
               <a:t>Thank you</a:t>
             </a:r>
-            <a:endParaRPr lang="en-US" dirty="0"/>
           </a:p>
         </p:txBody>
       </p:sp>
@@ -10561,21 +10283,21 @@
           <a:p>
             <a:pPr lvl="0"/>
             <a:r>
-              <a:rPr lang="en-US" dirty="0" smtClean="0"/>
+              <a:rPr lang="en-US" dirty="0"/>
               <a:t>Name</a:t>
             </a:r>
           </a:p>
           <a:p>
             <a:pPr lvl="0"/>
             <a:r>
-              <a:rPr lang="en-US" dirty="0" smtClean="0"/>
+              <a:rPr lang="en-US" dirty="0"/>
               <a:t>ID</a:t>
             </a:r>
             <a:br>
-              <a:rPr lang="en-US" dirty="0" smtClean="0"/>
+              <a:rPr lang="en-US" dirty="0"/>
             </a:br>
             <a:r>
-              <a:rPr lang="en-US" dirty="0" smtClean="0"/>
+              <a:rPr lang="en-US" dirty="0"/>
               <a:t>Email</a:t>
             </a:r>
           </a:p>
@@ -10889,13 +10611,6 @@
   <p:clrMapOvr>
     <a:masterClrMapping/>
   </p:clrMapOvr>
-  <p:timing>
-    <p:tnLst>
-      <p:par>
-        <p:cTn id="1" dur="indefinite" restart="never" nodeType="tmRoot"/>
-      </p:par>
-    </p:tnLst>
-  </p:timing>
 </p:sldLayout>
 </file>
 
@@ -10965,13 +10680,6 @@
   <p:clrMapOvr>
     <a:masterClrMapping/>
   </p:clrMapOvr>
-  <p:timing>
-    <p:tnLst>
-      <p:par>
-        <p:cTn id="1" dur="indefinite" restart="never" nodeType="tmRoot"/>
-      </p:par>
-    </p:tnLst>
-  </p:timing>
 </p:sldLayout>
 </file>
 
@@ -11119,38 +10827,37 @@
           <a:p>
             <a:pPr lvl="0"/>
             <a:r>
-              <a:rPr lang="en-US" dirty="0" smtClean="0"/>
+              <a:rPr lang="en-US" dirty="0"/>
               <a:t>Click to edit Master text styles</a:t>
             </a:r>
           </a:p>
           <a:p>
             <a:pPr lvl="1"/>
             <a:r>
-              <a:rPr lang="en-US" dirty="0" smtClean="0"/>
+              <a:rPr lang="en-US" dirty="0"/>
               <a:t>Second level</a:t>
             </a:r>
           </a:p>
           <a:p>
             <a:pPr lvl="2"/>
             <a:r>
-              <a:rPr lang="en-US" dirty="0" smtClean="0"/>
+              <a:rPr lang="en-US" dirty="0"/>
               <a:t>Third level</a:t>
             </a:r>
           </a:p>
           <a:p>
             <a:pPr lvl="3"/>
             <a:r>
-              <a:rPr lang="en-US" dirty="0" smtClean="0"/>
+              <a:rPr lang="en-US" dirty="0"/>
               <a:t>Fourth level</a:t>
             </a:r>
           </a:p>
           <a:p>
             <a:pPr lvl="4"/>
             <a:r>
-              <a:rPr lang="en-US" dirty="0" smtClean="0"/>
+              <a:rPr lang="en-US" dirty="0"/>
               <a:t>Fifth level</a:t>
             </a:r>
-            <a:endParaRPr lang="en-US" dirty="0"/>
           </a:p>
         </p:txBody>
       </p:sp>
@@ -11186,10 +10893,9 @@
           </a:lstStyle>
           <a:p>
             <a:r>
-              <a:rPr lang="en-US" dirty="0" smtClean="0"/>
+              <a:rPr lang="en-US" dirty="0"/>
               <a:t>Click to edit Master title style</a:t>
             </a:r>
-            <a:endParaRPr lang="en-US" dirty="0"/>
           </a:p>
         </p:txBody>
       </p:sp>
@@ -11238,13 +10944,6 @@
   <p:clrMapOvr>
     <a:masterClrMapping/>
   </p:clrMapOvr>
-  <p:timing>
-    <p:tnLst>
-      <p:par>
-        <p:cTn id="1" dur="indefinite" restart="never" nodeType="tmRoot"/>
-      </p:par>
-    </p:tnLst>
-  </p:timing>
 </p:sldLayout>
 </file>
 
@@ -11289,10 +10988,9 @@
           <a:lstStyle/>
           <a:p>
             <a:r>
-              <a:rPr lang="en-US" smtClean="0"/>
+              <a:rPr lang="en-US"/>
               <a:t>Click to edit Master title style</a:t>
             </a:r>
-            <a:endParaRPr lang="en-US"/>
           </a:p>
         </p:txBody>
       </p:sp>
@@ -11321,38 +11019,37 @@
           <a:p>
             <a:pPr lvl="0"/>
             <a:r>
-              <a:rPr lang="en-US" smtClean="0"/>
+              <a:rPr lang="en-US"/>
               <a:t>Click to edit Master text styles</a:t>
             </a:r>
           </a:p>
           <a:p>
             <a:pPr lvl="1"/>
             <a:r>
-              <a:rPr lang="en-US" smtClean="0"/>
+              <a:rPr lang="en-US"/>
               <a:t>Second level</a:t>
             </a:r>
           </a:p>
           <a:p>
             <a:pPr lvl="2"/>
             <a:r>
-              <a:rPr lang="en-US" smtClean="0"/>
+              <a:rPr lang="en-US"/>
               <a:t>Third level</a:t>
             </a:r>
           </a:p>
           <a:p>
             <a:pPr lvl="3"/>
             <a:r>
-              <a:rPr lang="en-US" smtClean="0"/>
+              <a:rPr lang="en-US"/>
               <a:t>Fourth level</a:t>
             </a:r>
           </a:p>
           <a:p>
             <a:pPr lvl="4"/>
             <a:r>
-              <a:rPr lang="en-US" smtClean="0"/>
+              <a:rPr lang="en-US"/>
               <a:t>Fifth level</a:t>
             </a:r>
-            <a:endParaRPr lang="en-US"/>
           </a:p>
         </p:txBody>
       </p:sp>
@@ -11381,38 +11078,37 @@
           <a:p>
             <a:pPr lvl="0"/>
             <a:r>
-              <a:rPr lang="en-US" smtClean="0"/>
+              <a:rPr lang="en-US"/>
               <a:t>Click to edit Master text styles</a:t>
             </a:r>
           </a:p>
           <a:p>
             <a:pPr lvl="1"/>
             <a:r>
-              <a:rPr lang="en-US" smtClean="0"/>
+              <a:rPr lang="en-US"/>
               <a:t>Second level</a:t>
             </a:r>
           </a:p>
           <a:p>
             <a:pPr lvl="2"/>
             <a:r>
-              <a:rPr lang="en-US" smtClean="0"/>
+              <a:rPr lang="en-US"/>
               <a:t>Third level</a:t>
             </a:r>
           </a:p>
           <a:p>
             <a:pPr lvl="3"/>
             <a:r>
-              <a:rPr lang="en-US" smtClean="0"/>
+              <a:rPr lang="en-US"/>
               <a:t>Fourth level</a:t>
             </a:r>
           </a:p>
           <a:p>
             <a:pPr lvl="4"/>
             <a:r>
-              <a:rPr lang="en-US" smtClean="0"/>
+              <a:rPr lang="en-US"/>
               <a:t>Fifth level</a:t>
             </a:r>
-            <a:endParaRPr lang="en-US"/>
           </a:p>
         </p:txBody>
       </p:sp>
@@ -11526,21 +11222,21 @@
           <a:p>
             <a:pPr lvl="0"/>
             <a:r>
-              <a:rPr lang="en-US" dirty="0" smtClean="0"/>
+              <a:rPr lang="en-US" dirty="0"/>
               <a:t>Add text here. (Topic slide starts from here)</a:t>
             </a:r>
           </a:p>
           <a:p>
             <a:pPr lvl="1"/>
             <a:r>
-              <a:rPr lang="en-US" dirty="0" smtClean="0"/>
+              <a:rPr lang="en-US" dirty="0"/>
               <a:t>You can add a picture, chart, or other content in the right column by clicking the appropriate button.</a:t>
             </a:r>
           </a:p>
           <a:p>
             <a:pPr lvl="2"/>
             <a:r>
-              <a:rPr lang="en-US" dirty="0" smtClean="0"/>
+              <a:rPr lang="en-US" dirty="0"/>
               <a:t>You may need more than one slide for each topic. To add a slide, click New Slide on the Insert menu, or press CTRL+M and add a suitable slide depending upon the content</a:t>
             </a:r>
           </a:p>
@@ -11631,7 +11327,7 @@
           <a:lstStyle/>
           <a:p>
             <a:r>
-              <a:rPr lang="en-US" dirty="0" smtClean="0"/>
+              <a:rPr lang="en-US" dirty="0"/>
               <a:t>Click to edit Slide Title</a:t>
             </a:r>
             <a:endParaRPr lang="en-GB" dirty="0"/>
@@ -11648,13 +11344,6 @@
   <p:clrMapOvr>
     <a:masterClrMapping/>
   </p:clrMapOvr>
-  <p:timing>
-    <p:tnLst>
-      <p:par>
-        <p:cTn id="1" dur="indefinite" restart="never" nodeType="tmRoot"/>
-      </p:par>
-    </p:tnLst>
-  </p:timing>
 </p:sldLayout>
 </file>
 
@@ -11709,28 +11398,28 @@
           <a:p>
             <a:pPr lvl="0"/>
             <a:r>
-              <a:rPr lang="en-US" dirty="0" smtClean="0"/>
+              <a:rPr lang="en-US" dirty="0"/>
               <a:t>Click to edit Master text styles</a:t>
             </a:r>
           </a:p>
           <a:p>
             <a:pPr lvl="1"/>
             <a:r>
-              <a:rPr lang="en-US" dirty="0" smtClean="0"/>
+              <a:rPr lang="en-US" dirty="0"/>
               <a:t>Second level</a:t>
             </a:r>
           </a:p>
           <a:p>
             <a:pPr lvl="2"/>
             <a:r>
-              <a:rPr lang="en-US" dirty="0" smtClean="0"/>
+              <a:rPr lang="en-US" dirty="0"/>
               <a:t>Third level</a:t>
             </a:r>
           </a:p>
           <a:p>
             <a:pPr lvl="3"/>
             <a:r>
-              <a:rPr lang="en-US" dirty="0" smtClean="0"/>
+              <a:rPr lang="en-US" dirty="0"/>
               <a:t>Fourth level</a:t>
             </a:r>
           </a:p>
@@ -11821,7 +11510,7 @@
           <a:lstStyle/>
           <a:p>
             <a:r>
-              <a:rPr lang="en-US" dirty="0" smtClean="0"/>
+              <a:rPr lang="en-US" dirty="0"/>
               <a:t>Click to edit Master title style</a:t>
             </a:r>
             <a:endParaRPr lang="en-GB" dirty="0"/>
@@ -11838,13 +11527,6 @@
   <p:clrMapOvr>
     <a:masterClrMapping/>
   </p:clrMapOvr>
-  <p:timing>
-    <p:tnLst>
-      <p:par>
-        <p:cTn id="1" dur="indefinite" restart="never" nodeType="tmRoot"/>
-      </p:par>
-    </p:tnLst>
-  </p:timing>
 </p:sldLayout>
 </file>
 
@@ -11881,10 +11563,9 @@
           <a:lstStyle/>
           <a:p>
             <a:r>
-              <a:rPr lang="en-US" smtClean="0"/>
+              <a:rPr lang="en-US"/>
               <a:t>Click to edit Master title style</a:t>
             </a:r>
-            <a:endParaRPr lang="en-US"/>
           </a:p>
         </p:txBody>
       </p:sp>
@@ -11905,7 +11586,7 @@
           <a:p>
             <a:fld id="{1793A5AB-402B-4B57-BAD0-22A4EF7606EB}" type="datetimeFigureOut">
               <a:rPr lang="en-US" smtClean="0"/>
-              <a:t>3/5/2020</a:t>
+              <a:t>3/31/2022</a:t>
             </a:fld>
             <a:endParaRPr lang="en-US"/>
           </a:p>
@@ -12015,10 +11696,9 @@
           </a:lstStyle>
           <a:p>
             <a:r>
-              <a:rPr lang="en-US" dirty="0" smtClean="0"/>
+              <a:rPr lang="en-US" dirty="0"/>
               <a:t>Need and/or Benefits</a:t>
             </a:r>
-            <a:endParaRPr lang="en-US" dirty="0"/>
           </a:p>
         </p:txBody>
       </p:sp>
@@ -12106,7 +11786,7 @@
           <a:p>
             <a:pPr lvl="0"/>
             <a:r>
-              <a:rPr lang="en-US" smtClean="0"/>
+              <a:rPr lang="en-US"/>
               <a:t>Edit Master text styles</a:t>
             </a:r>
           </a:p>
@@ -12125,13 +11805,6 @@
   <p:clrMapOvr>
     <a:masterClrMapping/>
   </p:clrMapOvr>
-  <p:timing>
-    <p:tnLst>
-      <p:par>
-        <p:cTn id="1" dur="indefinite" restart="never" nodeType="tmRoot"/>
-      </p:par>
-    </p:tnLst>
-  </p:timing>
 </p:sldLayout>
 </file>
 
@@ -12184,10 +11857,9 @@
           </a:lstStyle>
           <a:p>
             <a:r>
-              <a:rPr lang="en-US" dirty="0" smtClean="0"/>
+              <a:rPr lang="en-US" dirty="0"/>
               <a:t>Key Topics</a:t>
             </a:r>
-            <a:endParaRPr lang="en-US" dirty="0"/>
           </a:p>
         </p:txBody>
       </p:sp>
@@ -12275,7 +11947,7 @@
           <a:p>
             <a:pPr lvl="0"/>
             <a:r>
-              <a:rPr lang="en-US" smtClean="0"/>
+              <a:rPr lang="en-US"/>
               <a:t>Edit Master text styles</a:t>
             </a:r>
           </a:p>
@@ -12294,13 +11966,6 @@
   <p:clrMapOvr>
     <a:masterClrMapping/>
   </p:clrMapOvr>
-  <p:timing>
-    <p:tnLst>
-      <p:par>
-        <p:cTn id="1" dur="indefinite" restart="never" nodeType="tmRoot"/>
-      </p:par>
-    </p:tnLst>
-  </p:timing>
 </p:sldLayout>
 </file>
 
@@ -12425,7 +12090,7 @@
           <a:p>
             <a:pPr lvl="0"/>
             <a:r>
-              <a:rPr lang="en-US" dirty="0" smtClean="0"/>
+              <a:rPr lang="en-US" dirty="0"/>
               <a:t>Module Title</a:t>
             </a:r>
           </a:p>
@@ -12473,13 +12138,6 @@
   <p:clrMapOvr>
     <a:masterClrMapping/>
   </p:clrMapOvr>
-  <p:timing>
-    <p:tnLst>
-      <p:par>
-        <p:cTn id="1" dur="indefinite" restart="never" nodeType="tmRoot"/>
-      </p:par>
-    </p:tnLst>
-  </p:timing>
 </p:sldLayout>
 </file>
 
@@ -12532,10 +12190,9 @@
           </a:lstStyle>
           <a:p>
             <a:r>
-              <a:rPr lang="en-US" dirty="0" smtClean="0"/>
+              <a:rPr lang="en-US" dirty="0"/>
               <a:t>Slide Title – Black Background</a:t>
             </a:r>
-            <a:endParaRPr lang="en-US" dirty="0"/>
           </a:p>
         </p:txBody>
       </p:sp>
@@ -12623,35 +12280,35 @@
           <a:p>
             <a:pPr lvl="0"/>
             <a:r>
-              <a:rPr lang="en-US" smtClean="0"/>
+              <a:rPr lang="en-US"/>
               <a:t>Edit Master text styles</a:t>
             </a:r>
           </a:p>
           <a:p>
             <a:pPr lvl="1"/>
             <a:r>
-              <a:rPr lang="en-US" smtClean="0"/>
+              <a:rPr lang="en-US"/>
               <a:t>Second level</a:t>
             </a:r>
           </a:p>
           <a:p>
             <a:pPr lvl="2"/>
             <a:r>
-              <a:rPr lang="en-US" smtClean="0"/>
+              <a:rPr lang="en-US"/>
               <a:t>Third level</a:t>
             </a:r>
           </a:p>
           <a:p>
             <a:pPr lvl="3"/>
             <a:r>
-              <a:rPr lang="en-US" smtClean="0"/>
+              <a:rPr lang="en-US"/>
               <a:t>Fourth level</a:t>
             </a:r>
           </a:p>
           <a:p>
             <a:pPr lvl="4"/>
             <a:r>
-              <a:rPr lang="en-US" smtClean="0"/>
+              <a:rPr lang="en-US"/>
               <a:t>Fifth level</a:t>
             </a:r>
             <a:endParaRPr lang="en-US" dirty="0"/>
@@ -12671,13 +12328,6 @@
   <p:clrMapOvr>
     <a:masterClrMapping/>
   </p:clrMapOvr>
-  <p:timing>
-    <p:tnLst>
-      <p:par>
-        <p:cTn id="1" dur="indefinite" restart="never" nodeType="tmRoot"/>
-      </p:par>
-    </p:tnLst>
-  </p:timing>
 </p:sldLayout>
 </file>
 
@@ -12738,10 +12388,9 @@
           </a:lstStyle>
           <a:p>
             <a:r>
-              <a:rPr lang="en-US" dirty="0" smtClean="0"/>
+              <a:rPr lang="en-US" dirty="0"/>
               <a:t>Activity Slide -  dark blue – use only for activities</a:t>
             </a:r>
-            <a:endParaRPr lang="en-US" dirty="0"/>
           </a:p>
         </p:txBody>
       </p:sp>
@@ -12829,35 +12478,35 @@
           <a:p>
             <a:pPr lvl="0"/>
             <a:r>
-              <a:rPr lang="en-US" smtClean="0"/>
+              <a:rPr lang="en-US"/>
               <a:t>Edit Master text styles</a:t>
             </a:r>
           </a:p>
           <a:p>
             <a:pPr lvl="1"/>
             <a:r>
-              <a:rPr lang="en-US" smtClean="0"/>
+              <a:rPr lang="en-US"/>
               <a:t>Second level</a:t>
             </a:r>
           </a:p>
           <a:p>
             <a:pPr lvl="2"/>
             <a:r>
-              <a:rPr lang="en-US" smtClean="0"/>
+              <a:rPr lang="en-US"/>
               <a:t>Third level</a:t>
             </a:r>
           </a:p>
           <a:p>
             <a:pPr lvl="3"/>
             <a:r>
-              <a:rPr lang="en-US" smtClean="0"/>
+              <a:rPr lang="en-US"/>
               <a:t>Fourth level</a:t>
             </a:r>
           </a:p>
           <a:p>
             <a:pPr lvl="4"/>
             <a:r>
-              <a:rPr lang="en-US" smtClean="0"/>
+              <a:rPr lang="en-US"/>
               <a:t>Fifth level</a:t>
             </a:r>
             <a:endParaRPr lang="en-US" dirty="0"/>
@@ -12877,13 +12526,6 @@
   <p:clrMapOvr>
     <a:masterClrMapping/>
   </p:clrMapOvr>
-  <p:timing>
-    <p:tnLst>
-      <p:par>
-        <p:cTn id="1" dur="indefinite" restart="never" nodeType="tmRoot"/>
-      </p:par>
-    </p:tnLst>
-  </p:timing>
 </p:sldLayout>
 </file>
 
@@ -12958,13 +12600,6 @@
     <p:sldLayoutId id="2147483750" r:id="rId23"/>
     <p:sldLayoutId id="2147483751" r:id="rId24"/>
   </p:sldLayoutIdLst>
-  <p:timing>
-    <p:tnLst>
-      <p:par>
-        <p:cTn id="1" dur="indefinite" restart="never" nodeType="tmRoot"/>
-      </p:par>
-    </p:tnLst>
-  </p:timing>
   <p:txStyles>
     <p:titleStyle>
       <a:lvl1pPr algn="l" defTabSz="457200" rtl="0" eaLnBrk="1" latinLnBrk="0" hangingPunct="1">
@@ -13371,13 +13006,6 @@
     <p:sldLayoutId id="2147483775" r:id="rId23"/>
     <p:sldLayoutId id="2147483776" r:id="rId24"/>
   </p:sldLayoutIdLst>
-  <p:timing>
-    <p:tnLst>
-      <p:par>
-        <p:cTn id="1" dur="indefinite" restart="never" nodeType="tmRoot"/>
-      </p:par>
-    </p:tnLst>
-  </p:timing>
   <p:txStyles>
     <p:titleStyle>
       <a:lvl1pPr algn="l" defTabSz="457200" rtl="0" eaLnBrk="1" latinLnBrk="0" hangingPunct="1">
@@ -13664,10 +13292,9 @@
           <a:lstStyle/>
           <a:p>
             <a:r>
-              <a:rPr lang="en-US" dirty="0" smtClean="0"/>
+              <a:rPr lang="en-US" dirty="0"/>
               <a:t>ANSI SQL</a:t>
             </a:r>
-            <a:endParaRPr lang="en-US" dirty="0"/>
           </a:p>
         </p:txBody>
       </p:sp>
@@ -13773,7 +13400,7 @@
             <a:pPr marL="0" indent="0">
               <a:buNone/>
             </a:pPr>
-            <a:endParaRPr lang="en-US" sz="1800" dirty="0" smtClean="0">
+            <a:endParaRPr lang="en-US" sz="1800" dirty="0">
               <a:solidFill>
                 <a:schemeClr val="bg1"/>
               </a:solidFill>
@@ -13785,7 +13412,7 @@
             <a:pPr marL="0" indent="0">
               <a:buNone/>
             </a:pPr>
-            <a:endParaRPr lang="en-US" sz="1800" dirty="0" smtClean="0">
+            <a:endParaRPr lang="en-US" sz="1800" dirty="0">
               <a:solidFill>
                 <a:schemeClr val="bg1"/>
               </a:solidFill>
@@ -13801,54 +13428,14 @@
               <a:buNone/>
             </a:pPr>
             <a:r>
-              <a:rPr lang="en-US" sz="2200" dirty="0" smtClean="0">
+              <a:rPr lang="en-US" sz="2200" dirty="0">
                 <a:solidFill>
                   <a:schemeClr val="bg1"/>
                 </a:solidFill>
                 <a:latin typeface="Arial" panose="020B0604020202020204" pitchFamily="34" charset="0"/>
                 <a:cs typeface="Arial" panose="020B0604020202020204" pitchFamily="34" charset="0"/>
               </a:rPr>
-              <a:t>Best </a:t>
-            </a:r>
-            <a:r>
-              <a:rPr lang="en-US" sz="2200" dirty="0">
-                <a:solidFill>
-                  <a:schemeClr val="bg1"/>
-                </a:solidFill>
-                <a:latin typeface="Arial" panose="020B0604020202020204" pitchFamily="34" charset="0"/>
-                <a:cs typeface="Arial" panose="020B0604020202020204" pitchFamily="34" charset="0"/>
-              </a:rPr>
-              <a:t>practices </a:t>
-            </a:r>
-            <a:r>
-              <a:rPr lang="en-US" sz="2200" dirty="0" smtClean="0">
-                <a:solidFill>
-                  <a:schemeClr val="bg1"/>
-                </a:solidFill>
-                <a:latin typeface="Arial" panose="020B0604020202020204" pitchFamily="34" charset="0"/>
-                <a:cs typeface="Arial" panose="020B0604020202020204" pitchFamily="34" charset="0"/>
-              </a:rPr>
-              <a:t>to follow </a:t>
-            </a:r>
-            <a:r>
-              <a:rPr lang="en-US" sz="2200" dirty="0">
-                <a:solidFill>
-                  <a:schemeClr val="bg1"/>
-                </a:solidFill>
-                <a:latin typeface="Arial" panose="020B0604020202020204" pitchFamily="34" charset="0"/>
-                <a:cs typeface="Arial" panose="020B0604020202020204" pitchFamily="34" charset="0"/>
-              </a:rPr>
-              <a:t>while naming database or database </a:t>
-            </a:r>
-            <a:r>
-              <a:rPr lang="en-US" sz="2200" dirty="0" smtClean="0">
-                <a:solidFill>
-                  <a:schemeClr val="bg1"/>
-                </a:solidFill>
-                <a:latin typeface="Arial" panose="020B0604020202020204" pitchFamily="34" charset="0"/>
-                <a:cs typeface="Arial" panose="020B0604020202020204" pitchFamily="34" charset="0"/>
-              </a:rPr>
-              <a:t>objects:</a:t>
+              <a:t>Best practices to follow while naming database or database objects:</a:t>
             </a:r>
           </a:p>
           <a:p>
@@ -13858,7 +13445,7 @@
               </a:spcBef>
             </a:pPr>
             <a:r>
-              <a:rPr lang="en-US" sz="2200" dirty="0" smtClean="0">
+              <a:rPr lang="en-US" sz="2200" dirty="0">
                 <a:solidFill>
                   <a:schemeClr val="bg1"/>
                 </a:solidFill>
@@ -13868,7 +13455,7 @@
               <a:t>Use plain English </a:t>
             </a:r>
             <a:r>
-              <a:rPr lang="en-US" sz="2000" dirty="0" smtClean="0">
+              <a:rPr lang="en-US" sz="2000" dirty="0">
                 <a:solidFill>
                   <a:schemeClr val="accent6"/>
                 </a:solidFill>
@@ -13878,7 +13465,7 @@
               <a:t>e.g.</a:t>
             </a:r>
             <a:r>
-              <a:rPr lang="en-US" sz="2000" dirty="0" smtClean="0">
+              <a:rPr lang="en-US" sz="2000" dirty="0">
                 <a:solidFill>
                   <a:schemeClr val="accent6"/>
                 </a:solidFill>
@@ -13886,60 +13473,6 @@
                 <a:cs typeface="Mangal"/>
               </a:rPr>
               <a:t> XDSFFBUS (Bad name)</a:t>
-            </a:r>
-            <a:endParaRPr lang="en-US" sz="2000" dirty="0" smtClean="0">
-              <a:solidFill>
-                <a:schemeClr val="accent6"/>
-              </a:solidFill>
-              <a:latin typeface="Arial" panose="020B0604020202020204" pitchFamily="34" charset="0"/>
-              <a:cs typeface="Arial" panose="020B0604020202020204" pitchFamily="34" charset="0"/>
-            </a:endParaRPr>
-          </a:p>
-          <a:p>
-            <a:pPr>
-              <a:spcBef>
-                <a:spcPts val="0"/>
-              </a:spcBef>
-            </a:pPr>
-            <a:r>
-              <a:rPr lang="en-US" sz="2200" dirty="0">
-                <a:solidFill>
-                  <a:schemeClr val="bg1"/>
-                </a:solidFill>
-                <a:latin typeface="Arial" panose="020B0604020202020204" pitchFamily="34" charset="0"/>
-                <a:cs typeface="Arial" panose="020B0604020202020204" pitchFamily="34" charset="0"/>
-              </a:rPr>
-              <a:t>Include an indication of the object type in the </a:t>
-            </a:r>
-            <a:r>
-              <a:rPr lang="en-US" sz="2200" dirty="0" smtClean="0">
-                <a:solidFill>
-                  <a:schemeClr val="bg1"/>
-                </a:solidFill>
-                <a:latin typeface="Arial" panose="020B0604020202020204" pitchFamily="34" charset="0"/>
-                <a:cs typeface="Arial" panose="020B0604020202020204" pitchFamily="34" charset="0"/>
-              </a:rPr>
-              <a:t>name </a:t>
-            </a:r>
-            <a:r>
-              <a:rPr lang="en-US" sz="2000" dirty="0">
-                <a:solidFill>
-                  <a:schemeClr val="accent6"/>
-                </a:solidFill>
-                <a:latin typeface="Arial" panose="020B0604020202020204" pitchFamily="34" charset="0"/>
-                <a:cs typeface="Arial" panose="020B0604020202020204" pitchFamily="34" charset="0"/>
-              </a:rPr>
-              <a:t>e.g. </a:t>
-            </a:r>
-            <a:r>
-              <a:rPr lang="en-US" sz="2000" dirty="0" err="1" smtClean="0">
-                <a:solidFill>
-                  <a:schemeClr val="accent6"/>
-                </a:solidFill>
-                <a:latin typeface="Arial" panose="020B0604020202020204" pitchFamily="34" charset="0"/>
-                <a:cs typeface="Arial" panose="020B0604020202020204" pitchFamily="34" charset="0"/>
-              </a:rPr>
-              <a:t>TrainingDB</a:t>
             </a:r>
             <a:endParaRPr lang="en-US" sz="2000" dirty="0">
               <a:solidFill>
@@ -13956,45 +13489,42 @@
               </a:spcBef>
             </a:pPr>
             <a:r>
-              <a:rPr lang="en-US" sz="2200" dirty="0" smtClean="0">
+              <a:rPr lang="en-US" sz="2200" dirty="0">
                 <a:solidFill>
                   <a:schemeClr val="bg1"/>
                 </a:solidFill>
                 <a:latin typeface="Arial" panose="020B0604020202020204" pitchFamily="34" charset="0"/>
                 <a:cs typeface="Arial" panose="020B0604020202020204" pitchFamily="34" charset="0"/>
               </a:rPr>
-              <a:t>Avoid </a:t>
-            </a:r>
-            <a:r>
-              <a:rPr lang="en-US" sz="2200" dirty="0">
-                <a:solidFill>
-                  <a:schemeClr val="bg1"/>
+              <a:t>Include an indication of the object type in the name </a:t>
+            </a:r>
+            <a:r>
+              <a:rPr lang="en-US" sz="2000" dirty="0">
+                <a:solidFill>
+                  <a:schemeClr val="accent6"/>
                 </a:solidFill>
                 <a:latin typeface="Arial" panose="020B0604020202020204" pitchFamily="34" charset="0"/>
                 <a:cs typeface="Arial" panose="020B0604020202020204" pitchFamily="34" charset="0"/>
               </a:rPr>
-              <a:t>using </a:t>
-            </a:r>
-            <a:r>
-              <a:rPr lang="en-US" sz="2200" dirty="0" smtClean="0">
-                <a:solidFill>
-                  <a:schemeClr val="bg1"/>
+              <a:t>e.g. </a:t>
+            </a:r>
+            <a:r>
+              <a:rPr lang="en-US" sz="2000" dirty="0" err="1">
+                <a:solidFill>
+                  <a:schemeClr val="accent6"/>
                 </a:solidFill>
                 <a:latin typeface="Arial" panose="020B0604020202020204" pitchFamily="34" charset="0"/>
                 <a:cs typeface="Arial" panose="020B0604020202020204" pitchFamily="34" charset="0"/>
               </a:rPr>
-              <a:t>spaces </a:t>
-            </a:r>
-            <a:r>
-              <a:rPr lang="en-US" sz="2000" dirty="0">
-                <a:solidFill>
-                  <a:schemeClr val="accent6"/>
-                </a:solidFill>
-                <a:ea typeface="Times New Roman"/>
-                <a:cs typeface="Mangal"/>
-              </a:rPr>
-              <a:t>e.g. Feedback System</a:t>
-            </a:r>
+              <a:t>TrainingDB</a:t>
+            </a:r>
+            <a:endParaRPr lang="en-US" sz="2000" dirty="0">
+              <a:solidFill>
+                <a:schemeClr val="accent6"/>
+              </a:solidFill>
+              <a:latin typeface="Arial" panose="020B0604020202020204" pitchFamily="34" charset="0"/>
+              <a:cs typeface="Arial" panose="020B0604020202020204" pitchFamily="34" charset="0"/>
+            </a:endParaRPr>
           </a:p>
           <a:p>
             <a:pPr>
@@ -14010,17 +13540,7 @@
                 <a:latin typeface="Arial" panose="020B0604020202020204" pitchFamily="34" charset="0"/>
                 <a:cs typeface="Arial" panose="020B0604020202020204" pitchFamily="34" charset="0"/>
               </a:rPr>
-              <a:t>Avoid names that will become </a:t>
-            </a:r>
-            <a:r>
-              <a:rPr lang="en-US" sz="2200" dirty="0" smtClean="0">
-                <a:solidFill>
-                  <a:schemeClr val="bg1"/>
-                </a:solidFill>
-                <a:latin typeface="Arial" panose="020B0604020202020204" pitchFamily="34" charset="0"/>
-                <a:cs typeface="Arial" panose="020B0604020202020204" pitchFamily="34" charset="0"/>
-              </a:rPr>
-              <a:t>outdated </a:t>
+              <a:t>Avoid using spaces </a:t>
             </a:r>
             <a:r>
               <a:rPr lang="en-US" sz="2000" dirty="0">
@@ -14030,7 +13550,7 @@
                 <a:ea typeface="Times New Roman"/>
                 <a:cs typeface="Mangal"/>
               </a:rPr>
-              <a:t>e.g. Training 2018</a:t>
+              <a:t>e.g. Feedback System</a:t>
             </a:r>
           </a:p>
           <a:p>
@@ -14047,17 +13567,7 @@
                 <a:latin typeface="Arial" panose="020B0604020202020204" pitchFamily="34" charset="0"/>
                 <a:cs typeface="Arial" panose="020B0604020202020204" pitchFamily="34" charset="0"/>
               </a:rPr>
-              <a:t>Avoid using special </a:t>
-            </a:r>
-            <a:r>
-              <a:rPr lang="en-US" sz="2200" dirty="0" smtClean="0">
-                <a:solidFill>
-                  <a:schemeClr val="bg1"/>
-                </a:solidFill>
-                <a:latin typeface="Arial" panose="020B0604020202020204" pitchFamily="34" charset="0"/>
-                <a:cs typeface="Arial" panose="020B0604020202020204" pitchFamily="34" charset="0"/>
-              </a:rPr>
-              <a:t>characters/symbols </a:t>
+              <a:t>Avoid names that will become outdated </a:t>
             </a:r>
             <a:r>
               <a:rPr lang="en-US" sz="2000" dirty="0">
@@ -14067,7 +13577,7 @@
                 <a:ea typeface="Times New Roman"/>
                 <a:cs typeface="Mangal"/>
               </a:rPr>
-              <a:t>e.g. Training@2018</a:t>
+              <a:t>e.g. Training 2018</a:t>
             </a:r>
           </a:p>
           <a:p>
@@ -14084,17 +13594,7 @@
                 <a:latin typeface="Arial" panose="020B0604020202020204" pitchFamily="34" charset="0"/>
                 <a:cs typeface="Arial" panose="020B0604020202020204" pitchFamily="34" charset="0"/>
               </a:rPr>
-              <a:t>Avoid using numbers in </a:t>
-            </a:r>
-            <a:r>
-              <a:rPr lang="en-US" sz="2200" dirty="0" smtClean="0">
-                <a:solidFill>
-                  <a:schemeClr val="bg1"/>
-                </a:solidFill>
-                <a:latin typeface="Arial" panose="020B0604020202020204" pitchFamily="34" charset="0"/>
-                <a:cs typeface="Arial" panose="020B0604020202020204" pitchFamily="34" charset="0"/>
-              </a:rPr>
-              <a:t>names </a:t>
+              <a:t>Avoid using special characters/symbols </a:t>
             </a:r>
             <a:r>
               <a:rPr lang="en-US" sz="2000" dirty="0">
@@ -14104,7 +13604,7 @@
                 <a:ea typeface="Times New Roman"/>
                 <a:cs typeface="Mangal"/>
               </a:rPr>
-              <a:t>e.g. Training007</a:t>
+              <a:t>e.g. Training@2018</a:t>
             </a:r>
           </a:p>
           <a:p>
@@ -14113,7 +13613,34 @@
                 <a:spcPts val="0"/>
               </a:spcBef>
             </a:pPr>
-            <a:endParaRPr lang="en-US" sz="2200" dirty="0" smtClean="0">
+            <a:r>
+              <a:rPr lang="en-US" sz="2200" dirty="0">
+                <a:solidFill>
+                  <a:schemeClr val="bg1"/>
+                </a:solidFill>
+                <a:latin typeface="Arial" panose="020B0604020202020204" pitchFamily="34" charset="0"/>
+                <a:cs typeface="Arial" panose="020B0604020202020204" pitchFamily="34" charset="0"/>
+              </a:rPr>
+              <a:t>Avoid using numbers in names </a:t>
+            </a:r>
+            <a:r>
+              <a:rPr lang="en-US" sz="2000" dirty="0">
+                <a:solidFill>
+                  <a:schemeClr val="accent6"/>
+                </a:solidFill>
+                <a:ea typeface="Times New Roman"/>
+                <a:cs typeface="Mangal"/>
+              </a:rPr>
+              <a:t>e.g. Training007</a:t>
+            </a:r>
+          </a:p>
+          <a:p>
+            <a:pPr>
+              <a:spcBef>
+                <a:spcPts val="0"/>
+              </a:spcBef>
+            </a:pPr>
+            <a:endParaRPr lang="en-US" sz="2200" dirty="0">
               <a:solidFill>
                 <a:schemeClr val="bg1"/>
               </a:solidFill>
@@ -14135,7 +13662,7 @@
               </a:rPr>
               <a:t>	</a:t>
             </a:r>
-            <a:endParaRPr lang="en-US" sz="1800" dirty="0" smtClean="0">
+            <a:endParaRPr lang="en-US" sz="1800" dirty="0">
               <a:solidFill>
                 <a:schemeClr val="bg1"/>
               </a:solidFill>
@@ -14147,7 +13674,7 @@
             <a:pPr marL="0" indent="0">
               <a:buNone/>
             </a:pPr>
-            <a:endParaRPr lang="en-US" sz="1800" dirty="0" smtClean="0">
+            <a:endParaRPr lang="en-US" sz="1800" dirty="0">
               <a:solidFill>
                 <a:schemeClr val="bg1"/>
               </a:solidFill>
@@ -14171,7 +13698,7 @@
             <a:pPr marL="0" indent="0">
               <a:buNone/>
             </a:pPr>
-            <a:endParaRPr lang="en-US" sz="2000" dirty="0" smtClean="0">
+            <a:endParaRPr lang="en-US" sz="2000" dirty="0">
               <a:solidFill>
                 <a:schemeClr val="bg1"/>
               </a:solidFill>
@@ -14202,7 +13729,7 @@
           <a:lstStyle/>
           <a:p>
             <a:r>
-              <a:rPr lang="en-US" dirty="0" smtClean="0">
+              <a:rPr lang="en-US" dirty="0">
                 <a:latin typeface="Arial" panose="020B0604020202020204" pitchFamily="34" charset="0"/>
                 <a:cs typeface="Arial" panose="020B0604020202020204" pitchFamily="34" charset="0"/>
               </a:rPr>
@@ -15052,24 +14579,14 @@
               <a:buChar char="•"/>
             </a:pPr>
             <a:r>
-              <a:rPr lang="en-IN" sz="2000" dirty="0" smtClean="0">
+              <a:rPr lang="en-IN" sz="2000" dirty="0">
                 <a:solidFill>
                   <a:schemeClr val="bg1"/>
                 </a:solidFill>
                 <a:latin typeface="Arial" panose="020B0604020202020204" pitchFamily="34" charset="0"/>
                 <a:cs typeface="Arial" panose="020B0604020202020204" pitchFamily="34" charset="0"/>
               </a:rPr>
-              <a:t>This </a:t>
-            </a:r>
-            <a:r>
-              <a:rPr lang="en-IN" sz="2000" dirty="0">
-                <a:solidFill>
-                  <a:schemeClr val="bg1"/>
-                </a:solidFill>
-                <a:latin typeface="Arial" panose="020B0604020202020204" pitchFamily="34" charset="0"/>
-                <a:cs typeface="Arial" panose="020B0604020202020204" pitchFamily="34" charset="0"/>
-              </a:rPr>
-              <a:t>command is used to create database which is the primary part of any database system.</a:t>
+              <a:t>This command is used to create database which is the primary part of any database system.</a:t>
             </a:r>
           </a:p>
           <a:p>
@@ -15097,7 +14614,7 @@
                 <a:spcPts val="0"/>
               </a:spcBef>
             </a:pPr>
-            <a:endParaRPr lang="en-IN" sz="2000" dirty="0" smtClean="0">
+            <a:endParaRPr lang="en-IN" sz="2000" dirty="0">
               <a:solidFill>
                 <a:schemeClr val="bg1"/>
               </a:solidFill>
@@ -15128,24 +14645,14 @@
               <a:buNone/>
             </a:pPr>
             <a:r>
-              <a:rPr lang="en-IN" sz="2000" dirty="0" smtClean="0">
+              <a:rPr lang="en-IN" sz="2000" dirty="0">
                 <a:solidFill>
                   <a:schemeClr val="bg1"/>
                 </a:solidFill>
                 <a:latin typeface="Arial" panose="020B0604020202020204" pitchFamily="34" charset="0"/>
                 <a:cs typeface="Arial" panose="020B0604020202020204" pitchFamily="34" charset="0"/>
               </a:rPr>
-              <a:t>Syntax </a:t>
-            </a:r>
-            <a:r>
-              <a:rPr lang="en-IN" sz="2000" dirty="0">
-                <a:solidFill>
-                  <a:schemeClr val="bg1"/>
-                </a:solidFill>
-                <a:latin typeface="Arial" panose="020B0604020202020204" pitchFamily="34" charset="0"/>
-                <a:cs typeface="Arial" panose="020B0604020202020204" pitchFamily="34" charset="0"/>
-              </a:rPr>
-              <a:t>: 	</a:t>
+              <a:t>Syntax : 	</a:t>
             </a:r>
           </a:p>
           <a:p>
@@ -15165,7 +14672,7 @@
               <a:buNone/>
             </a:pPr>
             <a:r>
-              <a:rPr lang="en-US" dirty="0" smtClean="0">
+              <a:rPr lang="en-US" dirty="0">
                 <a:latin typeface="Courier New" pitchFamily="49" charset="0"/>
                 <a:cs typeface="Courier New" pitchFamily="49" charset="0"/>
               </a:rPr>
@@ -15211,7 +14718,36 @@
               <a:buNone/>
             </a:pPr>
             <a:r>
-              <a:rPr lang="en-US" dirty="0" smtClean="0">
+              <a:rPr lang="en-US" sz="2200" dirty="0">
+                <a:solidFill>
+                  <a:schemeClr val="accent6"/>
+                </a:solidFill>
+                <a:latin typeface="Arial" panose="020B0604020202020204" pitchFamily="34" charset="0"/>
+              </a:rPr>
+              <a:t>      Below command will not work in </a:t>
+            </a:r>
+            <a:r>
+              <a:rPr lang="en-US" sz="2200">
+                <a:solidFill>
+                  <a:schemeClr val="accent6"/>
+                </a:solidFill>
+                <a:latin typeface="Arial" panose="020B0604020202020204" pitchFamily="34" charset="0"/>
+              </a:rPr>
+              <a:t>Postgresql</a:t>
+            </a:r>
+            <a:endParaRPr lang="en-US" sz="2200" dirty="0">
+              <a:solidFill>
+                <a:schemeClr val="accent6"/>
+              </a:solidFill>
+              <a:latin typeface="Arial" panose="020B0604020202020204" pitchFamily="34" charset="0"/>
+            </a:endParaRPr>
+          </a:p>
+          <a:p>
+            <a:pPr marL="0" indent="0" algn="just">
+              <a:buNone/>
+            </a:pPr>
+            <a:r>
+              <a:rPr lang="en-US" dirty="0">
                 <a:latin typeface="Courier New" pitchFamily="49" charset="0"/>
                 <a:cs typeface="Courier New" pitchFamily="49" charset="0"/>
               </a:rPr>
@@ -15234,17 +14770,10 @@
                 <a:latin typeface="Courier New" pitchFamily="49" charset="0"/>
                 <a:cs typeface="Courier New" pitchFamily="49" charset="0"/>
               </a:rPr>
-              <a:t> </a:t>
-            </a:r>
-            <a:r>
-              <a:rPr lang="en-US" dirty="0" smtClean="0">
-                <a:latin typeface="Courier New" pitchFamily="49" charset="0"/>
-                <a:cs typeface="Courier New" pitchFamily="49" charset="0"/>
-              </a:rPr>
-              <a:t>	</a:t>
-            </a:r>
-            <a:r>
-              <a:rPr lang="en-US" sz="2200" dirty="0" err="1" smtClean="0">
+              <a:t> 	</a:t>
+            </a:r>
+            <a:r>
+              <a:rPr lang="en-US" sz="2200" dirty="0" err="1">
                 <a:solidFill>
                   <a:schemeClr val="accent6"/>
                 </a:solidFill>
@@ -15253,22 +14782,13 @@
               <a:t>db_name</a:t>
             </a:r>
             <a:r>
-              <a:rPr lang="en-US" sz="2200" dirty="0" smtClean="0">
+              <a:rPr lang="en-US" sz="2200" dirty="0">
                 <a:solidFill>
                   <a:schemeClr val="accent6"/>
                 </a:solidFill>
                 <a:latin typeface="Arial" panose="020B0604020202020204" pitchFamily="34" charset="0"/>
               </a:rPr>
-              <a:t> </a:t>
-            </a:r>
-            <a:r>
-              <a:rPr lang="en-US" sz="2200" dirty="0">
-                <a:solidFill>
-                  <a:schemeClr val="accent6"/>
-                </a:solidFill>
-                <a:latin typeface="Arial" panose="020B0604020202020204" pitchFamily="34" charset="0"/>
-              </a:rPr>
-              <a:t>	[</a:t>
+              <a:t> 	[</a:t>
             </a:r>
             <a:r>
               <a:rPr lang="en-US" sz="2200" dirty="0" err="1">
@@ -15293,7 +14813,7 @@
             <a:pPr marL="0" indent="0">
               <a:buNone/>
             </a:pPr>
-            <a:endParaRPr lang="en-IN" sz="1800" dirty="0" smtClean="0">
+            <a:endParaRPr lang="en-IN" sz="1800" dirty="0">
               <a:solidFill>
                 <a:schemeClr val="bg1"/>
               </a:solidFill>
@@ -15463,18 +14983,13 @@
           </a:lstStyle>
           <a:p>
             <a:r>
-              <a:rPr lang="en-US" sz="1400" dirty="0" smtClean="0">
+              <a:rPr lang="en-US" sz="1400" dirty="0">
                 <a:solidFill>
                   <a:schemeClr val="bg1"/>
                 </a:solidFill>
               </a:rPr>
               <a:t>36</a:t>
             </a:r>
-            <a:endParaRPr lang="en-US" sz="1400" dirty="0">
-              <a:solidFill>
-                <a:schemeClr val="bg1"/>
-              </a:solidFill>
-            </a:endParaRPr>
           </a:p>
         </p:txBody>
       </p:sp>
@@ -15813,6 +15328,67 @@
                       </p:childTnLst>
                     </p:cTn>
                   </p:par>
+                  <p:par>
+                    <p:cTn id="28" fill="hold">
+                      <p:stCondLst>
+                        <p:cond delay="indefinite"/>
+                      </p:stCondLst>
+                      <p:childTnLst>
+                        <p:par>
+                          <p:cTn id="29" fill="hold">
+                            <p:stCondLst>
+                              <p:cond delay="0"/>
+                            </p:stCondLst>
+                            <p:childTnLst>
+                              <p:par>
+                                <p:cTn id="30" presetID="10" presetClass="entr" presetSubtype="0" fill="hold" grpId="0" nodeType="clickEffect">
+                                  <p:stCondLst>
+                                    <p:cond delay="0"/>
+                                  </p:stCondLst>
+                                  <p:childTnLst>
+                                    <p:set>
+                                      <p:cBhvr>
+                                        <p:cTn id="31" dur="1" fill="hold">
+                                          <p:stCondLst>
+                                            <p:cond delay="0"/>
+                                          </p:stCondLst>
+                                        </p:cTn>
+                                        <p:tgtEl>
+                                          <p:spTgt spid="7">
+                                            <p:txEl>
+                                              <p:pRg st="8" end="8"/>
+                                            </p:txEl>
+                                          </p:spTgt>
+                                        </p:tgtEl>
+                                        <p:attrNameLst>
+                                          <p:attrName>style.visibility</p:attrName>
+                                        </p:attrNameLst>
+                                      </p:cBhvr>
+                                      <p:to>
+                                        <p:strVal val="visible"/>
+                                      </p:to>
+                                    </p:set>
+                                    <p:animEffect transition="in" filter="fade">
+                                      <p:cBhvr>
+                                        <p:cTn id="32" dur="500"/>
+                                        <p:tgtEl>
+                                          <p:spTgt spid="7">
+                                            <p:txEl>
+                                              <p:pRg st="8" end="8"/>
+                                            </p:txEl>
+                                          </p:spTgt>
+                                        </p:tgtEl>
+                                      </p:cBhvr>
+                                    </p:animEffect>
+                                  </p:childTnLst>
+                                </p:cTn>
+                              </p:par>
+                            </p:childTnLst>
+                          </p:cTn>
+                        </p:par>
+                      </p:childTnLst>
+                    </p:cTn>
+                  </p:par>
                 </p:childTnLst>
               </p:cTn>
               <p:prevCondLst>
@@ -15882,7 +15458,7 @@
               <a:buNone/>
             </a:pPr>
             <a:r>
-              <a:rPr lang="en-US" sz="2000" dirty="0" smtClean="0">
+              <a:rPr lang="en-US" sz="2000" dirty="0">
                 <a:solidFill>
                   <a:schemeClr val="bg1"/>
                 </a:solidFill>
@@ -15892,7 +15468,7 @@
               <a:t>Requirement	</a:t>
             </a:r>
             <a:r>
-              <a:rPr lang="en-US" sz="4000" dirty="0" smtClean="0">
+              <a:rPr lang="en-US" sz="4000" dirty="0">
                 <a:solidFill>
                   <a:schemeClr val="bg1"/>
                 </a:solidFill>
@@ -15917,12 +15493,8 @@
               <a:t>	</a:t>
             </a:r>
             <a:r>
-              <a:rPr lang="en-US" sz="2200" dirty="0" smtClean="0"/>
-              <a:t>How </a:t>
-            </a:r>
-            <a:r>
               <a:rPr lang="en-US" sz="2200" dirty="0"/>
-              <a:t>to create a table with the name </a:t>
+              <a:t>How to create a table with the name </a:t>
             </a:r>
             <a:r>
               <a:rPr lang="en-US" sz="2200" dirty="0" err="1"/>
@@ -15937,7 +15509,7 @@
             <a:pPr marL="0" indent="0">
               <a:buNone/>
             </a:pPr>
-            <a:endParaRPr lang="en-US" sz="1800" dirty="0" smtClean="0">
+            <a:endParaRPr lang="en-US" sz="1800" dirty="0">
               <a:solidFill>
                 <a:schemeClr val="bg1"/>
               </a:solidFill>
@@ -15953,7 +15525,7 @@
               <a:buNone/>
             </a:pPr>
             <a:r>
-              <a:rPr lang="en-US" sz="2000" dirty="0" smtClean="0">
+              <a:rPr lang="en-US" sz="2000" dirty="0">
                 <a:solidFill>
                   <a:schemeClr val="bg1"/>
                 </a:solidFill>
@@ -15988,7 +15560,7 @@
               <a:t>	</a:t>
             </a:r>
             <a:r>
-              <a:rPr lang="en-US" sz="2200" dirty="0" smtClean="0">
+              <a:rPr lang="en-US" sz="2200" dirty="0">
                 <a:solidFill>
                   <a:schemeClr val="accent4">
                     <a:lumMod val="60000"/>
@@ -15997,19 +15569,7 @@
                 </a:solidFill>
                 <a:latin typeface="Arial" panose="020B0604020202020204" pitchFamily="34" charset="0"/>
               </a:rPr>
-              <a:t>CREATE </a:t>
-            </a:r>
-            <a:r>
-              <a:rPr lang="en-US" sz="2200" dirty="0">
-                <a:solidFill>
-                  <a:schemeClr val="accent4">
-                    <a:lumMod val="60000"/>
-                    <a:lumOff val="40000"/>
-                  </a:schemeClr>
-                </a:solidFill>
-                <a:latin typeface="Arial" panose="020B0604020202020204" pitchFamily="34" charset="0"/>
-              </a:rPr>
-              <a:t>TABLE </a:t>
+              <a:t>CREATE TABLE </a:t>
             </a:r>
             <a:r>
               <a:rPr lang="en-US" sz="2200" dirty="0" err="1">
@@ -16462,7 +16022,7 @@
             <a:pPr marL="0" indent="0">
               <a:buNone/>
             </a:pPr>
-            <a:endParaRPr lang="en-US" sz="1800" dirty="0" smtClean="0">
+            <a:endParaRPr lang="en-US" sz="1800" dirty="0">
               <a:solidFill>
                 <a:schemeClr val="bg1"/>
               </a:solidFill>
@@ -16474,7 +16034,7 @@
             <a:pPr marL="0" indent="0">
               <a:buNone/>
             </a:pPr>
-            <a:endParaRPr lang="en-US" sz="1800" dirty="0" smtClean="0">
+            <a:endParaRPr lang="en-US" sz="1800" dirty="0">
               <a:solidFill>
                 <a:schemeClr val="bg1"/>
               </a:solidFill>
@@ -16498,7 +16058,7 @@
             <a:pPr marL="0" indent="0">
               <a:buNone/>
             </a:pPr>
-            <a:endParaRPr lang="en-US" sz="2000" dirty="0" smtClean="0">
+            <a:endParaRPr lang="en-US" sz="2000" dirty="0">
               <a:solidFill>
                 <a:schemeClr val="bg1"/>
               </a:solidFill>
@@ -16529,7 +16089,7 @@
           <a:lstStyle/>
           <a:p>
             <a:r>
-              <a:rPr lang="en-US" dirty="0" smtClean="0">
+              <a:rPr lang="en-US" dirty="0">
                 <a:latin typeface="Arial" panose="020B0604020202020204" pitchFamily="34" charset="0"/>
                 <a:cs typeface="Arial" panose="020B0604020202020204" pitchFamily="34" charset="0"/>
               </a:rPr>
@@ -17625,24 +17185,14 @@
               </a:spcBef>
             </a:pPr>
             <a:r>
-              <a:rPr lang="en-US" sz="2200" dirty="0" smtClean="0">
+              <a:rPr lang="en-US" sz="2200" dirty="0">
                 <a:solidFill>
                   <a:schemeClr val="bg1"/>
                 </a:solidFill>
                 <a:latin typeface="Arial" panose="020B0604020202020204" pitchFamily="34" charset="0"/>
                 <a:cs typeface="Arial" panose="020B0604020202020204" pitchFamily="34" charset="0"/>
               </a:rPr>
-              <a:t>Creates a </a:t>
-            </a:r>
-            <a:r>
-              <a:rPr lang="en-US" sz="2200" dirty="0">
-                <a:solidFill>
-                  <a:schemeClr val="bg1"/>
-                </a:solidFill>
-                <a:latin typeface="Arial" panose="020B0604020202020204" pitchFamily="34" charset="0"/>
-                <a:cs typeface="Arial" panose="020B0604020202020204" pitchFamily="34" charset="0"/>
-              </a:rPr>
-              <a:t>table with the given name. </a:t>
+              <a:t>Creates a table with the given name. </a:t>
             </a:r>
           </a:p>
           <a:p>
@@ -17652,7 +17202,7 @@
               </a:spcBef>
             </a:pPr>
             <a:r>
-              <a:rPr lang="en-US" sz="2200" dirty="0" smtClean="0">
+              <a:rPr lang="en-US" sz="2200" dirty="0">
                 <a:solidFill>
                   <a:schemeClr val="bg1"/>
                 </a:solidFill>
@@ -17672,7 +17222,7 @@
               <a:t>permission(called privilege) </a:t>
             </a:r>
             <a:r>
-              <a:rPr lang="en-US" sz="2200" dirty="0" smtClean="0">
+              <a:rPr lang="en-US" sz="2200" dirty="0">
                 <a:solidFill>
                   <a:schemeClr val="bg1"/>
                 </a:solidFill>
@@ -17689,26 +17239,43 @@
               </a:spcBef>
             </a:pPr>
             <a:r>
-              <a:rPr lang="en-US" sz="2200" dirty="0" smtClean="0">
+              <a:rPr lang="en-US" sz="2200" dirty="0">
                 <a:solidFill>
                   <a:schemeClr val="bg1"/>
                 </a:solidFill>
                 <a:latin typeface="Arial" panose="020B0604020202020204" pitchFamily="34" charset="0"/>
                 <a:cs typeface="Arial" panose="020B0604020202020204" pitchFamily="34" charset="0"/>
               </a:rPr>
-              <a:t>Can create table </a:t>
-            </a:r>
-            <a:r>
-              <a:rPr lang="en-US" sz="2200" dirty="0">
+              <a:t>Can create table in a specific database. </a:t>
+            </a:r>
+          </a:p>
+          <a:p>
+            <a:pPr marL="800100" lvl="2" indent="-365760">
+              <a:spcBef>
+                <a:spcPts val="0"/>
+              </a:spcBef>
+            </a:pPr>
+            <a:r>
+              <a:rPr lang="en-US" sz="2000" dirty="0">
                 <a:solidFill>
                   <a:schemeClr val="bg1"/>
                 </a:solidFill>
                 <a:latin typeface="Arial" panose="020B0604020202020204" pitchFamily="34" charset="0"/>
                 <a:cs typeface="Arial" panose="020B0604020202020204" pitchFamily="34" charset="0"/>
               </a:rPr>
-              <a:t>in a specific database. </a:t>
-            </a:r>
-            <a:endParaRPr lang="en-US" sz="2200" dirty="0" smtClean="0">
+              <a:t>The table name can be specified as </a:t>
+            </a:r>
+            <a:r>
+              <a:rPr lang="en-US" sz="2000" dirty="0" err="1">
+                <a:solidFill>
+                  <a:schemeClr val="bg1"/>
+                </a:solidFill>
+                <a:latin typeface="Arial" panose="020B0604020202020204" pitchFamily="34" charset="0"/>
+                <a:cs typeface="Arial" panose="020B0604020202020204" pitchFamily="34" charset="0"/>
+              </a:rPr>
+              <a:t>db_name.tbl_name</a:t>
+            </a:r>
+            <a:endParaRPr lang="en-US" sz="2000" dirty="0">
               <a:solidFill>
                 <a:schemeClr val="bg1"/>
               </a:solidFill>
@@ -17730,19 +17297,17 @@
                 <a:latin typeface="Arial" panose="020B0604020202020204" pitchFamily="34" charset="0"/>
                 <a:cs typeface="Arial" panose="020B0604020202020204" pitchFamily="34" charset="0"/>
               </a:rPr>
-              <a:t>The table name can be specified as </a:t>
-            </a:r>
-            <a:r>
-              <a:rPr lang="en-US" sz="2000" dirty="0" err="1" smtClean="0">
-                <a:solidFill>
-                  <a:schemeClr val="bg1"/>
-                </a:solidFill>
-                <a:latin typeface="Arial" panose="020B0604020202020204" pitchFamily="34" charset="0"/>
-                <a:cs typeface="Arial" panose="020B0604020202020204" pitchFamily="34" charset="0"/>
-              </a:rPr>
-              <a:t>db_name.tbl_name</a:t>
-            </a:r>
-            <a:endParaRPr lang="en-US" sz="2000" dirty="0" smtClean="0">
+              <a:t>This works regardless of a default database, assuming that the database exists. </a:t>
+            </a:r>
+          </a:p>
+          <a:p>
+            <a:pPr marL="0" indent="-365760" algn="just">
+              <a:spcBef>
+                <a:spcPts val="600"/>
+              </a:spcBef>
+              <a:buNone/>
+            </a:pPr>
+            <a:endParaRPr lang="en-IN" sz="2000" dirty="0">
               <a:solidFill>
                 <a:schemeClr val="bg1"/>
               </a:solidFill>
@@ -17751,48 +17316,6 @@
             </a:endParaRPr>
           </a:p>
           <a:p>
-            <a:pPr marL="800100" lvl="2" indent="-365760">
-              <a:spcBef>
-                <a:spcPts val="0"/>
-              </a:spcBef>
-            </a:pPr>
-            <a:r>
-              <a:rPr lang="en-US" sz="2000" dirty="0" smtClean="0">
-                <a:solidFill>
-                  <a:schemeClr val="bg1"/>
-                </a:solidFill>
-                <a:latin typeface="Arial" panose="020B0604020202020204" pitchFamily="34" charset="0"/>
-                <a:cs typeface="Arial" panose="020B0604020202020204" pitchFamily="34" charset="0"/>
-              </a:rPr>
-              <a:t>This </a:t>
-            </a:r>
-            <a:r>
-              <a:rPr lang="en-US" sz="2000" dirty="0">
-                <a:solidFill>
-                  <a:schemeClr val="bg1"/>
-                </a:solidFill>
-                <a:latin typeface="Arial" panose="020B0604020202020204" pitchFamily="34" charset="0"/>
-                <a:cs typeface="Arial" panose="020B0604020202020204" pitchFamily="34" charset="0"/>
-              </a:rPr>
-              <a:t>works regardless of a default database, assuming that the database exists. </a:t>
-            </a:r>
-          </a:p>
-          <a:p>
-            <a:pPr marL="0" indent="-365760" algn="just">
-              <a:spcBef>
-                <a:spcPts val="600"/>
-              </a:spcBef>
-              <a:buNone/>
-            </a:pPr>
-            <a:endParaRPr lang="en-IN" sz="2000" dirty="0" smtClean="0">
-              <a:solidFill>
-                <a:schemeClr val="bg1"/>
-              </a:solidFill>
-              <a:latin typeface="Arial" panose="020B0604020202020204" pitchFamily="34" charset="0"/>
-              <a:cs typeface="Arial" panose="020B0604020202020204" pitchFamily="34" charset="0"/>
-            </a:endParaRPr>
-          </a:p>
-          <a:p>
             <a:pPr algn="just" fontAlgn="base">
               <a:spcAft>
                 <a:spcPct val="0"/>
@@ -17810,7 +17333,7 @@
               <a:t>Syntax</a:t>
             </a:r>
             <a:r>
-              <a:rPr lang="en-IN" sz="2200" dirty="0" smtClean="0">
+              <a:rPr lang="en-IN" sz="2200" dirty="0">
                 <a:latin typeface="Courier New" pitchFamily="49" charset="0"/>
                 <a:cs typeface="Courier New" pitchFamily="49" charset="0"/>
               </a:rPr>
@@ -18076,17 +17599,7 @@
                 <a:latin typeface="Arial" panose="020B0604020202020204" pitchFamily="34" charset="0"/>
                 <a:cs typeface="Arial" panose="020B0604020202020204" pitchFamily="34" charset="0"/>
               </a:rPr>
-              <a:t>CREATE </a:t>
-            </a:r>
-            <a:r>
-              <a:rPr lang="en-IN" dirty="0" smtClean="0">
-                <a:solidFill>
-                  <a:schemeClr val="bg1"/>
-                </a:solidFill>
-                <a:latin typeface="Arial" panose="020B0604020202020204" pitchFamily="34" charset="0"/>
-                <a:cs typeface="Arial" panose="020B0604020202020204" pitchFamily="34" charset="0"/>
-              </a:rPr>
-              <a:t>Statement</a:t>
+              <a:t>CREATE Statement</a:t>
             </a:r>
             <a:endParaRPr lang="en-US" dirty="0">
               <a:solidFill>
@@ -18214,18 +17727,13 @@
           </a:lstStyle>
           <a:p>
             <a:r>
-              <a:rPr lang="en-US" sz="1400" dirty="0" smtClean="0">
+              <a:rPr lang="en-US" sz="1400" dirty="0">
                 <a:solidFill>
                   <a:schemeClr val="bg1"/>
                 </a:solidFill>
               </a:rPr>
               <a:t>38</a:t>
             </a:r>
-            <a:endParaRPr lang="en-US" sz="1400" dirty="0">
-              <a:solidFill>
-                <a:schemeClr val="bg1"/>
-              </a:solidFill>
-            </a:endParaRPr>
           </a:p>
         </p:txBody>
       </p:sp>
@@ -18919,10 +18427,9 @@
           <a:lstStyle/>
           <a:p>
             <a:r>
-              <a:rPr lang="en-US" dirty="0" smtClean="0"/>
+              <a:rPr lang="en-US" dirty="0"/>
               <a:t>ALTER Statement</a:t>
             </a:r>
-            <a:endParaRPr lang="en-US" dirty="0"/>
           </a:p>
         </p:txBody>
       </p:sp>
@@ -18936,13 +18443,6 @@
   <p:clrMapOvr>
     <a:masterClrMapping/>
   </p:clrMapOvr>
-  <p:timing>
-    <p:tnLst>
-      <p:par>
-        <p:cTn id="1" dur="indefinite" restart="never" nodeType="tmRoot"/>
-      </p:par>
-    </p:tnLst>
-  </p:timing>
 </p:sld>
 </file>
 
@@ -18987,7 +18487,7 @@
               <a:buNone/>
             </a:pPr>
             <a:r>
-              <a:rPr lang="en-US" sz="2000" dirty="0" smtClean="0">
+              <a:rPr lang="en-US" sz="2000" dirty="0">
                 <a:solidFill>
                   <a:schemeClr val="bg1"/>
                 </a:solidFill>
@@ -18997,7 +18497,7 @@
               <a:t>Requirement	</a:t>
             </a:r>
             <a:r>
-              <a:rPr lang="en-US" sz="4000" dirty="0" smtClean="0">
+              <a:rPr lang="en-US" sz="4000" dirty="0">
                 <a:solidFill>
                   <a:schemeClr val="bg1"/>
                 </a:solidFill>
@@ -19022,24 +18522,15 @@
               <a:t>	</a:t>
             </a:r>
             <a:r>
-              <a:rPr lang="en-US" sz="2200" dirty="0" smtClean="0"/>
-              <a:t>How </a:t>
-            </a:r>
-            <a:r>
               <a:rPr lang="en-US" sz="2200" dirty="0"/>
-              <a:t>to </a:t>
-            </a:r>
-            <a:r>
-              <a:rPr lang="en-US" sz="2200" dirty="0" smtClean="0"/>
-              <a:t>add a missed column in a table. </a:t>
-            </a:r>
-            <a:endParaRPr lang="en-US" sz="2200" dirty="0"/>
+              <a:t>How to add a missed column in a table. </a:t>
+            </a:r>
           </a:p>
           <a:p>
             <a:pPr marL="0" indent="0">
               <a:buNone/>
             </a:pPr>
-            <a:endParaRPr lang="en-US" sz="1800" dirty="0" smtClean="0">
+            <a:endParaRPr lang="en-US" sz="1800" dirty="0">
               <a:solidFill>
                 <a:schemeClr val="bg1"/>
               </a:solidFill>
@@ -19055,7 +18546,7 @@
               <a:buNone/>
             </a:pPr>
             <a:r>
-              <a:rPr lang="en-US" sz="2000" dirty="0" smtClean="0">
+              <a:rPr lang="en-US" sz="2000" dirty="0">
                 <a:solidFill>
                   <a:schemeClr val="bg1"/>
                 </a:solidFill>
@@ -19090,7 +18581,7 @@
               <a:t>	</a:t>
             </a:r>
             <a:r>
-              <a:rPr lang="en-US" sz="2200" dirty="0" smtClean="0">
+              <a:rPr lang="en-US" sz="2200" dirty="0">
                 <a:solidFill>
                   <a:schemeClr val="accent4">
                     <a:lumMod val="60000"/>
@@ -19099,7 +18590,41 @@
                 </a:solidFill>
                 <a:latin typeface="Arial" panose="020B0604020202020204" pitchFamily="34" charset="0"/>
               </a:rPr>
-              <a:t>ALTER </a:t>
+              <a:t>ALTER TABLE </a:t>
+            </a:r>
+            <a:r>
+              <a:rPr lang="en-US" sz="2200" dirty="0" err="1">
+                <a:solidFill>
+                  <a:schemeClr val="accent6"/>
+                </a:solidFill>
+                <a:latin typeface="Arial" panose="020B0604020202020204" pitchFamily="34" charset="0"/>
+              </a:rPr>
+              <a:t>PMSOffices</a:t>
+            </a:r>
+            <a:r>
+              <a:rPr lang="en-US" sz="2400" b="1" dirty="0">
+                <a:solidFill>
+                  <a:schemeClr val="bg1"/>
+                </a:solidFill>
+                <a:latin typeface="Arial" panose="020B0604020202020204" pitchFamily="34" charset="0"/>
+                <a:cs typeface="Arial" panose="020B0604020202020204" pitchFamily="34" charset="0"/>
+              </a:rPr>
+              <a:t> </a:t>
+            </a:r>
+          </a:p>
+          <a:p>
+            <a:pPr marL="0" indent="0">
+              <a:buNone/>
+            </a:pPr>
+            <a:r>
+              <a:rPr lang="en-US" sz="2400" b="1" dirty="0">
+                <a:solidFill>
+                  <a:schemeClr val="bg1"/>
+                </a:solidFill>
+                <a:latin typeface="Arial" panose="020B0604020202020204" pitchFamily="34" charset="0"/>
+                <a:cs typeface="Arial" panose="020B0604020202020204" pitchFamily="34" charset="0"/>
+              </a:rPr>
+              <a:t>	</a:t>
             </a:r>
             <a:r>
               <a:rPr lang="en-US" sz="2200" dirty="0">
@@ -19111,16 +18636,16 @@
                 </a:solidFill>
                 <a:latin typeface="Arial" panose="020B0604020202020204" pitchFamily="34" charset="0"/>
               </a:rPr>
-              <a:t>TABLE </a:t>
-            </a:r>
-            <a:r>
-              <a:rPr lang="en-US" sz="2200" dirty="0" err="1">
+              <a:t>ADD COLUMN </a:t>
+            </a:r>
+            <a:r>
+              <a:rPr lang="en-US" sz="2200" dirty="0">
                 <a:solidFill>
                   <a:schemeClr val="accent6"/>
                 </a:solidFill>
                 <a:latin typeface="Arial" panose="020B0604020202020204" pitchFamily="34" charset="0"/>
               </a:rPr>
-              <a:t>PMSOffices</a:t>
+              <a:t>territory</a:t>
             </a:r>
             <a:r>
               <a:rPr lang="en-US" sz="2400" b="1" dirty="0">
@@ -19132,30 +18657,8 @@
               </a:rPr>
               <a:t> </a:t>
             </a:r>
-            <a:endParaRPr lang="en-US" sz="2400" b="1" dirty="0" smtClean="0">
-              <a:solidFill>
-                <a:schemeClr val="bg1"/>
-              </a:solidFill>
-              <a:latin typeface="Arial" panose="020B0604020202020204" pitchFamily="34" charset="0"/>
-              <a:cs typeface="Arial" panose="020B0604020202020204" pitchFamily="34" charset="0"/>
-            </a:endParaRPr>
-          </a:p>
-          <a:p>
-            <a:pPr marL="0" indent="0">
-              <a:buNone/>
-            </a:pPr>
-            <a:r>
-              <a:rPr lang="en-US" sz="2400" b="1" dirty="0">
-                <a:solidFill>
-                  <a:schemeClr val="bg1"/>
-                </a:solidFill>
-                <a:latin typeface="Arial" panose="020B0604020202020204" pitchFamily="34" charset="0"/>
-                <a:cs typeface="Arial" panose="020B0604020202020204" pitchFamily="34" charset="0"/>
-              </a:rPr>
-              <a:t>	</a:t>
-            </a:r>
-            <a:r>
-              <a:rPr lang="en-US" sz="2200" dirty="0" smtClean="0">
+            <a:r>
+              <a:rPr lang="en-US" sz="2200" dirty="0">
                 <a:solidFill>
                   <a:schemeClr val="accent4">
                     <a:lumMod val="60000"/>
@@ -19164,62 +18667,7 @@
                 </a:solidFill>
                 <a:latin typeface="Arial" panose="020B0604020202020204" pitchFamily="34" charset="0"/>
               </a:rPr>
-              <a:t>ADD </a:t>
-            </a:r>
-            <a:r>
-              <a:rPr lang="en-US" sz="2200" dirty="0">
-                <a:solidFill>
-                  <a:schemeClr val="accent4">
-                    <a:lumMod val="60000"/>
-                    <a:lumOff val="40000"/>
-                  </a:schemeClr>
-                </a:solidFill>
-                <a:latin typeface="Arial" panose="020B0604020202020204" pitchFamily="34" charset="0"/>
-              </a:rPr>
-              <a:t>COLUMN </a:t>
-            </a:r>
-            <a:r>
-              <a:rPr lang="en-US" sz="2200" dirty="0">
-                <a:solidFill>
-                  <a:schemeClr val="accent6"/>
-                </a:solidFill>
-                <a:latin typeface="Arial" panose="020B0604020202020204" pitchFamily="34" charset="0"/>
-              </a:rPr>
-              <a:t>territory</a:t>
-            </a:r>
-            <a:r>
-              <a:rPr lang="en-US" sz="2400" b="1" dirty="0">
-                <a:solidFill>
-                  <a:schemeClr val="bg1"/>
-                </a:solidFill>
-                <a:latin typeface="Arial" panose="020B0604020202020204" pitchFamily="34" charset="0"/>
-                <a:cs typeface="Arial" panose="020B0604020202020204" pitchFamily="34" charset="0"/>
-              </a:rPr>
-              <a:t> </a:t>
-            </a:r>
-            <a:r>
-              <a:rPr lang="en-US" sz="2200" dirty="0" smtClean="0">
-                <a:solidFill>
-                  <a:schemeClr val="accent4">
-                    <a:lumMod val="60000"/>
-                    <a:lumOff val="40000"/>
-                  </a:schemeClr>
-                </a:solidFill>
-                <a:latin typeface="Arial" panose="020B0604020202020204" pitchFamily="34" charset="0"/>
-              </a:rPr>
-              <a:t>VARCHAR(10</a:t>
-            </a:r>
-            <a:r>
-              <a:rPr lang="en-US" sz="2200" dirty="0">
-                <a:solidFill>
-                  <a:schemeClr val="accent4">
-                    <a:lumMod val="60000"/>
-                    <a:lumOff val="40000"/>
-                  </a:schemeClr>
-                </a:solidFill>
-                <a:latin typeface="Arial" panose="020B0604020202020204" pitchFamily="34" charset="0"/>
-              </a:rPr>
-              <a:t>);</a:t>
+              <a:t>VARCHAR(10);</a:t>
             </a:r>
           </a:p>
           <a:p>
@@ -19237,7 +18685,7 @@
             <a:pPr marL="0" indent="0">
               <a:buNone/>
             </a:pPr>
-            <a:endParaRPr lang="en-US" sz="1800" dirty="0" smtClean="0">
+            <a:endParaRPr lang="en-US" sz="1800" dirty="0">
               <a:solidFill>
                 <a:schemeClr val="bg1"/>
               </a:solidFill>
@@ -19249,7 +18697,7 @@
             <a:pPr marL="0" indent="0">
               <a:buNone/>
             </a:pPr>
-            <a:endParaRPr lang="en-US" sz="1800" dirty="0" smtClean="0">
+            <a:endParaRPr lang="en-US" sz="1800" dirty="0">
               <a:solidFill>
                 <a:schemeClr val="bg1"/>
               </a:solidFill>
@@ -19273,7 +18721,7 @@
             <a:pPr marL="0" indent="0">
               <a:buNone/>
             </a:pPr>
-            <a:endParaRPr lang="en-US" sz="2000" dirty="0" smtClean="0">
+            <a:endParaRPr lang="en-US" sz="2000" dirty="0">
               <a:solidFill>
                 <a:schemeClr val="bg1"/>
               </a:solidFill>
@@ -19304,7 +18752,7 @@
           <a:lstStyle/>
           <a:p>
             <a:r>
-              <a:rPr lang="en-US" dirty="0" smtClean="0">
+              <a:rPr lang="en-US" dirty="0">
                 <a:latin typeface="Arial" panose="020B0604020202020204" pitchFamily="34" charset="0"/>
                 <a:cs typeface="Arial" panose="020B0604020202020204" pitchFamily="34" charset="0"/>
               </a:rPr>
@@ -19871,7 +19319,7 @@
               </a:spcBef>
             </a:pPr>
             <a:r>
-              <a:rPr lang="en-IN" sz="2200" dirty="0" smtClean="0">
+              <a:rPr lang="en-IN" sz="2200" dirty="0">
                 <a:solidFill>
                   <a:schemeClr val="bg1"/>
                 </a:solidFill>
@@ -19888,7 +19336,7 @@
               </a:spcBef>
             </a:pPr>
             <a:r>
-              <a:rPr lang="en-IN" sz="2000" dirty="0" smtClean="0">
+              <a:rPr lang="en-IN" sz="2000" dirty="0">
                 <a:solidFill>
                   <a:schemeClr val="bg1"/>
                 </a:solidFill>
@@ -19905,7 +19353,7 @@
               </a:spcBef>
             </a:pPr>
             <a:r>
-              <a:rPr lang="en-IN" sz="2000" dirty="0" smtClean="0">
+              <a:rPr lang="en-IN" sz="2000" dirty="0">
                 <a:solidFill>
                   <a:schemeClr val="bg1"/>
                 </a:solidFill>
@@ -19915,7 +19363,7 @@
               <a:t>Create or </a:t>
             </a:r>
             <a:r>
-              <a:rPr lang="en-IN" sz="2000" dirty="0" err="1" smtClean="0">
+              <a:rPr lang="en-IN" sz="2000" dirty="0" err="1">
                 <a:solidFill>
                   <a:schemeClr val="bg1"/>
                 </a:solidFill>
@@ -19925,7 +19373,7 @@
               <a:t>destrpy</a:t>
             </a:r>
             <a:r>
-              <a:rPr lang="en-IN" sz="2000" dirty="0" smtClean="0">
+              <a:rPr lang="en-IN" sz="2000" dirty="0">
                 <a:solidFill>
                   <a:schemeClr val="bg1"/>
                 </a:solidFill>
@@ -19942,7 +19390,7 @@
               </a:spcBef>
             </a:pPr>
             <a:r>
-              <a:rPr lang="en-IN" sz="2000" dirty="0" smtClean="0">
+              <a:rPr lang="en-IN" sz="2000" dirty="0">
                 <a:solidFill>
                   <a:schemeClr val="bg1"/>
                 </a:solidFill>
@@ -19959,7 +19407,7 @@
               </a:spcBef>
             </a:pPr>
             <a:r>
-              <a:rPr lang="en-IN" sz="2000" dirty="0" smtClean="0">
+              <a:rPr lang="en-IN" sz="2000" dirty="0">
                 <a:solidFill>
                   <a:schemeClr val="bg1"/>
                 </a:solidFill>
@@ -19968,21 +19416,6 @@
               </a:rPr>
               <a:t>Rename Column or Table name.</a:t>
             </a:r>
-          </a:p>
-          <a:p>
-            <a:pPr marL="0" indent="0">
-              <a:spcBef>
-                <a:spcPts val="0"/>
-              </a:spcBef>
-              <a:buNone/>
-            </a:pPr>
-            <a:endParaRPr lang="en-US" sz="2000" dirty="0" smtClean="0">
-              <a:solidFill>
-                <a:schemeClr val="bg1"/>
-              </a:solidFill>
-              <a:latin typeface="Arial" panose="020B0604020202020204" pitchFamily="34" charset="0"/>
-              <a:cs typeface="Arial" panose="020B0604020202020204" pitchFamily="34" charset="0"/>
-            </a:endParaRPr>
           </a:p>
           <a:p>
             <a:pPr marL="0" indent="0">
@@ -20006,25 +19439,30 @@
               </a:spcBef>
               <a:buNone/>
             </a:pPr>
-            <a:r>
-              <a:rPr lang="en-IN" sz="2000" dirty="0" smtClean="0">
+            <a:endParaRPr lang="en-US" sz="2000" dirty="0">
+              <a:solidFill>
+                <a:schemeClr val="bg1"/>
+              </a:solidFill>
+              <a:latin typeface="Arial" panose="020B0604020202020204" pitchFamily="34" charset="0"/>
+              <a:cs typeface="Arial" panose="020B0604020202020204" pitchFamily="34" charset="0"/>
+            </a:endParaRPr>
+          </a:p>
+          <a:p>
+            <a:pPr marL="0" indent="0">
+              <a:spcBef>
+                <a:spcPts val="0"/>
+              </a:spcBef>
+              <a:buNone/>
+            </a:pPr>
+            <a:r>
+              <a:rPr lang="en-IN" sz="2000" dirty="0">
                 <a:solidFill>
                   <a:schemeClr val="bg1"/>
                 </a:solidFill>
                 <a:latin typeface="Arial" panose="020B0604020202020204" pitchFamily="34" charset="0"/>
                 <a:cs typeface="Arial" panose="020B0604020202020204" pitchFamily="34" charset="0"/>
               </a:rPr>
-              <a:t>Syntax </a:t>
-            </a:r>
-            <a:r>
-              <a:rPr lang="en-IN" sz="2000" dirty="0">
-                <a:solidFill>
-                  <a:schemeClr val="bg1"/>
-                </a:solidFill>
-                <a:latin typeface="Arial" panose="020B0604020202020204" pitchFamily="34" charset="0"/>
-                <a:cs typeface="Arial" panose="020B0604020202020204" pitchFamily="34" charset="0"/>
-              </a:rPr>
-              <a:t>:</a:t>
+              <a:t>Syntax :</a:t>
             </a:r>
           </a:p>
           <a:p>
@@ -20032,7 +19470,7 @@
               <a:buNone/>
             </a:pPr>
             <a:r>
-              <a:rPr lang="en-US" sz="2200" dirty="0" smtClean="0">
+              <a:rPr lang="en-US" sz="2200" dirty="0">
                 <a:solidFill>
                   <a:schemeClr val="accent4">
                     <a:lumMod val="60000"/>
@@ -20041,60 +19479,56 @@
                 </a:solidFill>
                 <a:latin typeface="Arial" panose="020B0604020202020204" pitchFamily="34" charset="0"/>
               </a:rPr>
-              <a:t>	ALTER  </a:t>
-            </a:r>
-            <a:r>
-              <a:rPr lang="en-US" sz="2200" dirty="0">
+              <a:t>	ALTER  TABLE </a:t>
+            </a:r>
+            <a:r>
+              <a:rPr lang="en-US" sz="2200" dirty="0" err="1">
+                <a:solidFill>
+                  <a:schemeClr val="accent6"/>
+                </a:solidFill>
+                <a:latin typeface="Arial" panose="020B0604020202020204" pitchFamily="34" charset="0"/>
+              </a:rPr>
+              <a:t>tbl_name</a:t>
+            </a:r>
+            <a:r>
+              <a:rPr lang="en-US" sz="1800" dirty="0">
+                <a:latin typeface="Courier New" pitchFamily="49" charset="0"/>
+                <a:cs typeface="Courier New" pitchFamily="49" charset="0"/>
+              </a:rPr>
+              <a:t> </a:t>
+            </a:r>
+          </a:p>
+          <a:p>
+            <a:pPr marL="0" indent="0">
+              <a:buNone/>
+            </a:pPr>
+            <a:r>
+              <a:rPr lang="en-US" sz="1800" dirty="0">
                 <a:solidFill>
                   <a:schemeClr val="accent4">
                     <a:lumMod val="60000"/>
                     <a:lumOff val="40000"/>
                   </a:schemeClr>
                 </a:solidFill>
-                <a:latin typeface="Arial" panose="020B0604020202020204" pitchFamily="34" charset="0"/>
-              </a:rPr>
-              <a:t>TABLE </a:t>
-            </a:r>
-            <a:r>
-              <a:rPr lang="en-US" sz="2200" dirty="0" err="1">
-                <a:solidFill>
-                  <a:schemeClr val="accent6"/>
-                </a:solidFill>
-                <a:latin typeface="Arial" panose="020B0604020202020204" pitchFamily="34" charset="0"/>
-              </a:rPr>
-              <a:t>tbl_name</a:t>
-            </a:r>
-            <a:r>
-              <a:rPr lang="en-US" sz="1800" dirty="0">
                 <a:latin typeface="Courier New" pitchFamily="49" charset="0"/>
                 <a:cs typeface="Courier New" pitchFamily="49" charset="0"/>
               </a:rPr>
-              <a:t> </a:t>
-            </a:r>
-            <a:endParaRPr lang="en-US" sz="1800" dirty="0" smtClean="0">
-              <a:latin typeface="Courier New" pitchFamily="49" charset="0"/>
-              <a:cs typeface="Courier New" pitchFamily="49" charset="0"/>
-            </a:endParaRPr>
-          </a:p>
-          <a:p>
-            <a:pPr marL="0" indent="0">
-              <a:buNone/>
-            </a:pPr>
-            <a:r>
-              <a:rPr lang="en-US" sz="1800" dirty="0">
+              <a:t>	</a:t>
+            </a:r>
+            <a:r>
+              <a:rPr lang="en-US" sz="2200" dirty="0">
                 <a:solidFill>
                   <a:schemeClr val="accent4">
                     <a:lumMod val="60000"/>
                     <a:lumOff val="40000"/>
                   </a:schemeClr>
                 </a:solidFill>
-                <a:latin typeface="Courier New" pitchFamily="49" charset="0"/>
-                <a:cs typeface="Courier New" pitchFamily="49" charset="0"/>
-              </a:rPr>
-              <a:t>	</a:t>
-            </a:r>
-            <a:r>
-              <a:rPr lang="en-US" sz="2200" dirty="0" smtClean="0">
+                <a:latin typeface="Arial" panose="020B0604020202020204" pitchFamily="34" charset="0"/>
+              </a:rPr>
+              <a:t>[</a:t>
+            </a:r>
+            <a:r>
+              <a:rPr lang="en-US" sz="2200" dirty="0" err="1">
                 <a:solidFill>
                   <a:schemeClr val="accent4">
                     <a:lumMod val="60000"/>
@@ -20103,10 +19537,10 @@
                 </a:solidFill>
                 <a:latin typeface="Arial" panose="020B0604020202020204" pitchFamily="34" charset="0"/>
               </a:rPr>
-              <a:t>[</a:t>
-            </a:r>
-            <a:r>
-              <a:rPr lang="en-US" sz="2200" dirty="0" err="1">
+              <a:t>alter_specification</a:t>
+            </a:r>
+            <a:r>
+              <a:rPr lang="en-US" sz="2200" dirty="0">
                 <a:solidFill>
                   <a:schemeClr val="accent4">
                     <a:lumMod val="60000"/>
@@ -20115,10 +19549,10 @@
                 </a:solidFill>
                 <a:latin typeface="Arial" panose="020B0604020202020204" pitchFamily="34" charset="0"/>
               </a:rPr>
-              <a:t>alter_specification</a:t>
-            </a:r>
-            <a:r>
-              <a:rPr lang="en-US" sz="2200" dirty="0">
+              <a:t> , 	</a:t>
+            </a:r>
+            <a:r>
+              <a:rPr lang="en-US" sz="2200" dirty="0" err="1">
                 <a:solidFill>
                   <a:schemeClr val="accent4">
                     <a:lumMod val="60000"/>
@@ -20127,10 +19561,10 @@
                 </a:solidFill>
                 <a:latin typeface="Arial" panose="020B0604020202020204" pitchFamily="34" charset="0"/>
               </a:rPr>
-              <a:t> </a:t>
-            </a:r>
-            <a:r>
-              <a:rPr lang="en-US" sz="2200" dirty="0" smtClean="0">
+              <a:t>alter_specification</a:t>
+            </a:r>
+            <a:r>
+              <a:rPr lang="en-US" sz="2200" dirty="0">
                 <a:solidFill>
                   <a:schemeClr val="accent4">
                     <a:lumMod val="60000"/>
@@ -20139,43 +19573,7 @@
                 </a:solidFill>
                 <a:latin typeface="Arial" panose="020B0604020202020204" pitchFamily="34" charset="0"/>
               </a:rPr>
-              <a:t>, 	</a:t>
-            </a:r>
-            <a:r>
-              <a:rPr lang="en-US" sz="2200" dirty="0" err="1" smtClean="0">
-                <a:solidFill>
-                  <a:schemeClr val="accent4">
-                    <a:lumMod val="60000"/>
-                    <a:lumOff val="40000"/>
-                  </a:schemeClr>
-                </a:solidFill>
-                <a:latin typeface="Arial" panose="020B0604020202020204" pitchFamily="34" charset="0"/>
-              </a:rPr>
-              <a:t>alter_specification</a:t>
-            </a:r>
-            <a:r>
-              <a:rPr lang="en-US" sz="2200" dirty="0" smtClean="0">
-                <a:solidFill>
-                  <a:schemeClr val="accent4">
-                    <a:lumMod val="60000"/>
-                    <a:lumOff val="40000"/>
-                  </a:schemeClr>
-                </a:solidFill>
-                <a:latin typeface="Arial" panose="020B0604020202020204" pitchFamily="34" charset="0"/>
-              </a:rPr>
-              <a:t> </a:t>
-            </a:r>
-            <a:r>
-              <a:rPr lang="en-US" sz="2200" dirty="0">
-                <a:solidFill>
-                  <a:schemeClr val="accent4">
-                    <a:lumMod val="60000"/>
-                    <a:lumOff val="40000"/>
-                  </a:schemeClr>
-                </a:solidFill>
-                <a:latin typeface="Arial" panose="020B0604020202020204" pitchFamily="34" charset="0"/>
-              </a:rPr>
-              <a:t>...]</a:t>
+              <a:t> ...]</a:t>
             </a:r>
             <a:endParaRPr lang="en-IN" sz="2200" dirty="0">
               <a:solidFill>
@@ -20229,17 +19627,7 @@
                 <a:latin typeface="Arial" panose="020B0604020202020204" pitchFamily="34" charset="0"/>
                 <a:cs typeface="Arial" panose="020B0604020202020204" pitchFamily="34" charset="0"/>
               </a:rPr>
-              <a:t>ALTER </a:t>
-            </a:r>
-            <a:r>
-              <a:rPr lang="en-IN" dirty="0" smtClean="0">
-                <a:solidFill>
-                  <a:schemeClr val="bg1"/>
-                </a:solidFill>
-                <a:latin typeface="Arial" panose="020B0604020202020204" pitchFamily="34" charset="0"/>
-                <a:cs typeface="Arial" panose="020B0604020202020204" pitchFamily="34" charset="0"/>
-              </a:rPr>
-              <a:t>Table</a:t>
+              <a:t>ALTER Table</a:t>
             </a:r>
             <a:endParaRPr lang="en-US" dirty="0">
               <a:solidFill>
@@ -20367,18 +19755,13 @@
           </a:lstStyle>
           <a:p>
             <a:r>
-              <a:rPr lang="en-US" sz="1400" dirty="0" smtClean="0">
+              <a:rPr lang="en-US" sz="1400" dirty="0">
                 <a:solidFill>
                   <a:schemeClr val="bg1"/>
                 </a:solidFill>
               </a:rPr>
               <a:t>41</a:t>
             </a:r>
-            <a:endParaRPr lang="en-US" sz="1400" dirty="0">
-              <a:solidFill>
-                <a:schemeClr val="bg1"/>
-              </a:solidFill>
-            </a:endParaRPr>
           </a:p>
         </p:txBody>
       </p:sp>
@@ -21041,10 +20424,9 @@
           <a:lstStyle/>
           <a:p>
             <a:r>
-              <a:rPr lang="en-US" dirty="0" smtClean="0"/>
+              <a:rPr lang="en-US" dirty="0"/>
               <a:t>RENAME Statement</a:t>
             </a:r>
-            <a:endParaRPr lang="en-US" dirty="0"/>
           </a:p>
         </p:txBody>
       </p:sp>
@@ -21058,13 +20440,6 @@
   <p:clrMapOvr>
     <a:masterClrMapping/>
   </p:clrMapOvr>
-  <p:timing>
-    <p:tnLst>
-      <p:par>
-        <p:cTn id="1" dur="indefinite" restart="never" nodeType="tmRoot"/>
-      </p:par>
-    </p:tnLst>
-  </p:timing>
 </p:sld>
 </file>
 
@@ -21109,7 +20484,7 @@
               <a:buNone/>
             </a:pPr>
             <a:r>
-              <a:rPr lang="en-US" sz="2000" dirty="0" smtClean="0">
+              <a:rPr lang="en-US" sz="2000" dirty="0">
                 <a:solidFill>
                   <a:schemeClr val="bg1"/>
                 </a:solidFill>
@@ -21119,7 +20494,7 @@
               <a:t>Requirement	</a:t>
             </a:r>
             <a:r>
-              <a:rPr lang="en-US" sz="4000" dirty="0" smtClean="0">
+              <a:rPr lang="en-US" sz="4000" dirty="0">
                 <a:solidFill>
                   <a:schemeClr val="bg1"/>
                 </a:solidFill>
@@ -21144,24 +20519,15 @@
               <a:t>	</a:t>
             </a:r>
             <a:r>
-              <a:rPr lang="en-US" sz="2200" dirty="0" smtClean="0"/>
-              <a:t>How </a:t>
-            </a:r>
-            <a:r>
               <a:rPr lang="en-US" sz="2200" dirty="0"/>
-              <a:t>to </a:t>
-            </a:r>
-            <a:r>
-              <a:rPr lang="en-US" sz="2200" dirty="0" smtClean="0"/>
-              <a:t>rename a table. </a:t>
-            </a:r>
-            <a:endParaRPr lang="en-US" sz="2200" dirty="0"/>
+              <a:t>How to rename a table. </a:t>
+            </a:r>
           </a:p>
           <a:p>
             <a:pPr marL="0" indent="0">
               <a:buNone/>
             </a:pPr>
-            <a:endParaRPr lang="en-US" sz="1800" dirty="0" smtClean="0">
+            <a:endParaRPr lang="en-US" sz="1800" dirty="0">
               <a:solidFill>
                 <a:schemeClr val="bg1"/>
               </a:solidFill>
@@ -21177,7 +20543,7 @@
               <a:buNone/>
             </a:pPr>
             <a:r>
-              <a:rPr lang="en-US" sz="2000" dirty="0" smtClean="0">
+              <a:rPr lang="en-US" sz="2000" dirty="0">
                 <a:solidFill>
                   <a:schemeClr val="bg1"/>
                 </a:solidFill>
@@ -21212,7 +20578,7 @@
               <a:t>	</a:t>
             </a:r>
             <a:r>
-              <a:rPr lang="en-US" sz="2200" dirty="0" smtClean="0">
+              <a:rPr lang="en-US" sz="2200" dirty="0">
                 <a:solidFill>
                   <a:schemeClr val="accent4">
                     <a:lumMod val="60000"/>
@@ -21221,19 +20587,7 @@
                 </a:solidFill>
                 <a:latin typeface="Arial" panose="020B0604020202020204" pitchFamily="34" charset="0"/>
               </a:rPr>
-              <a:t>RENAME </a:t>
-            </a:r>
-            <a:r>
-              <a:rPr lang="en-US" sz="2200" dirty="0">
-                <a:solidFill>
-                  <a:schemeClr val="accent4">
-                    <a:lumMod val="60000"/>
-                    <a:lumOff val="40000"/>
-                  </a:schemeClr>
-                </a:solidFill>
-                <a:latin typeface="Arial" panose="020B0604020202020204" pitchFamily="34" charset="0"/>
-              </a:rPr>
-              <a:t>TABLE  </a:t>
+              <a:t>RENAME TABLE  </a:t>
             </a:r>
             <a:r>
               <a:rPr lang="en-US" sz="2200" dirty="0" err="1">
@@ -21311,7 +20665,7 @@
             <a:pPr marL="0" indent="0">
               <a:buNone/>
             </a:pPr>
-            <a:endParaRPr lang="en-US" sz="1800" dirty="0" smtClean="0">
+            <a:endParaRPr lang="en-US" sz="1800" dirty="0">
               <a:solidFill>
                 <a:schemeClr val="bg1"/>
               </a:solidFill>
@@ -21323,7 +20677,7 @@
             <a:pPr marL="0" indent="0">
               <a:buNone/>
             </a:pPr>
-            <a:endParaRPr lang="en-US" sz="1800" dirty="0" smtClean="0">
+            <a:endParaRPr lang="en-US" sz="1800" dirty="0">
               <a:solidFill>
                 <a:schemeClr val="bg1"/>
               </a:solidFill>
@@ -21347,7 +20701,7 @@
             <a:pPr marL="0" indent="0">
               <a:buNone/>
             </a:pPr>
-            <a:endParaRPr lang="en-US" sz="2000" dirty="0" smtClean="0">
+            <a:endParaRPr lang="en-US" sz="2000" dirty="0">
               <a:solidFill>
                 <a:schemeClr val="bg1"/>
               </a:solidFill>
@@ -21378,7 +20732,7 @@
           <a:lstStyle/>
           <a:p>
             <a:r>
-              <a:rPr lang="en-US" dirty="0" smtClean="0">
+              <a:rPr lang="en-US" dirty="0">
                 <a:latin typeface="Arial" panose="020B0604020202020204" pitchFamily="34" charset="0"/>
                 <a:cs typeface="Arial" panose="020B0604020202020204" pitchFamily="34" charset="0"/>
               </a:rPr>
@@ -21886,24 +21240,14 @@
               <a:buChar char="•"/>
             </a:pPr>
             <a:r>
-              <a:rPr lang="en-IN" sz="2000" dirty="0" smtClean="0">
+              <a:rPr lang="en-IN" sz="2000" dirty="0">
                 <a:solidFill>
                   <a:schemeClr val="bg1"/>
                 </a:solidFill>
                 <a:latin typeface="Arial" panose="020B0604020202020204" pitchFamily="34" charset="0"/>
                 <a:cs typeface="Arial" panose="020B0604020202020204" pitchFamily="34" charset="0"/>
               </a:rPr>
-              <a:t>This </a:t>
-            </a:r>
-            <a:r>
-              <a:rPr lang="en-IN" sz="2000" dirty="0">
-                <a:solidFill>
-                  <a:schemeClr val="bg1"/>
-                </a:solidFill>
-                <a:latin typeface="Arial" panose="020B0604020202020204" pitchFamily="34" charset="0"/>
-                <a:cs typeface="Arial" panose="020B0604020202020204" pitchFamily="34" charset="0"/>
-              </a:rPr>
-              <a:t>statement renames one or more tables. </a:t>
+              <a:t>This statement renames one or more tables. </a:t>
             </a:r>
           </a:p>
           <a:p>
@@ -21924,21 +21268,6 @@
               </a:rPr>
               <a:t>The rename operation is done automatically, which means that no other session can access any of the tables while the rename is running. </a:t>
             </a:r>
-          </a:p>
-          <a:p>
-            <a:pPr marL="0" indent="0">
-              <a:spcBef>
-                <a:spcPts val="0"/>
-              </a:spcBef>
-              <a:buNone/>
-            </a:pPr>
-            <a:endParaRPr lang="en-US" sz="2000" dirty="0" smtClean="0">
-              <a:solidFill>
-                <a:schemeClr val="bg1"/>
-              </a:solidFill>
-              <a:latin typeface="Arial" panose="020B0604020202020204" pitchFamily="34" charset="0"/>
-              <a:cs typeface="Arial" panose="020B0604020202020204" pitchFamily="34" charset="0"/>
-            </a:endParaRPr>
           </a:p>
           <a:p>
             <a:pPr marL="0" indent="0">
@@ -21962,25 +21291,30 @@
               </a:spcBef>
               <a:buNone/>
             </a:pPr>
-            <a:r>
-              <a:rPr lang="en-IN" sz="2000" dirty="0" smtClean="0">
+            <a:endParaRPr lang="en-US" sz="2000" dirty="0">
+              <a:solidFill>
+                <a:schemeClr val="bg1"/>
+              </a:solidFill>
+              <a:latin typeface="Arial" panose="020B0604020202020204" pitchFamily="34" charset="0"/>
+              <a:cs typeface="Arial" panose="020B0604020202020204" pitchFamily="34" charset="0"/>
+            </a:endParaRPr>
+          </a:p>
+          <a:p>
+            <a:pPr marL="0" indent="0">
+              <a:spcBef>
+                <a:spcPts val="0"/>
+              </a:spcBef>
+              <a:buNone/>
+            </a:pPr>
+            <a:r>
+              <a:rPr lang="en-IN" sz="2000" dirty="0">
                 <a:solidFill>
                   <a:schemeClr val="bg1"/>
                 </a:solidFill>
                 <a:latin typeface="Arial" panose="020B0604020202020204" pitchFamily="34" charset="0"/>
                 <a:cs typeface="Arial" panose="020B0604020202020204" pitchFamily="34" charset="0"/>
               </a:rPr>
-              <a:t>Syntax </a:t>
-            </a:r>
-            <a:r>
-              <a:rPr lang="en-IN" sz="2000" dirty="0">
-                <a:solidFill>
-                  <a:schemeClr val="bg1"/>
-                </a:solidFill>
-                <a:latin typeface="Arial" panose="020B0604020202020204" pitchFamily="34" charset="0"/>
-                <a:cs typeface="Arial" panose="020B0604020202020204" pitchFamily="34" charset="0"/>
-              </a:rPr>
-              <a:t>:</a:t>
+              <a:t>Syntax :</a:t>
             </a:r>
           </a:p>
           <a:p>
@@ -21988,7 +21322,7 @@
               <a:buNone/>
             </a:pPr>
             <a:r>
-              <a:rPr lang="en-US" sz="2200" dirty="0" smtClean="0">
+              <a:rPr lang="en-US" sz="2200" dirty="0">
                 <a:solidFill>
                   <a:schemeClr val="accent4">
                     <a:lumMod val="60000"/>
@@ -22000,7 +21334,7 @@
               <a:t>	</a:t>
             </a:r>
             <a:r>
-              <a:rPr lang="en-IN" sz="2200" dirty="0" smtClean="0">
+              <a:rPr lang="en-IN" sz="2200" dirty="0">
                 <a:solidFill>
                   <a:schemeClr val="accent4">
                     <a:lumMod val="60000"/>
@@ -22009,19 +21343,7 @@
                 </a:solidFill>
                 <a:latin typeface="Arial" panose="020B0604020202020204" pitchFamily="34" charset="0"/>
               </a:rPr>
-              <a:t>RENAME </a:t>
-            </a:r>
-            <a:r>
-              <a:rPr lang="en-IN" sz="2200" dirty="0">
-                <a:solidFill>
-                  <a:schemeClr val="accent4">
-                    <a:lumMod val="60000"/>
-                    <a:lumOff val="40000"/>
-                  </a:schemeClr>
-                </a:solidFill>
-                <a:latin typeface="Arial" panose="020B0604020202020204" pitchFamily="34" charset="0"/>
-              </a:rPr>
-              <a:t>TABLE </a:t>
+              <a:t>RENAME TABLE </a:t>
             </a:r>
             <a:r>
               <a:rPr lang="en-IN" sz="2200" dirty="0" err="1">
@@ -22108,7 +21430,7 @@
           <a:lstStyle/>
           <a:p>
             <a:r>
-              <a:rPr lang="en-IN" dirty="0" smtClean="0">
+              <a:rPr lang="en-IN" dirty="0">
                 <a:solidFill>
                   <a:schemeClr val="bg1"/>
                 </a:solidFill>
@@ -22243,18 +21565,13 @@
           </a:lstStyle>
           <a:p>
             <a:r>
-              <a:rPr lang="en-US" sz="1400" dirty="0" smtClean="0">
+              <a:rPr lang="en-US" sz="1400" dirty="0">
                 <a:solidFill>
                   <a:schemeClr val="bg1"/>
                 </a:solidFill>
               </a:rPr>
               <a:t>41</a:t>
             </a:r>
-            <a:endParaRPr lang="en-US" sz="1400" dirty="0">
-              <a:solidFill>
-                <a:schemeClr val="bg1"/>
-              </a:solidFill>
-            </a:endParaRPr>
           </a:p>
         </p:txBody>
       </p:sp>
@@ -22633,18 +21950,13 @@
           <a:lstStyle/>
           <a:p>
             <a:r>
-              <a:rPr lang="en-US" dirty="0" smtClean="0">
+              <a:rPr lang="en-US" dirty="0">
                 <a:solidFill>
                   <a:schemeClr val="bg1"/>
                 </a:solidFill>
               </a:rPr>
               <a:t>Context Setting: Overview</a:t>
             </a:r>
-            <a:endParaRPr lang="en-US" dirty="0">
-              <a:solidFill>
-                <a:schemeClr val="bg1"/>
-              </a:solidFill>
-            </a:endParaRPr>
           </a:p>
         </p:txBody>
       </p:sp>
@@ -22664,7 +21976,7 @@
           <a:lstStyle/>
           <a:p>
             <a:pPr lvl="2"/>
-            <a:endParaRPr lang="en-US" sz="1000" dirty="0" smtClean="0">
+            <a:endParaRPr lang="en-US" sz="1000" dirty="0">
               <a:solidFill>
                 <a:schemeClr val="bg1"/>
               </a:solidFill>
@@ -22672,21 +21984,21 @@
           </a:p>
           <a:p>
             <a:pPr lvl="2"/>
-            <a:endParaRPr lang="en-US" sz="1000" dirty="0" smtClean="0">
+            <a:endParaRPr lang="en-US" sz="1000" dirty="0">
               <a:solidFill>
                 <a:schemeClr val="bg1"/>
               </a:solidFill>
             </a:endParaRPr>
           </a:p>
           <a:p>
-            <a:endParaRPr lang="en-US" sz="1800" dirty="0" smtClean="0">
+            <a:endParaRPr lang="en-US" sz="1800" dirty="0">
               <a:solidFill>
                 <a:schemeClr val="bg1"/>
               </a:solidFill>
             </a:endParaRPr>
           </a:p>
           <a:p>
-            <a:endParaRPr lang="en-US" sz="1800" dirty="0" smtClean="0">
+            <a:endParaRPr lang="en-US" sz="1800" dirty="0">
               <a:solidFill>
                 <a:schemeClr val="bg1"/>
               </a:solidFill>
@@ -22694,18 +22006,13 @@
           </a:p>
           <a:p>
             <a:r>
-              <a:rPr lang="en-US" sz="2000" dirty="0" smtClean="0">
+              <a:rPr lang="en-US" sz="2000" dirty="0">
                 <a:solidFill>
                   <a:schemeClr val="bg1"/>
                 </a:solidFill>
               </a:rPr>
               <a:t>The session on DDL provides knowledge and understanding of the various database-centric operations with the help of a case study using ANSI SQL syntax.</a:t>
             </a:r>
-            <a:endParaRPr lang="en-US" sz="2000" dirty="0">
-              <a:solidFill>
-                <a:schemeClr val="bg1"/>
-              </a:solidFill>
-            </a:endParaRPr>
           </a:p>
         </p:txBody>
       </p:sp>
@@ -22762,28 +22069,28 @@
           <a:bodyPr/>
           <a:lstStyle/>
           <a:p>
-            <a:endParaRPr lang="en-US" dirty="0" smtClean="0"/>
-          </a:p>
-          <a:p>
             <a:endParaRPr lang="en-US" dirty="0"/>
           </a:p>
           <a:p>
-            <a:endParaRPr lang="en-US" dirty="0" smtClean="0"/>
-          </a:p>
-          <a:p>
-            <a:endParaRPr lang="en-US" dirty="0" smtClean="0"/>
-          </a:p>
-          <a:p>
             <a:endParaRPr lang="en-US" dirty="0"/>
           </a:p>
           <a:p>
-            <a:endParaRPr lang="en-US" dirty="0" smtClean="0"/>
-          </a:p>
-          <a:p>
             <a:endParaRPr lang="en-US" dirty="0"/>
           </a:p>
           <a:p>
-            <a:endParaRPr lang="en-US" dirty="0" smtClean="0"/>
+            <a:endParaRPr lang="en-US" dirty="0"/>
+          </a:p>
+          <a:p>
+            <a:endParaRPr lang="en-US" dirty="0"/>
+          </a:p>
+          <a:p>
+            <a:endParaRPr lang="en-US" dirty="0"/>
+          </a:p>
+          <a:p>
+            <a:endParaRPr lang="en-US" dirty="0"/>
+          </a:p>
+          <a:p>
+            <a:endParaRPr lang="en-US" dirty="0"/>
           </a:p>
           <a:p>
             <a:endParaRPr lang="en-US" dirty="0"/>
@@ -22800,13 +22107,6 @@
   <p:clrMapOvr>
     <a:masterClrMapping/>
   </p:clrMapOvr>
-  <p:timing>
-    <p:tnLst>
-      <p:par>
-        <p:cTn id="1" dur="indefinite" restart="never" nodeType="tmRoot"/>
-      </p:par>
-    </p:tnLst>
-  </p:timing>
 </p:sld>
 </file>
 
@@ -22858,7 +22158,7 @@
               <a:buNone/>
             </a:pPr>
             <a:r>
-              <a:rPr lang="en-US" sz="2200" dirty="0" smtClean="0">
+              <a:rPr lang="en-US" sz="2200" dirty="0">
                 <a:solidFill>
                   <a:schemeClr val="bg1"/>
                 </a:solidFill>
@@ -22874,7 +22174,7 @@
               <a:buChar char="•"/>
             </a:pPr>
             <a:r>
-              <a:rPr lang="en-US" sz="2200" dirty="0" smtClean="0">
+              <a:rPr lang="en-US" sz="2200" dirty="0">
                 <a:solidFill>
                   <a:schemeClr val="bg1"/>
                 </a:solidFill>
@@ -22890,7 +22190,7 @@
               <a:buChar char="•"/>
             </a:pPr>
             <a:r>
-              <a:rPr lang="en-US" sz="2200" dirty="0" smtClean="0">
+              <a:rPr lang="en-US" sz="2200" dirty="0">
                 <a:solidFill>
                   <a:schemeClr val="bg1"/>
                 </a:solidFill>
@@ -22906,7 +22206,7 @@
               <a:buChar char="•"/>
             </a:pPr>
             <a:r>
-              <a:rPr lang="en-US" sz="2200" dirty="0" smtClean="0">
+              <a:rPr lang="en-US" sz="2200" dirty="0">
                 <a:solidFill>
                   <a:schemeClr val="bg1"/>
                 </a:solidFill>
@@ -22933,7 +22233,7 @@
               <a:buNone/>
             </a:pPr>
             <a:r>
-              <a:rPr lang="en-US" sz="2200" dirty="0" smtClean="0">
+              <a:rPr lang="en-US" sz="2200" dirty="0">
                 <a:solidFill>
                   <a:schemeClr val="bg1"/>
                 </a:solidFill>
@@ -22942,20 +22242,13 @@
               </a:rPr>
               <a:t>Query</a:t>
             </a:r>
-            <a:endParaRPr lang="en-US" sz="2200" dirty="0">
-              <a:solidFill>
-                <a:schemeClr val="bg1"/>
-              </a:solidFill>
-              <a:latin typeface="Arial" panose="020B0604020202020204" pitchFamily="34" charset="0"/>
-              <a:cs typeface="Arial" panose="020B0604020202020204" pitchFamily="34" charset="0"/>
-            </a:endParaRPr>
           </a:p>
           <a:p>
             <a:pPr marL="400050" lvl="1" indent="0">
               <a:buNone/>
             </a:pPr>
             <a:r>
-              <a:rPr lang="en-IN" sz="2200" dirty="0" smtClean="0">
+              <a:rPr lang="en-IN" sz="2200" dirty="0">
                 <a:solidFill>
                   <a:schemeClr val="accent4">
                     <a:lumMod val="60000"/>
@@ -22967,7 +22260,7 @@
               <a:t>CREATE TABLE </a:t>
             </a:r>
             <a:r>
-              <a:rPr lang="en-IN" sz="2200" dirty="0" err="1" smtClean="0">
+              <a:rPr lang="en-IN" sz="2200" dirty="0" err="1">
                 <a:solidFill>
                   <a:schemeClr val="accent6"/>
                 </a:solidFill>
@@ -22976,7 +22269,7 @@
               <a:t>new_table</a:t>
             </a:r>
             <a:r>
-              <a:rPr lang="en-IN" sz="2200" dirty="0" smtClean="0">
+              <a:rPr lang="en-IN" sz="2200" dirty="0">
                 <a:solidFill>
                   <a:schemeClr val="accent6"/>
                 </a:solidFill>
@@ -22990,7 +22283,7 @@
               <a:buNone/>
             </a:pPr>
             <a:r>
-              <a:rPr lang="en-IN" sz="2200" dirty="0" smtClean="0">
+              <a:rPr lang="en-IN" sz="2200" dirty="0">
                 <a:solidFill>
                   <a:schemeClr val="accent4">
                     <a:lumMod val="60000"/>
@@ -23002,7 +22295,7 @@
               <a:t>RENAME TABLE </a:t>
             </a:r>
             <a:r>
-              <a:rPr lang="en-IN" sz="2200" dirty="0" err="1" smtClean="0">
+              <a:rPr lang="en-IN" sz="2200" dirty="0" err="1">
                 <a:solidFill>
                   <a:schemeClr val="accent6"/>
                 </a:solidFill>
@@ -23011,7 +22304,7 @@
               <a:t>old_table</a:t>
             </a:r>
             <a:r>
-              <a:rPr lang="en-IN" sz="2200" dirty="0" smtClean="0">
+              <a:rPr lang="en-IN" sz="2200" dirty="0">
                 <a:solidFill>
                   <a:schemeClr val="accent6"/>
                 </a:solidFill>
@@ -23020,7 +22313,7 @@
               <a:t> </a:t>
             </a:r>
             <a:r>
-              <a:rPr lang="en-IN" sz="2200" dirty="0" smtClean="0">
+              <a:rPr lang="en-IN" sz="2200" dirty="0">
                 <a:solidFill>
                   <a:schemeClr val="accent4">
                     <a:lumMod val="60000"/>
@@ -23032,7 +22325,7 @@
               <a:t>TO</a:t>
             </a:r>
             <a:r>
-              <a:rPr lang="en-IN" sz="2200" dirty="0" smtClean="0">
+              <a:rPr lang="en-IN" sz="2200" dirty="0">
                 <a:solidFill>
                   <a:schemeClr val="accent6"/>
                 </a:solidFill>
@@ -23041,7 +22334,7 @@
               <a:t> </a:t>
             </a:r>
             <a:r>
-              <a:rPr lang="en-IN" sz="2200" dirty="0" err="1" smtClean="0">
+              <a:rPr lang="en-IN" sz="2200" dirty="0" err="1">
                 <a:solidFill>
                   <a:schemeClr val="accent6"/>
                 </a:solidFill>
@@ -23050,7 +22343,7 @@
               <a:t>backup_table</a:t>
             </a:r>
             <a:r>
-              <a:rPr lang="en-IN" sz="2200" dirty="0" smtClean="0">
+              <a:rPr lang="en-IN" sz="2200" dirty="0">
                 <a:solidFill>
                   <a:schemeClr val="accent6"/>
                 </a:solidFill>
@@ -23064,7 +22357,7 @@
               <a:buNone/>
             </a:pPr>
             <a:r>
-              <a:rPr lang="en-IN" sz="2200" dirty="0" smtClean="0">
+              <a:rPr lang="en-IN" sz="2200" dirty="0">
                 <a:solidFill>
                   <a:schemeClr val="accent6"/>
                 </a:solidFill>
@@ -23073,7 +22366,7 @@
               <a:t>				   </a:t>
             </a:r>
             <a:r>
-              <a:rPr lang="en-IN" sz="2200" dirty="0" err="1" smtClean="0">
+              <a:rPr lang="en-IN" sz="2200" dirty="0" err="1">
                 <a:solidFill>
                   <a:schemeClr val="accent6"/>
                 </a:solidFill>
@@ -23082,7 +22375,7 @@
               <a:t>new_table</a:t>
             </a:r>
             <a:r>
-              <a:rPr lang="en-IN" sz="2200" dirty="0" smtClean="0">
+              <a:rPr lang="en-IN" sz="2200" dirty="0">
                 <a:solidFill>
                   <a:schemeClr val="accent6"/>
                 </a:solidFill>
@@ -23091,7 +22384,7 @@
               <a:t> </a:t>
             </a:r>
             <a:r>
-              <a:rPr lang="en-IN" sz="2200" dirty="0" smtClean="0">
+              <a:rPr lang="en-IN" sz="2200" dirty="0">
                 <a:solidFill>
                   <a:schemeClr val="accent4">
                     <a:lumMod val="60000"/>
@@ -23103,7 +22396,7 @@
               <a:t>TO</a:t>
             </a:r>
             <a:r>
-              <a:rPr lang="en-IN" sz="2200" dirty="0" smtClean="0">
+              <a:rPr lang="en-IN" sz="2200" dirty="0">
                 <a:solidFill>
                   <a:schemeClr val="accent6"/>
                 </a:solidFill>
@@ -23112,7 +22405,7 @@
               <a:t> </a:t>
             </a:r>
             <a:r>
-              <a:rPr lang="en-IN" sz="2200" dirty="0" err="1" smtClean="0">
+              <a:rPr lang="en-IN" sz="2200" dirty="0" err="1">
                 <a:solidFill>
                   <a:schemeClr val="accent6"/>
                 </a:solidFill>
@@ -23121,7 +22414,7 @@
               <a:t>old_table</a:t>
             </a:r>
             <a:r>
-              <a:rPr lang="en-IN" sz="2200" dirty="0" smtClean="0">
+              <a:rPr lang="en-IN" sz="2200" dirty="0">
                 <a:solidFill>
                   <a:schemeClr val="accent6"/>
                 </a:solidFill>
@@ -23134,7 +22427,7 @@
             <a:pPr marL="400050" lvl="1" indent="0">
               <a:buNone/>
             </a:pPr>
-            <a:endParaRPr lang="en-US" sz="1600" dirty="0" smtClean="0">
+            <a:endParaRPr lang="en-US" sz="1600" dirty="0">
               <a:solidFill>
                 <a:schemeClr val="bg1"/>
               </a:solidFill>
@@ -23154,7 +22447,7 @@
           </a:p>
           <a:p>
             <a:pPr marL="365760" indent="-365760"/>
-            <a:endParaRPr lang="en-US" sz="2000" dirty="0" smtClean="0">
+            <a:endParaRPr lang="en-US" sz="2000" dirty="0">
               <a:solidFill>
                 <a:schemeClr val="bg1"/>
               </a:solidFill>
@@ -23182,7 +22475,7 @@
                 <a:spcPct val="120000"/>
               </a:lnSpc>
             </a:pPr>
-            <a:endParaRPr lang="en-IN" sz="2000" dirty="0" smtClean="0">
+            <a:endParaRPr lang="en-IN" sz="2000" dirty="0">
               <a:solidFill>
                 <a:schemeClr val="bg1"/>
               </a:solidFill>
@@ -23196,24 +22489,7 @@
                 <a:spcPct val="120000"/>
               </a:lnSpc>
             </a:pPr>
-            <a:endParaRPr lang="en-IN" sz="2000" dirty="0" smtClean="0">
-              <a:solidFill>
-                <a:schemeClr val="bg1"/>
-              </a:solidFill>
-              <a:latin typeface="Arial" panose="020B0604020202020204" pitchFamily="34" charset="0"/>
-              <a:cs typeface="Arial" panose="020B0604020202020204" pitchFamily="34" charset="0"/>
-            </a:endParaRPr>
-          </a:p>
-          <a:p>
-            <a:pPr marL="365760" indent="-365760">
-              <a:lnSpc>
-                <a:spcPct val="120000"/>
-              </a:lnSpc>
-              <a:spcBef>
-                <a:spcPts val="2400"/>
-              </a:spcBef>
-            </a:pPr>
-            <a:endParaRPr lang="en-IN" dirty="0" smtClean="0">
+            <a:endParaRPr lang="en-IN" sz="2000" dirty="0">
               <a:solidFill>
                 <a:schemeClr val="bg1"/>
               </a:solidFill>
@@ -23239,12 +22515,29 @@
             </a:endParaRPr>
           </a:p>
           <a:p>
+            <a:pPr marL="365760" indent="-365760">
+              <a:lnSpc>
+                <a:spcPct val="120000"/>
+              </a:lnSpc>
+              <a:spcBef>
+                <a:spcPts val="2400"/>
+              </a:spcBef>
+            </a:pPr>
+            <a:endParaRPr lang="en-IN" dirty="0">
+              <a:solidFill>
+                <a:schemeClr val="bg1"/>
+              </a:solidFill>
+              <a:latin typeface="Arial" panose="020B0604020202020204" pitchFamily="34" charset="0"/>
+              <a:cs typeface="Arial" panose="020B0604020202020204" pitchFamily="34" charset="0"/>
+            </a:endParaRPr>
+          </a:p>
+          <a:p>
             <a:pPr indent="-365760">
               <a:lnSpc>
                 <a:spcPct val="120000"/>
               </a:lnSpc>
             </a:pPr>
-            <a:endParaRPr lang="en-IN" dirty="0" smtClean="0">
+            <a:endParaRPr lang="en-IN" dirty="0">
               <a:solidFill>
                 <a:schemeClr val="bg1"/>
               </a:solidFill>
@@ -23266,7 +22559,7 @@
               <a:buNone/>
             </a:pPr>
             <a:r>
-              <a:rPr lang="en-US" dirty="0" smtClean="0">
+              <a:rPr lang="en-US" dirty="0">
                 <a:solidFill>
                   <a:schemeClr val="bg1"/>
                 </a:solidFill>
@@ -23275,7 +22568,7 @@
               </a:rPr>
               <a:t>	</a:t>
             </a:r>
-            <a:endParaRPr lang="en-IN" dirty="0" smtClean="0">
+            <a:endParaRPr lang="en-IN" dirty="0">
               <a:solidFill>
                 <a:schemeClr val="bg1"/>
               </a:solidFill>
@@ -23322,17 +22615,7 @@
                 <a:latin typeface="Arial" panose="020B0604020202020204" pitchFamily="34" charset="0"/>
                 <a:cs typeface="Arial" panose="020B0604020202020204" pitchFamily="34" charset="0"/>
               </a:rPr>
-              <a:t>RENAME </a:t>
-            </a:r>
-            <a:r>
-              <a:rPr lang="en-IN" dirty="0" smtClean="0">
-                <a:solidFill>
-                  <a:schemeClr val="bg1"/>
-                </a:solidFill>
-                <a:latin typeface="Arial" panose="020B0604020202020204" pitchFamily="34" charset="0"/>
-                <a:cs typeface="Arial" panose="020B0604020202020204" pitchFamily="34" charset="0"/>
-              </a:rPr>
-              <a:t>Table</a:t>
+              <a:t>RENAME Table</a:t>
             </a:r>
             <a:endParaRPr lang="en-US" dirty="0">
               <a:solidFill>
@@ -23460,18 +22743,13 @@
           </a:lstStyle>
           <a:p>
             <a:r>
-              <a:rPr lang="en-US" sz="1400" dirty="0" smtClean="0">
+              <a:rPr lang="en-US" sz="1400" dirty="0">
                 <a:solidFill>
                   <a:schemeClr val="bg1"/>
                 </a:solidFill>
               </a:rPr>
               <a:t>44</a:t>
             </a:r>
-            <a:endParaRPr lang="en-US" sz="1400" dirty="0">
-              <a:solidFill>
-                <a:schemeClr val="bg1"/>
-              </a:solidFill>
-            </a:endParaRPr>
           </a:p>
         </p:txBody>
       </p:sp>
@@ -24126,7 +23404,7 @@
                 <a:spcPct val="120000"/>
               </a:lnSpc>
             </a:pPr>
-            <a:endParaRPr lang="en-IN" sz="2000" dirty="0" smtClean="0">
+            <a:endParaRPr lang="en-IN" sz="2000" dirty="0">
               <a:solidFill>
                 <a:schemeClr val="bg1"/>
               </a:solidFill>
@@ -24140,24 +23418,7 @@
                 <a:spcPct val="120000"/>
               </a:lnSpc>
             </a:pPr>
-            <a:endParaRPr lang="en-IN" sz="2000" dirty="0" smtClean="0">
-              <a:solidFill>
-                <a:schemeClr val="bg1"/>
-              </a:solidFill>
-              <a:latin typeface="Arial" panose="020B0604020202020204" pitchFamily="34" charset="0"/>
-              <a:cs typeface="Arial" panose="020B0604020202020204" pitchFamily="34" charset="0"/>
-            </a:endParaRPr>
-          </a:p>
-          <a:p>
-            <a:pPr marL="365760" indent="-365760">
-              <a:lnSpc>
-                <a:spcPct val="120000"/>
-              </a:lnSpc>
-              <a:spcBef>
-                <a:spcPts val="2400"/>
-              </a:spcBef>
-            </a:pPr>
-            <a:endParaRPr lang="en-IN" dirty="0" smtClean="0">
+            <a:endParaRPr lang="en-IN" sz="2000" dirty="0">
               <a:solidFill>
                 <a:schemeClr val="bg1"/>
               </a:solidFill>
@@ -24183,12 +23444,29 @@
             </a:endParaRPr>
           </a:p>
           <a:p>
+            <a:pPr marL="365760" indent="-365760">
+              <a:lnSpc>
+                <a:spcPct val="120000"/>
+              </a:lnSpc>
+              <a:spcBef>
+                <a:spcPts val="2400"/>
+              </a:spcBef>
+            </a:pPr>
+            <a:endParaRPr lang="en-IN" dirty="0">
+              <a:solidFill>
+                <a:schemeClr val="bg1"/>
+              </a:solidFill>
+              <a:latin typeface="Arial" panose="020B0604020202020204" pitchFamily="34" charset="0"/>
+              <a:cs typeface="Arial" panose="020B0604020202020204" pitchFamily="34" charset="0"/>
+            </a:endParaRPr>
+          </a:p>
+          <a:p>
             <a:pPr indent="-365760">
               <a:lnSpc>
                 <a:spcPct val="120000"/>
               </a:lnSpc>
             </a:pPr>
-            <a:endParaRPr lang="en-IN" dirty="0" smtClean="0">
+            <a:endParaRPr lang="en-IN" dirty="0">
               <a:solidFill>
                 <a:schemeClr val="bg1"/>
               </a:solidFill>
@@ -24210,7 +23488,7 @@
               <a:buNone/>
             </a:pPr>
             <a:r>
-              <a:rPr lang="en-US" dirty="0" smtClean="0">
+              <a:rPr lang="en-US" dirty="0">
                 <a:solidFill>
                   <a:schemeClr val="bg1"/>
                 </a:solidFill>
@@ -24219,7 +23497,7 @@
               </a:rPr>
               <a:t>	</a:t>
             </a:r>
-            <a:endParaRPr lang="en-IN" dirty="0" smtClean="0">
+            <a:endParaRPr lang="en-IN" dirty="0">
               <a:solidFill>
                 <a:schemeClr val="bg1"/>
               </a:solidFill>
@@ -24266,17 +23544,7 @@
                 <a:latin typeface="Arial" panose="020B0604020202020204" pitchFamily="34" charset="0"/>
                 <a:cs typeface="Arial" panose="020B0604020202020204" pitchFamily="34" charset="0"/>
               </a:rPr>
-              <a:t>RENAME </a:t>
-            </a:r>
-            <a:r>
-              <a:rPr lang="en-IN" dirty="0" smtClean="0">
-                <a:solidFill>
-                  <a:schemeClr val="bg1"/>
-                </a:solidFill>
-                <a:latin typeface="Arial" panose="020B0604020202020204" pitchFamily="34" charset="0"/>
-                <a:cs typeface="Arial" panose="020B0604020202020204" pitchFamily="34" charset="0"/>
-              </a:rPr>
-              <a:t>Table</a:t>
+              <a:t>RENAME Table</a:t>
             </a:r>
             <a:endParaRPr lang="en-US" dirty="0">
               <a:solidFill>
@@ -24320,31 +23588,7 @@
                   <a:schemeClr val="bg1"/>
                 </a:solidFill>
               </a:rPr>
-              <a:t>R</a:t>
-            </a:r>
-            <a:r>
-              <a:rPr lang="en-IN" sz="2000" dirty="0" smtClean="0">
-                <a:solidFill>
-                  <a:schemeClr val="bg1"/>
-                </a:solidFill>
-              </a:rPr>
-              <a:t>ename more </a:t>
-            </a:r>
-            <a:r>
-              <a:rPr lang="en-IN" sz="2000" dirty="0">
-                <a:solidFill>
-                  <a:schemeClr val="bg1"/>
-                </a:solidFill>
-              </a:rPr>
-              <a:t>than one </a:t>
-            </a:r>
-            <a:r>
-              <a:rPr lang="en-IN" sz="2000" dirty="0" smtClean="0">
-                <a:solidFill>
-                  <a:schemeClr val="bg1"/>
-                </a:solidFill>
-              </a:rPr>
-              <a:t>table</a:t>
+              <a:t>Rename more than one table</a:t>
             </a:r>
           </a:p>
           <a:p>
@@ -24353,28 +23597,12 @@
               <a:buChar char="•"/>
             </a:pPr>
             <a:r>
-              <a:rPr lang="en-IN" sz="2000" dirty="0" smtClean="0">
+              <a:rPr lang="en-IN" sz="2000" dirty="0">
                 <a:solidFill>
                   <a:schemeClr val="bg1"/>
                 </a:solidFill>
               </a:rPr>
-              <a:t>Renaming </a:t>
-            </a:r>
-            <a:r>
-              <a:rPr lang="en-IN" sz="2000" dirty="0">
-                <a:solidFill>
-                  <a:schemeClr val="bg1"/>
-                </a:solidFill>
-              </a:rPr>
-              <a:t>operations are done from left to right</a:t>
-            </a:r>
-            <a:r>
-              <a:rPr lang="en-IN" sz="2000" dirty="0" smtClean="0">
-                <a:solidFill>
-                  <a:schemeClr val="bg1"/>
-                </a:solidFill>
-              </a:rPr>
-              <a:t>.</a:t>
+              <a:t>Renaming operations are done from left to right.</a:t>
             </a:r>
           </a:p>
           <a:p>
@@ -24382,7 +23610,7 @@
               <a:buFont typeface="Arial" pitchFamily="34" charset="0"/>
               <a:buChar char="•"/>
             </a:pPr>
-            <a:endParaRPr lang="en-IN" sz="2000" dirty="0" smtClean="0">
+            <a:endParaRPr lang="en-IN" sz="2000" dirty="0">
               <a:solidFill>
                 <a:schemeClr val="bg1"/>
               </a:solidFill>
@@ -24393,7 +23621,7 @@
               <a:buFont typeface="Arial" pitchFamily="34" charset="0"/>
               <a:buChar char="•"/>
             </a:pPr>
-            <a:endParaRPr lang="en-IN" sz="2000" dirty="0" smtClean="0">
+            <a:endParaRPr lang="en-IN" sz="2000" dirty="0">
               <a:solidFill>
                 <a:schemeClr val="bg1"/>
               </a:solidFill>
@@ -24401,32 +23629,16 @@
           </a:p>
           <a:p>
             <a:r>
-              <a:rPr lang="en-IN" sz="2000" dirty="0" smtClean="0">
+              <a:rPr lang="en-IN" sz="2000" dirty="0">
                 <a:solidFill>
                   <a:schemeClr val="bg1"/>
                 </a:solidFill>
               </a:rPr>
-              <a:t>Query: swap </a:t>
-            </a:r>
-            <a:r>
-              <a:rPr lang="en-IN" sz="2000" dirty="0">
-                <a:solidFill>
-                  <a:schemeClr val="bg1"/>
-                </a:solidFill>
-              </a:rPr>
-              <a:t>two table </a:t>
-            </a:r>
-            <a:r>
-              <a:rPr lang="en-IN" sz="2000" dirty="0" smtClean="0">
-                <a:solidFill>
-                  <a:schemeClr val="bg1"/>
-                </a:solidFill>
-              </a:rPr>
-              <a:t>names</a:t>
-            </a:r>
-          </a:p>
-          <a:p>
-            <a:endParaRPr lang="en-IN" sz="2000" dirty="0" smtClean="0">
+              <a:t>Query: swap two table names</a:t>
+            </a:r>
+          </a:p>
+          <a:p>
+            <a:endParaRPr lang="en-IN" sz="2000" dirty="0">
               <a:solidFill>
                 <a:schemeClr val="bg1"/>
               </a:solidFill>
@@ -24455,7 +23667,7 @@
               <a:t>old_table</a:t>
             </a:r>
             <a:r>
-              <a:rPr lang="en-IN" sz="2000" dirty="0" smtClean="0">
+              <a:rPr lang="en-IN" sz="2000" dirty="0">
                 <a:solidFill>
                   <a:schemeClr val="bg1"/>
                 </a:solidFill>
@@ -24475,7 +23687,7 @@
               <a:t>TO</a:t>
             </a:r>
             <a:r>
-              <a:rPr lang="en-IN" sz="2000" dirty="0" smtClean="0">
+              <a:rPr lang="en-IN" sz="2000" dirty="0">
                 <a:solidFill>
                   <a:schemeClr val="bg1"/>
                 </a:solidFill>
@@ -24508,15 +23720,7 @@
                   <a:schemeClr val="bg1"/>
                 </a:solidFill>
               </a:rPr>
-              <a:t>	</a:t>
-            </a:r>
-            <a:r>
-              <a:rPr lang="en-IN" sz="2000" dirty="0" smtClean="0">
-                <a:solidFill>
-                  <a:schemeClr val="bg1"/>
-                </a:solidFill>
-              </a:rPr>
-              <a:t>	</a:t>
+              <a:t>		</a:t>
             </a:r>
             <a:r>
               <a:rPr lang="en-IN" sz="2200" dirty="0">
@@ -24525,28 +23729,19 @@
                 </a:solidFill>
                 <a:latin typeface="Arial" panose="020B0604020202020204" pitchFamily="34" charset="0"/>
               </a:rPr>
-              <a:t>   </a:t>
-            </a:r>
-            <a:r>
-              <a:rPr lang="en-IN" sz="2200" dirty="0" smtClean="0">
+              <a:t>     </a:t>
+            </a:r>
+            <a:r>
+              <a:rPr lang="en-IN" sz="2200" dirty="0" err="1">
                 <a:solidFill>
                   <a:schemeClr val="accent6"/>
                 </a:solidFill>
                 <a:latin typeface="Arial" panose="020B0604020202020204" pitchFamily="34" charset="0"/>
               </a:rPr>
-              <a:t>  </a:t>
-            </a:r>
-            <a:r>
-              <a:rPr lang="en-IN" sz="2200" dirty="0" err="1" smtClean="0">
-                <a:solidFill>
-                  <a:schemeClr val="accent6"/>
-                </a:solidFill>
-                <a:latin typeface="Arial" panose="020B0604020202020204" pitchFamily="34" charset="0"/>
-              </a:rPr>
               <a:t>new_table</a:t>
             </a:r>
             <a:r>
-              <a:rPr lang="en-IN" sz="2200" dirty="0" smtClean="0">
+              <a:rPr lang="en-IN" sz="2200" dirty="0">
                 <a:solidFill>
                   <a:schemeClr val="accent6"/>
                 </a:solidFill>
@@ -24602,28 +23797,19 @@
                 </a:solidFill>
                 <a:latin typeface="Arial" panose="020B0604020202020204" pitchFamily="34" charset="0"/>
               </a:rPr>
-              <a:t>		   </a:t>
-            </a:r>
-            <a:r>
-              <a:rPr lang="en-IN" sz="2200" dirty="0" smtClean="0">
+              <a:t>		     </a:t>
+            </a:r>
+            <a:r>
+              <a:rPr lang="en-IN" sz="2200" dirty="0" err="1">
                 <a:solidFill>
                   <a:schemeClr val="accent6"/>
                 </a:solidFill>
                 <a:latin typeface="Arial" panose="020B0604020202020204" pitchFamily="34" charset="0"/>
               </a:rPr>
-              <a:t>  </a:t>
-            </a:r>
-            <a:r>
-              <a:rPr lang="en-IN" sz="2200" dirty="0" err="1" smtClean="0">
-                <a:solidFill>
-                  <a:schemeClr val="accent6"/>
-                </a:solidFill>
-                <a:latin typeface="Arial" panose="020B0604020202020204" pitchFamily="34" charset="0"/>
-              </a:rPr>
               <a:t>tmp_table</a:t>
             </a:r>
             <a:r>
-              <a:rPr lang="en-IN" sz="2200" dirty="0" smtClean="0">
+              <a:rPr lang="en-IN" sz="2200" dirty="0">
                 <a:solidFill>
                   <a:schemeClr val="accent6"/>
                 </a:solidFill>
@@ -24780,18 +23966,13 @@
           </a:lstStyle>
           <a:p>
             <a:r>
-              <a:rPr lang="en-US" sz="1400" dirty="0" smtClean="0">
+              <a:rPr lang="en-US" sz="1400" dirty="0">
                 <a:solidFill>
                   <a:schemeClr val="bg1"/>
                 </a:solidFill>
               </a:rPr>
               <a:t>44</a:t>
             </a:r>
-            <a:endParaRPr lang="en-US" sz="1400" dirty="0">
-              <a:solidFill>
-                <a:schemeClr val="bg1"/>
-              </a:solidFill>
-            </a:endParaRPr>
           </a:p>
         </p:txBody>
       </p:sp>
@@ -25272,7 +24453,7 @@
                 <a:spcPct val="120000"/>
               </a:lnSpc>
             </a:pPr>
-            <a:endParaRPr lang="en-IN" dirty="0" smtClean="0">
+            <a:endParaRPr lang="en-IN" dirty="0">
               <a:solidFill>
                 <a:schemeClr val="bg1"/>
               </a:solidFill>
@@ -25294,7 +24475,7 @@
               <a:buNone/>
             </a:pPr>
             <a:r>
-              <a:rPr lang="en-US" dirty="0" smtClean="0">
+              <a:rPr lang="en-US" dirty="0">
                 <a:solidFill>
                   <a:schemeClr val="bg1"/>
                 </a:solidFill>
@@ -25303,7 +24484,7 @@
               </a:rPr>
               <a:t>	</a:t>
             </a:r>
-            <a:endParaRPr lang="en-IN" dirty="0" smtClean="0">
+            <a:endParaRPr lang="en-IN" dirty="0">
               <a:solidFill>
                 <a:schemeClr val="bg1"/>
               </a:solidFill>
@@ -25350,17 +24531,7 @@
                 <a:latin typeface="Arial" panose="020B0604020202020204" pitchFamily="34" charset="0"/>
                 <a:cs typeface="Arial" panose="020B0604020202020204" pitchFamily="34" charset="0"/>
               </a:rPr>
-              <a:t>RENAME </a:t>
-            </a:r>
-            <a:r>
-              <a:rPr lang="en-IN" dirty="0" smtClean="0">
-                <a:solidFill>
-                  <a:schemeClr val="bg1"/>
-                </a:solidFill>
-                <a:latin typeface="Arial" panose="020B0604020202020204" pitchFamily="34" charset="0"/>
-                <a:cs typeface="Arial" panose="020B0604020202020204" pitchFamily="34" charset="0"/>
-              </a:rPr>
-              <a:t>Table</a:t>
+              <a:t>RENAME Table</a:t>
             </a:r>
             <a:endParaRPr lang="en-US" dirty="0">
               <a:solidFill>
@@ -25400,7 +24571,7 @@
               </a:spcBef>
             </a:pPr>
             <a:r>
-              <a:rPr lang="en-IN" sz="2000" dirty="0" smtClean="0">
+              <a:rPr lang="en-IN" sz="2000" dirty="0">
                 <a:solidFill>
                   <a:schemeClr val="bg1"/>
                 </a:solidFill>
@@ -25417,20 +24588,12 @@
               <a:buChar char="•"/>
             </a:pPr>
             <a:r>
-              <a:rPr lang="en-IN" sz="2000" dirty="0" smtClean="0">
+              <a:rPr lang="en-IN" sz="2000" dirty="0">
                 <a:solidFill>
                   <a:schemeClr val="bg1"/>
                 </a:solidFill>
               </a:rPr>
-              <a:t>As </a:t>
-            </a:r>
-            <a:r>
-              <a:rPr lang="en-IN" sz="2000" dirty="0">
-                <a:solidFill>
-                  <a:schemeClr val="bg1"/>
-                </a:solidFill>
-              </a:rPr>
-              <a:t>long as two databases are on the same file system, you can use RENAME TABLE to move a table from one database to another: </a:t>
+              <a:t>As long as two databases are on the same file system, you can use RENAME TABLE to move a table from one database to another: </a:t>
             </a:r>
           </a:p>
         </p:txBody>
@@ -25551,18 +24714,13 @@
           </a:lstStyle>
           <a:p>
             <a:r>
-              <a:rPr lang="en-US" sz="1400" dirty="0" smtClean="0">
+              <a:rPr lang="en-US" sz="1400" dirty="0">
                 <a:solidFill>
                   <a:schemeClr val="bg1"/>
                 </a:solidFill>
               </a:rPr>
               <a:t>44</a:t>
             </a:r>
-            <a:endParaRPr lang="en-US" sz="1400" dirty="0">
-              <a:solidFill>
-                <a:schemeClr val="bg1"/>
-              </a:solidFill>
-            </a:endParaRPr>
           </a:p>
         </p:txBody>
       </p:sp>
@@ -25593,15 +24751,7 @@
                   <a:schemeClr val="bg1"/>
                 </a:solidFill>
               </a:rPr>
-              <a:t>Query</a:t>
-            </a:r>
-            <a:r>
-              <a:rPr lang="en-IN" sz="2200" dirty="0" smtClean="0">
-                <a:solidFill>
-                  <a:schemeClr val="bg1"/>
-                </a:solidFill>
-              </a:rPr>
-              <a:t>:</a:t>
+              <a:t>Query:</a:t>
             </a:r>
           </a:p>
           <a:p>
@@ -25634,7 +24784,7 @@
               <a:t>current_db.tbl_table</a:t>
             </a:r>
             <a:r>
-              <a:rPr lang="en-IN" sz="2200" dirty="0" smtClean="0">
+              <a:rPr lang="en-IN" sz="2200" dirty="0">
                 <a:solidFill>
                   <a:schemeClr val="bg1"/>
                 </a:solidFill>
@@ -25879,10 +25029,9 @@
           <a:lstStyle/>
           <a:p>
             <a:r>
-              <a:rPr lang="en-US" dirty="0" smtClean="0"/>
+              <a:rPr lang="en-US" dirty="0"/>
               <a:t>DROP, TRUNCATE Statement</a:t>
             </a:r>
-            <a:endParaRPr lang="en-US" dirty="0"/>
           </a:p>
         </p:txBody>
       </p:sp>
@@ -25896,13 +25045,6 @@
   <p:clrMapOvr>
     <a:masterClrMapping/>
   </p:clrMapOvr>
-  <p:timing>
-    <p:tnLst>
-      <p:par>
-        <p:cTn id="1" dur="indefinite" restart="never" nodeType="tmRoot"/>
-      </p:par>
-    </p:tnLst>
-  </p:timing>
 </p:sld>
 </file>
 
@@ -25946,24 +25088,14 @@
               <a:buChar char="•"/>
             </a:pPr>
             <a:r>
-              <a:rPr lang="en-IN" sz="2200" dirty="0" smtClean="0">
+              <a:rPr lang="en-IN" sz="2200" dirty="0">
                 <a:solidFill>
                   <a:schemeClr val="bg1"/>
                 </a:solidFill>
                 <a:latin typeface="Arial" panose="020B0604020202020204" pitchFamily="34" charset="0"/>
                 <a:cs typeface="Arial" panose="020B0604020202020204" pitchFamily="34" charset="0"/>
               </a:rPr>
-              <a:t>Removes </a:t>
-            </a:r>
-            <a:r>
-              <a:rPr lang="en-IN" sz="2200" dirty="0">
-                <a:solidFill>
-                  <a:schemeClr val="bg1"/>
-                </a:solidFill>
-                <a:latin typeface="Arial" panose="020B0604020202020204" pitchFamily="34" charset="0"/>
-                <a:cs typeface="Arial" panose="020B0604020202020204" pitchFamily="34" charset="0"/>
-              </a:rPr>
-              <a:t>one or more tables. </a:t>
+              <a:t>Removes one or more tables. </a:t>
             </a:r>
           </a:p>
           <a:p>
@@ -25975,24 +25107,14 @@
               <a:buChar char="•"/>
             </a:pPr>
             <a:r>
-              <a:rPr lang="en-IN" sz="2200" dirty="0" smtClean="0">
+              <a:rPr lang="en-IN" sz="2200" dirty="0">
                 <a:solidFill>
                   <a:schemeClr val="bg1"/>
                 </a:solidFill>
                 <a:latin typeface="Arial" panose="020B0604020202020204" pitchFamily="34" charset="0"/>
                 <a:cs typeface="Arial" panose="020B0604020202020204" pitchFamily="34" charset="0"/>
               </a:rPr>
-              <a:t>Require DROP </a:t>
-            </a:r>
-            <a:r>
-              <a:rPr lang="en-IN" sz="2200" dirty="0">
-                <a:solidFill>
-                  <a:schemeClr val="bg1"/>
-                </a:solidFill>
-                <a:latin typeface="Arial" panose="020B0604020202020204" pitchFamily="34" charset="0"/>
-                <a:cs typeface="Arial" panose="020B0604020202020204" pitchFamily="34" charset="0"/>
-              </a:rPr>
-              <a:t>privilege for each table.</a:t>
+              <a:t>Require DROP privilege for each table.</a:t>
             </a:r>
           </a:p>
           <a:p>
@@ -26032,7 +25154,7 @@
             <a:pPr marL="0" indent="0">
               <a:buNone/>
             </a:pPr>
-            <a:endParaRPr lang="en-US" sz="2000" dirty="0" smtClean="0">
+            <a:endParaRPr lang="en-US" sz="2000" dirty="0">
               <a:solidFill>
                 <a:schemeClr val="bg1"/>
               </a:solidFill>
@@ -26048,7 +25170,7 @@
               <a:buNone/>
             </a:pPr>
             <a:r>
-              <a:rPr lang="en-US" sz="2200" dirty="0" smtClean="0">
+              <a:rPr lang="en-US" sz="2200" dirty="0">
                 <a:solidFill>
                   <a:schemeClr val="bg1"/>
                 </a:solidFill>
@@ -26095,7 +25217,7 @@
               <a:buNone/>
             </a:pPr>
             <a:r>
-              <a:rPr lang="en-US" sz="1800" dirty="0" smtClean="0">
+              <a:rPr lang="en-US" sz="1800" dirty="0">
                 <a:solidFill>
                   <a:schemeClr val="bg1"/>
                 </a:solidFill>
@@ -26117,7 +25239,7 @@
               <a:t>DROP TABLE </a:t>
             </a:r>
             <a:r>
-              <a:rPr lang="en-IN" sz="2200" dirty="0" err="1" smtClean="0">
+              <a:rPr lang="en-IN" sz="2200" dirty="0" err="1">
                 <a:solidFill>
                   <a:schemeClr val="accent6"/>
                 </a:solidFill>
@@ -26126,7 +25248,7 @@
               <a:t>tbl_name</a:t>
             </a:r>
             <a:r>
-              <a:rPr lang="en-IN" sz="1800" dirty="0" smtClean="0">
+              <a:rPr lang="en-IN" sz="1800" dirty="0">
                 <a:latin typeface="Courier New" pitchFamily="49" charset="0"/>
                 <a:cs typeface="Courier New" pitchFamily="49" charset="0"/>
               </a:rPr>
@@ -26149,7 +25271,7 @@
             <a:pPr marL="0" indent="0">
               <a:buNone/>
             </a:pPr>
-            <a:endParaRPr lang="en-IN" sz="1800" dirty="0" smtClean="0">
+            <a:endParaRPr lang="en-IN" sz="1800" dirty="0">
               <a:solidFill>
                 <a:schemeClr val="bg1"/>
               </a:solidFill>
@@ -26324,18 +25446,13 @@
           </a:lstStyle>
           <a:p>
             <a:r>
-              <a:rPr lang="en-US" sz="1400" dirty="0" smtClean="0">
+              <a:rPr lang="en-US" sz="1400" dirty="0">
                 <a:solidFill>
                   <a:schemeClr val="bg1"/>
                 </a:solidFill>
               </a:rPr>
               <a:t>46</a:t>
             </a:r>
-            <a:endParaRPr lang="en-US" sz="1400" dirty="0">
-              <a:solidFill>
-                <a:schemeClr val="bg1"/>
-              </a:solidFill>
-            </a:endParaRPr>
           </a:p>
         </p:txBody>
       </p:sp>
@@ -26743,7 +25860,7 @@
               <a:buNone/>
             </a:pPr>
             <a:r>
-              <a:rPr lang="en-US" sz="2000" dirty="0" smtClean="0">
+              <a:rPr lang="en-US" sz="2000" dirty="0">
                 <a:solidFill>
                   <a:schemeClr val="bg1"/>
                 </a:solidFill>
@@ -26753,7 +25870,7 @@
               <a:t>Requirement	</a:t>
             </a:r>
             <a:r>
-              <a:rPr lang="en-US" sz="4000" dirty="0" smtClean="0">
+              <a:rPr lang="en-US" sz="4000" dirty="0">
                 <a:solidFill>
                   <a:schemeClr val="bg1"/>
                 </a:solidFill>
@@ -26778,12 +25895,8 @@
               <a:t>	</a:t>
             </a:r>
             <a:r>
-              <a:rPr lang="en-US" sz="2200" dirty="0" smtClean="0"/>
-              <a:t>How </a:t>
-            </a:r>
-            <a:r>
               <a:rPr lang="en-US" sz="2200" dirty="0"/>
-              <a:t>to remove </a:t>
+              <a:t>How to remove </a:t>
             </a:r>
             <a:r>
               <a:rPr lang="en-US" sz="2200" dirty="0" err="1"/>
@@ -26791,11 +25904,7 @@
             </a:r>
             <a:r>
               <a:rPr lang="en-US" sz="2200" dirty="0"/>
-              <a:t> table completely from </a:t>
-            </a:r>
-            <a:r>
-              <a:rPr lang="en-US" sz="2200" dirty="0" smtClean="0"/>
-              <a:t>database</a:t>
+              <a:t> table completely from database</a:t>
             </a:r>
           </a:p>
           <a:p>
@@ -26818,7 +25927,7 @@
               <a:buNone/>
             </a:pPr>
             <a:r>
-              <a:rPr lang="en-US" sz="2000" dirty="0" smtClean="0">
+              <a:rPr lang="en-US" sz="2000" dirty="0">
                 <a:solidFill>
                   <a:schemeClr val="bg1"/>
                 </a:solidFill>
@@ -26853,7 +25962,7 @@
               <a:t>	</a:t>
             </a:r>
             <a:r>
-              <a:rPr lang="en-IN" sz="2200" dirty="0" smtClean="0">
+              <a:rPr lang="en-IN" sz="2200" dirty="0">
                 <a:solidFill>
                   <a:schemeClr val="accent4">
                     <a:lumMod val="60000"/>
@@ -26862,19 +25971,7 @@
                 </a:solidFill>
                 <a:latin typeface="Arial" panose="020B0604020202020204" pitchFamily="34" charset="0"/>
               </a:rPr>
-              <a:t>DROP </a:t>
-            </a:r>
-            <a:r>
-              <a:rPr lang="en-IN" sz="2200" dirty="0">
-                <a:solidFill>
-                  <a:schemeClr val="accent4">
-                    <a:lumMod val="60000"/>
-                    <a:lumOff val="40000"/>
-                  </a:schemeClr>
-                </a:solidFill>
-                <a:latin typeface="Arial" panose="020B0604020202020204" pitchFamily="34" charset="0"/>
-              </a:rPr>
-              <a:t>TABLE </a:t>
+              <a:t>DROP TABLE </a:t>
             </a:r>
             <a:r>
               <a:rPr lang="en-US" sz="2200" dirty="0" err="1">
@@ -26921,7 +26018,7 @@
             <a:pPr marL="0" indent="0">
               <a:buNone/>
             </a:pPr>
-            <a:endParaRPr lang="en-US" sz="1800" dirty="0" smtClean="0">
+            <a:endParaRPr lang="en-US" sz="1800" dirty="0">
               <a:solidFill>
                 <a:schemeClr val="bg1"/>
               </a:solidFill>
@@ -26933,7 +26030,7 @@
             <a:pPr marL="0" indent="0">
               <a:buNone/>
             </a:pPr>
-            <a:endParaRPr lang="en-US" sz="1800" dirty="0" smtClean="0">
+            <a:endParaRPr lang="en-US" sz="1800" dirty="0">
               <a:solidFill>
                 <a:schemeClr val="bg1"/>
               </a:solidFill>
@@ -26957,7 +26054,7 @@
             <a:pPr marL="0" indent="0">
               <a:buNone/>
             </a:pPr>
-            <a:endParaRPr lang="en-US" sz="2000" dirty="0" smtClean="0">
+            <a:endParaRPr lang="en-US" sz="2000" dirty="0">
               <a:solidFill>
                 <a:schemeClr val="bg1"/>
               </a:solidFill>
@@ -26988,7 +26085,7 @@
           <a:lstStyle/>
           <a:p>
             <a:r>
-              <a:rPr lang="en-US" dirty="0" smtClean="0">
+              <a:rPr lang="en-US" dirty="0">
                 <a:latin typeface="Arial" panose="020B0604020202020204" pitchFamily="34" charset="0"/>
                 <a:cs typeface="Arial" panose="020B0604020202020204" pitchFamily="34" charset="0"/>
               </a:rPr>
@@ -27469,24 +26566,14 @@
               <a:buChar char="•"/>
             </a:pPr>
             <a:r>
-              <a:rPr lang="en-US" sz="2000" dirty="0" smtClean="0">
+              <a:rPr lang="en-US" sz="2000" dirty="0">
                 <a:solidFill>
                   <a:schemeClr val="bg1"/>
                 </a:solidFill>
                 <a:latin typeface="Arial" panose="020B0604020202020204" pitchFamily="34" charset="0"/>
                 <a:cs typeface="Arial" panose="020B0604020202020204" pitchFamily="34" charset="0"/>
               </a:rPr>
-              <a:t>Empties a </a:t>
-            </a:r>
-            <a:r>
-              <a:rPr lang="en-US" sz="2000" dirty="0">
-                <a:solidFill>
-                  <a:schemeClr val="bg1"/>
-                </a:solidFill>
-                <a:latin typeface="Arial" panose="020B0604020202020204" pitchFamily="34" charset="0"/>
-                <a:cs typeface="Arial" panose="020B0604020202020204" pitchFamily="34" charset="0"/>
-              </a:rPr>
-              <a:t>table completely. </a:t>
+              <a:t>Empties a table completely. </a:t>
             </a:r>
           </a:p>
           <a:p>
@@ -27512,40 +26599,6 @@
             <a:pPr marL="0" indent="0">
               <a:buNone/>
             </a:pPr>
-            <a:endParaRPr lang="en-IN" sz="2000" dirty="0" smtClean="0">
-              <a:solidFill>
-                <a:schemeClr val="bg1"/>
-              </a:solidFill>
-              <a:latin typeface="Arial" panose="020B0604020202020204" pitchFamily="34" charset="0"/>
-              <a:cs typeface="Arial" panose="020B0604020202020204" pitchFamily="34" charset="0"/>
-            </a:endParaRPr>
-          </a:p>
-          <a:p>
-            <a:pPr marL="0" indent="0">
-              <a:buNone/>
-            </a:pPr>
-            <a:endParaRPr lang="en-IN" sz="2000" dirty="0" smtClean="0">
-              <a:solidFill>
-                <a:schemeClr val="bg1"/>
-              </a:solidFill>
-              <a:latin typeface="Arial" panose="020B0604020202020204" pitchFamily="34" charset="0"/>
-              <a:cs typeface="Arial" panose="020B0604020202020204" pitchFamily="34" charset="0"/>
-            </a:endParaRPr>
-          </a:p>
-          <a:p>
-            <a:pPr marL="0" indent="0">
-              <a:buNone/>
-            </a:pPr>
-            <a:r>
-              <a:rPr lang="en-IN" sz="2000" dirty="0" smtClean="0">
-                <a:solidFill>
-                  <a:schemeClr val="bg1"/>
-                </a:solidFill>
-                <a:latin typeface="Arial" panose="020B0604020202020204" pitchFamily="34" charset="0"/>
-                <a:cs typeface="Arial" panose="020B0604020202020204" pitchFamily="34" charset="0"/>
-              </a:rPr>
-              <a:t>Query:</a:t>
-            </a:r>
             <a:endParaRPr lang="en-IN" sz="2000" dirty="0">
               <a:solidFill>
                 <a:schemeClr val="bg1"/>
@@ -27558,49 +26611,7 @@
             <a:pPr marL="0" indent="0">
               <a:buNone/>
             </a:pPr>
-            <a:r>
-              <a:rPr lang="en-IN" sz="2000" dirty="0">
-                <a:solidFill>
-                  <a:schemeClr val="bg1"/>
-                </a:solidFill>
-                <a:latin typeface="Arial" panose="020B0604020202020204" pitchFamily="34" charset="0"/>
-                <a:cs typeface="Arial" panose="020B0604020202020204" pitchFamily="34" charset="0"/>
-              </a:rPr>
-              <a:t>	</a:t>
-            </a:r>
-            <a:r>
-              <a:rPr lang="en-IN" sz="2200" dirty="0">
-                <a:solidFill>
-                  <a:schemeClr val="accent4">
-                    <a:lumMod val="60000"/>
-                    <a:lumOff val="40000"/>
-                  </a:schemeClr>
-                </a:solidFill>
-                <a:latin typeface="Arial" panose="020B0604020202020204" pitchFamily="34" charset="0"/>
-              </a:rPr>
-              <a:t>TRUNCATE TABLE </a:t>
-            </a:r>
-            <a:r>
-              <a:rPr lang="en-US" sz="2200" dirty="0" err="1">
-                <a:solidFill>
-                  <a:schemeClr val="accent6"/>
-                </a:solidFill>
-                <a:latin typeface="Arial" panose="020B0604020202020204" pitchFamily="34" charset="0"/>
-              </a:rPr>
-              <a:t>PMSOffices</a:t>
-            </a:r>
-            <a:r>
-              <a:rPr lang="en-IN" sz="2200" dirty="0">
-                <a:solidFill>
-                  <a:schemeClr val="accent6"/>
-                </a:solidFill>
-                <a:latin typeface="Arial" panose="020B0604020202020204" pitchFamily="34" charset="0"/>
-              </a:rPr>
-              <a:t>;</a:t>
-            </a:r>
-          </a:p>
-          <a:p>
-            <a:endParaRPr lang="en-IN" sz="2000" dirty="0" smtClean="0">
+            <a:endParaRPr lang="en-IN" sz="2000" dirty="0">
               <a:solidFill>
                 <a:schemeClr val="bg1"/>
               </a:solidFill>
@@ -27612,7 +26623,64 @@
             <a:pPr marL="0" indent="0">
               <a:buNone/>
             </a:pPr>
-            <a:endParaRPr lang="en-US" sz="2000" dirty="0" smtClean="0">
+            <a:r>
+              <a:rPr lang="en-IN" sz="2000" dirty="0">
+                <a:solidFill>
+                  <a:schemeClr val="bg1"/>
+                </a:solidFill>
+                <a:latin typeface="Arial" panose="020B0604020202020204" pitchFamily="34" charset="0"/>
+                <a:cs typeface="Arial" panose="020B0604020202020204" pitchFamily="34" charset="0"/>
+              </a:rPr>
+              <a:t>Query:</a:t>
+            </a:r>
+          </a:p>
+          <a:p>
+            <a:pPr marL="0" indent="0">
+              <a:buNone/>
+            </a:pPr>
+            <a:r>
+              <a:rPr lang="en-IN" sz="2000" dirty="0">
+                <a:solidFill>
+                  <a:schemeClr val="bg1"/>
+                </a:solidFill>
+                <a:latin typeface="Arial" panose="020B0604020202020204" pitchFamily="34" charset="0"/>
+                <a:cs typeface="Arial" panose="020B0604020202020204" pitchFamily="34" charset="0"/>
+              </a:rPr>
+              <a:t>	</a:t>
+            </a:r>
+            <a:r>
+              <a:rPr lang="en-IN" sz="2200" dirty="0">
+                <a:solidFill>
+                  <a:schemeClr val="accent4">
+                    <a:lumMod val="60000"/>
+                    <a:lumOff val="40000"/>
+                  </a:schemeClr>
+                </a:solidFill>
+                <a:latin typeface="Arial" panose="020B0604020202020204" pitchFamily="34" charset="0"/>
+              </a:rPr>
+              <a:t>TRUNCATE TABLE </a:t>
+            </a:r>
+            <a:r>
+              <a:rPr lang="en-US" sz="2200" dirty="0" err="1">
+                <a:solidFill>
+                  <a:schemeClr val="accent6"/>
+                </a:solidFill>
+                <a:latin typeface="Arial" panose="020B0604020202020204" pitchFamily="34" charset="0"/>
+              </a:rPr>
+              <a:t>PMSOffices</a:t>
+            </a:r>
+            <a:r>
+              <a:rPr lang="en-IN" sz="2200" dirty="0">
+                <a:solidFill>
+                  <a:schemeClr val="accent6"/>
+                </a:solidFill>
+                <a:latin typeface="Arial" panose="020B0604020202020204" pitchFamily="34" charset="0"/>
+              </a:rPr>
+              <a:t>;</a:t>
+            </a:r>
+          </a:p>
+          <a:p>
+            <a:endParaRPr lang="en-IN" sz="2000" dirty="0">
               <a:solidFill>
                 <a:schemeClr val="bg1"/>
               </a:solidFill>
@@ -27624,33 +26692,45 @@
             <a:pPr marL="0" indent="0">
               <a:buNone/>
             </a:pPr>
-            <a:r>
-              <a:rPr lang="en-US" sz="2000" dirty="0" smtClean="0">
-                <a:solidFill>
-                  <a:schemeClr val="bg1"/>
-                </a:solidFill>
-                <a:latin typeface="Arial" panose="020B0604020202020204" pitchFamily="34" charset="0"/>
-                <a:cs typeface="Arial" panose="020B0604020202020204" pitchFamily="34" charset="0"/>
-              </a:rPr>
-              <a:t>Syntax </a:t>
-            </a:r>
-            <a:r>
-              <a:rPr lang="en-IN" sz="2000" dirty="0">
-                <a:solidFill>
-                  <a:schemeClr val="bg1"/>
-                </a:solidFill>
-                <a:latin typeface="Arial" panose="020B0604020202020204" pitchFamily="34" charset="0"/>
-                <a:cs typeface="Arial" panose="020B0604020202020204" pitchFamily="34" charset="0"/>
-              </a:rPr>
-              <a:t>:</a:t>
-            </a:r>
+            <a:endParaRPr lang="en-US" sz="2000" dirty="0">
+              <a:solidFill>
+                <a:schemeClr val="bg1"/>
+              </a:solidFill>
+              <a:latin typeface="Arial" panose="020B0604020202020204" pitchFamily="34" charset="0"/>
+              <a:cs typeface="Arial" panose="020B0604020202020204" pitchFamily="34" charset="0"/>
+            </a:endParaRPr>
           </a:p>
           <a:p>
             <a:pPr marL="0" indent="0">
               <a:buNone/>
             </a:pPr>
             <a:r>
-              <a:rPr lang="en-US" sz="1800" dirty="0" smtClean="0">
+              <a:rPr lang="en-US" sz="2000" dirty="0">
+                <a:solidFill>
+                  <a:schemeClr val="bg1"/>
+                </a:solidFill>
+                <a:latin typeface="Arial" panose="020B0604020202020204" pitchFamily="34" charset="0"/>
+                <a:cs typeface="Arial" panose="020B0604020202020204" pitchFamily="34" charset="0"/>
+              </a:rPr>
+              <a:t>Syntax </a:t>
+            </a:r>
+            <a:r>
+              <a:rPr lang="en-IN" sz="2000" dirty="0">
+                <a:solidFill>
+                  <a:schemeClr val="bg1"/>
+                </a:solidFill>
+                <a:latin typeface="Arial" panose="020B0604020202020204" pitchFamily="34" charset="0"/>
+                <a:cs typeface="Arial" panose="020B0604020202020204" pitchFamily="34" charset="0"/>
+              </a:rPr>
+              <a:t>:</a:t>
+            </a:r>
+          </a:p>
+          <a:p>
+            <a:pPr marL="0" indent="0">
+              <a:buNone/>
+            </a:pPr>
+            <a:r>
+              <a:rPr lang="en-US" sz="1800" dirty="0">
                 <a:solidFill>
                   <a:schemeClr val="bg1"/>
                 </a:solidFill>
@@ -27691,7 +26771,7 @@
             <a:pPr marL="0" indent="0">
               <a:buNone/>
             </a:pPr>
-            <a:endParaRPr lang="en-IN" sz="1800" dirty="0" smtClean="0">
+            <a:endParaRPr lang="en-IN" sz="1800" dirty="0">
               <a:solidFill>
                 <a:schemeClr val="bg1"/>
               </a:solidFill>
@@ -27859,18 +26939,13 @@
           </a:lstStyle>
           <a:p>
             <a:r>
-              <a:rPr lang="en-US" sz="1400" dirty="0" smtClean="0">
+              <a:rPr lang="en-US" sz="1400" dirty="0">
                 <a:solidFill>
                   <a:schemeClr val="bg1"/>
                 </a:solidFill>
               </a:rPr>
               <a:t>47</a:t>
             </a:r>
-            <a:endParaRPr lang="en-US" sz="1400" dirty="0">
-              <a:solidFill>
-                <a:schemeClr val="bg1"/>
-              </a:solidFill>
-            </a:endParaRPr>
           </a:p>
         </p:txBody>
       </p:sp>
@@ -28343,22 +27418,12 @@
                 <a:latin typeface="Arial" panose="020B0604020202020204" pitchFamily="34" charset="0"/>
                 <a:cs typeface="Arial" panose="020B0604020202020204" pitchFamily="34" charset="0"/>
               </a:rPr>
-              <a:t>Data Control </a:t>
-            </a:r>
-            <a:r>
-              <a:rPr lang="en-IN" dirty="0" smtClean="0">
-                <a:solidFill>
-                  <a:schemeClr val="bg1"/>
-                </a:solidFill>
-                <a:latin typeface="Arial" panose="020B0604020202020204" pitchFamily="34" charset="0"/>
-                <a:cs typeface="Arial" panose="020B0604020202020204" pitchFamily="34" charset="0"/>
-              </a:rPr>
-              <a:t>Language</a:t>
-            </a:r>
-          </a:p>
-          <a:p>
-            <a:r>
-              <a:rPr lang="en-IN" dirty="0" smtClean="0">
+              <a:t>Data Control Language</a:t>
+            </a:r>
+          </a:p>
+          <a:p>
+            <a:r>
+              <a:rPr lang="en-IN" dirty="0">
                 <a:solidFill>
                   <a:schemeClr val="bg1"/>
                 </a:solidFill>
@@ -28381,13 +27446,6 @@
   <p:clrMapOvr>
     <a:masterClrMapping/>
   </p:clrMapOvr>
-  <p:timing>
-    <p:tnLst>
-      <p:par>
-        <p:cTn id="1" dur="indefinite" restart="never" nodeType="tmRoot"/>
-      </p:par>
-    </p:tnLst>
-  </p:timing>
 </p:sld>
 </file>
 
@@ -28432,7 +27490,7 @@
               <a:buNone/>
             </a:pPr>
             <a:r>
-              <a:rPr lang="en-US" sz="2000" dirty="0" smtClean="0">
+              <a:rPr lang="en-US" sz="2000" dirty="0">
                 <a:solidFill>
                   <a:schemeClr val="bg1"/>
                 </a:solidFill>
@@ -28442,7 +27500,7 @@
               <a:t>Requirement	</a:t>
             </a:r>
             <a:r>
-              <a:rPr lang="en-US" sz="4000" dirty="0" smtClean="0">
+              <a:rPr lang="en-US" sz="4000" dirty="0">
                 <a:solidFill>
                   <a:schemeClr val="bg1"/>
                 </a:solidFill>
@@ -28454,24 +27512,8 @@
           </a:p>
           <a:p>
             <a:r>
-              <a:rPr lang="en-US" sz="2200" dirty="0" smtClean="0"/>
-              <a:t>To </a:t>
-            </a:r>
-            <a:r>
               <a:rPr lang="en-US" sz="2200" dirty="0"/>
-              <a:t>make DB more secure. </a:t>
-            </a:r>
-            <a:r>
-              <a:rPr lang="en-US" sz="2200" dirty="0" smtClean="0"/>
-              <a:t>Restrict </a:t>
-            </a:r>
-            <a:r>
-              <a:rPr lang="en-US" sz="2200" dirty="0"/>
-              <a:t>users from performing various DB </a:t>
-            </a:r>
-            <a:r>
-              <a:rPr lang="en-US" sz="2200" dirty="0" smtClean="0"/>
-              <a:t>operations.</a:t>
+              <a:t>To make DB more secure. Restrict users from performing various DB operations.</a:t>
             </a:r>
           </a:p>
           <a:p>
@@ -28500,7 +27542,7 @@
               <a:buNone/>
             </a:pPr>
             <a:r>
-              <a:rPr lang="en-US" sz="2000" dirty="0" smtClean="0">
+              <a:rPr lang="en-US" sz="2000" dirty="0">
                 <a:solidFill>
                   <a:schemeClr val="bg1"/>
                 </a:solidFill>
@@ -28525,7 +27567,7 @@
               <a:buNone/>
             </a:pPr>
             <a:r>
-              <a:rPr lang="en-US" sz="2200" dirty="0" smtClean="0">
+              <a:rPr lang="en-US" sz="2200" dirty="0">
                 <a:solidFill>
                   <a:schemeClr val="accent4">
                     <a:lumMod val="60000"/>
@@ -28537,7 +27579,7 @@
               <a:t>	</a:t>
             </a:r>
             <a:r>
-              <a:rPr lang="en-US" sz="2000" dirty="0" smtClean="0">
+              <a:rPr lang="en-US" sz="2000" dirty="0">
                 <a:solidFill>
                   <a:schemeClr val="accent4">
                     <a:lumMod val="60000"/>
@@ -28546,7 +27588,16 @@
                 </a:solidFill>
                 <a:latin typeface="Arial" panose="020B0604020202020204" pitchFamily="34" charset="0"/>
               </a:rPr>
-              <a:t>CREATE </a:t>
+              <a:t>CREATE USER </a:t>
+            </a:r>
+            <a:r>
+              <a:rPr lang="en-US" sz="2000" dirty="0">
+                <a:solidFill>
+                  <a:schemeClr val="accent6"/>
+                </a:solidFill>
+                <a:latin typeface="Arial" panose="020B0604020202020204" pitchFamily="34" charset="0"/>
+              </a:rPr>
+              <a:t>jack</a:t>
             </a:r>
             <a:r>
               <a:rPr lang="en-US" sz="2000" dirty="0">
@@ -28558,7 +27609,7 @@
                 </a:solidFill>
                 <a:latin typeface="Arial" panose="020B0604020202020204" pitchFamily="34" charset="0"/>
               </a:rPr>
-              <a:t>USER </a:t>
+              <a:t> IDENTIFIED BY </a:t>
             </a:r>
             <a:r>
               <a:rPr lang="en-US" sz="2000" dirty="0">
@@ -28567,10 +27618,15 @@
                 </a:solidFill>
                 <a:latin typeface="Arial" panose="020B0604020202020204" pitchFamily="34" charset="0"/>
               </a:rPr>
-              <a:t>jack</a:t>
-            </a:r>
-            <a:r>
-              <a:rPr lang="en-US" sz="2000" dirty="0">
+              <a:t>'pass@123' ;</a:t>
+            </a:r>
+          </a:p>
+          <a:p>
+            <a:pPr marL="0" indent="0">
+              <a:buNone/>
+            </a:pPr>
+            <a:r>
+              <a:rPr lang="en-US" sz="2200" dirty="0">
                 <a:solidFill>
                   <a:schemeClr val="accent4">
                     <a:lumMod val="60000"/>
@@ -28579,24 +27635,10 @@
                 </a:solidFill>
                 <a:latin typeface="Arial" panose="020B0604020202020204" pitchFamily="34" charset="0"/>
               </a:rPr>
-              <a:t> IDENTIFIED BY </a:t>
-            </a:r>
-            <a:r>
-              <a:rPr lang="en-US" sz="2000" dirty="0">
-                <a:solidFill>
-                  <a:schemeClr val="accent6"/>
-                </a:solidFill>
-                <a:latin typeface="Arial" panose="020B0604020202020204" pitchFamily="34" charset="0"/>
-              </a:rPr>
-              <a:t>'pass@123' ;</a:t>
-            </a:r>
-          </a:p>
-          <a:p>
-            <a:pPr marL="0" indent="0">
-              <a:buNone/>
-            </a:pPr>
-            <a:r>
-              <a:rPr lang="en-US" sz="2200" dirty="0" smtClean="0">
+              <a:t>	</a:t>
+            </a:r>
+            <a:r>
+              <a:rPr lang="en-US" sz="2200" b="1" dirty="0">
                 <a:solidFill>
                   <a:schemeClr val="accent4">
                     <a:lumMod val="60000"/>
@@ -28605,10 +27647,19 @@
                 </a:solidFill>
                 <a:latin typeface="Arial" panose="020B0604020202020204" pitchFamily="34" charset="0"/>
               </a:rPr>
-              <a:t>	</a:t>
-            </a:r>
-            <a:r>
-              <a:rPr lang="en-US" sz="2200" b="1" dirty="0" smtClean="0">
+              <a:t>GRANT CREATE ON </a:t>
+            </a:r>
+            <a:r>
+              <a:rPr lang="en-US" sz="2200" b="1" dirty="0">
+                <a:solidFill>
+                  <a:schemeClr val="accent6"/>
+                </a:solidFill>
+                <a:latin typeface="Arial" panose="020B0604020202020204" pitchFamily="34" charset="0"/>
+              </a:rPr>
+              <a:t>*.*</a:t>
+            </a:r>
+            <a:r>
+              <a:rPr lang="en-US" sz="2200" b="1" dirty="0">
                 <a:solidFill>
                   <a:schemeClr val="accent4">
                     <a:lumMod val="60000"/>
@@ -28617,10 +27668,24 @@
                 </a:solidFill>
                 <a:latin typeface="Arial" panose="020B0604020202020204" pitchFamily="34" charset="0"/>
               </a:rPr>
-              <a:t>GRANT </a:t>
+              <a:t> TO </a:t>
             </a:r>
             <a:r>
               <a:rPr lang="en-US" sz="2200" b="1" dirty="0">
+                <a:solidFill>
+                  <a:schemeClr val="accent6"/>
+                </a:solidFill>
+                <a:latin typeface="Arial" panose="020B0604020202020204" pitchFamily="34" charset="0"/>
+              </a:rPr>
+              <a:t>'jack';</a:t>
+            </a:r>
+          </a:p>
+          <a:p>
+            <a:pPr marL="0" indent="0">
+              <a:buNone/>
+            </a:pPr>
+            <a:r>
+              <a:rPr lang="en-US" sz="2200" dirty="0">
                 <a:solidFill>
                   <a:schemeClr val="accent4">
                     <a:lumMod val="60000"/>
@@ -28629,19 +27694,10 @@
                 </a:solidFill>
                 <a:latin typeface="Arial" panose="020B0604020202020204" pitchFamily="34" charset="0"/>
               </a:rPr>
-              <a:t>CREATE ON </a:t>
-            </a:r>
-            <a:r>
-              <a:rPr lang="en-US" sz="2200" b="1" dirty="0">
-                <a:solidFill>
-                  <a:schemeClr val="accent6"/>
-                </a:solidFill>
-                <a:latin typeface="Arial" panose="020B0604020202020204" pitchFamily="34" charset="0"/>
-              </a:rPr>
-              <a:t>*.*</a:t>
-            </a:r>
-            <a:r>
-              <a:rPr lang="en-US" sz="2200" b="1" dirty="0">
+              <a:t>	</a:t>
+            </a:r>
+            <a:r>
+              <a:rPr lang="en-US" sz="2000" dirty="0">
                 <a:solidFill>
                   <a:schemeClr val="accent4">
                     <a:lumMod val="60000"/>
@@ -28650,57 +27706,7 @@
                 </a:solidFill>
                 <a:latin typeface="Arial" panose="020B0604020202020204" pitchFamily="34" charset="0"/>
               </a:rPr>
-              <a:t> TO </a:t>
-            </a:r>
-            <a:r>
-              <a:rPr lang="en-US" sz="2200" b="1" dirty="0">
-                <a:solidFill>
-                  <a:schemeClr val="accent6"/>
-                </a:solidFill>
-                <a:latin typeface="Arial" panose="020B0604020202020204" pitchFamily="34" charset="0"/>
-              </a:rPr>
-              <a:t>'jack';</a:t>
-            </a:r>
-          </a:p>
-          <a:p>
-            <a:pPr marL="0" indent="0">
-              <a:buNone/>
-            </a:pPr>
-            <a:r>
-              <a:rPr lang="en-US" sz="2200" dirty="0" smtClean="0">
-                <a:solidFill>
-                  <a:schemeClr val="accent4">
-                    <a:lumMod val="60000"/>
-                    <a:lumOff val="40000"/>
-                  </a:schemeClr>
-                </a:solidFill>
-                <a:latin typeface="Arial" panose="020B0604020202020204" pitchFamily="34" charset="0"/>
-              </a:rPr>
-              <a:t>	</a:t>
-            </a:r>
-            <a:r>
-              <a:rPr lang="en-US" sz="2000" dirty="0" smtClean="0">
-                <a:solidFill>
-                  <a:schemeClr val="accent4">
-                    <a:lumMod val="60000"/>
-                    <a:lumOff val="40000"/>
-                  </a:schemeClr>
-                </a:solidFill>
-                <a:latin typeface="Arial" panose="020B0604020202020204" pitchFamily="34" charset="0"/>
-              </a:rPr>
-              <a:t>CREATE </a:t>
-            </a:r>
-            <a:r>
-              <a:rPr lang="en-US" sz="2000" dirty="0">
-                <a:solidFill>
-                  <a:schemeClr val="accent4">
-                    <a:lumMod val="60000"/>
-                    <a:lumOff val="40000"/>
-                  </a:schemeClr>
-                </a:solidFill>
-                <a:latin typeface="Arial" panose="020B0604020202020204" pitchFamily="34" charset="0"/>
-              </a:rPr>
-              <a:t>Database </a:t>
+              <a:t>CREATE Database </a:t>
             </a:r>
             <a:r>
               <a:rPr lang="en-US" sz="2000" dirty="0" err="1">
@@ -28770,7 +27776,7 @@
             <a:pPr marL="0" indent="0">
               <a:buNone/>
             </a:pPr>
-            <a:endParaRPr lang="en-US" sz="1800" dirty="0" smtClean="0">
+            <a:endParaRPr lang="en-US" sz="1800" dirty="0">
               <a:solidFill>
                 <a:schemeClr val="bg1"/>
               </a:solidFill>
@@ -28782,7 +27788,7 @@
             <a:pPr marL="0" indent="0">
               <a:buNone/>
             </a:pPr>
-            <a:endParaRPr lang="en-US" sz="1800" dirty="0" smtClean="0">
+            <a:endParaRPr lang="en-US" sz="1800" dirty="0">
               <a:solidFill>
                 <a:schemeClr val="bg1"/>
               </a:solidFill>
@@ -28806,7 +27812,7 @@
             <a:pPr marL="0" indent="0">
               <a:buNone/>
             </a:pPr>
-            <a:endParaRPr lang="en-US" sz="2000" dirty="0" smtClean="0">
+            <a:endParaRPr lang="en-US" sz="2000" dirty="0">
               <a:solidFill>
                 <a:schemeClr val="bg1"/>
               </a:solidFill>
@@ -29529,7 +28535,7 @@
               <a:buNone/>
             </a:pPr>
             <a:r>
-              <a:rPr lang="en-US" sz="2000" dirty="0" smtClean="0">
+              <a:rPr lang="en-US" sz="2000" dirty="0">
                 <a:solidFill>
                   <a:schemeClr val="bg1"/>
                 </a:solidFill>
@@ -29549,7 +28555,7 @@
               </a:spcAft>
               <a:buNone/>
             </a:pPr>
-            <a:endParaRPr lang="en-US" sz="2000" b="1" dirty="0" smtClean="0">
+            <a:endParaRPr lang="en-US" sz="2000" b="1" dirty="0">
               <a:solidFill>
                 <a:schemeClr val="bg1"/>
               </a:solidFill>
@@ -29632,7 +28638,7 @@
           </a:p>
           <a:p>
             <a:pPr lvl="1"/>
-            <a:endParaRPr lang="en-US" sz="2400" b="1" dirty="0" smtClean="0">
+            <a:endParaRPr lang="en-US" sz="2400" b="1" dirty="0">
               <a:solidFill>
                 <a:schemeClr val="bg1"/>
               </a:solidFill>
@@ -29811,18 +28817,13 @@
           </a:lstStyle>
           <a:p>
             <a:r>
-              <a:rPr lang="en-US" sz="1400" dirty="0" smtClean="0">
+              <a:rPr lang="en-US" sz="1400" dirty="0">
                 <a:solidFill>
                   <a:schemeClr val="bg1"/>
                 </a:solidFill>
               </a:rPr>
               <a:t>49</a:t>
             </a:r>
-            <a:endParaRPr lang="en-US" sz="1400" dirty="0">
-              <a:solidFill>
-                <a:schemeClr val="bg1"/>
-              </a:solidFill>
-            </a:endParaRPr>
           </a:p>
         </p:txBody>
       </p:sp>
@@ -30100,7 +29101,7 @@
           <a:lstStyle/>
           <a:p>
             <a:r>
-              <a:rPr lang="en-US" dirty="0" smtClean="0">
+              <a:rPr lang="en-US" dirty="0">
                 <a:solidFill>
                   <a:schemeClr val="bg1"/>
                 </a:solidFill>
@@ -30109,13 +29110,6 @@
               </a:rPr>
               <a:t>Enabling Objectives</a:t>
             </a:r>
-            <a:endParaRPr lang="en-US" dirty="0">
-              <a:solidFill>
-                <a:schemeClr val="bg1"/>
-              </a:solidFill>
-              <a:latin typeface="Arial" panose="020B0604020202020204" pitchFamily="34" charset="0"/>
-              <a:cs typeface="Arial" panose="020B0604020202020204" pitchFamily="34" charset="0"/>
-            </a:endParaRPr>
           </a:p>
         </p:txBody>
       </p:sp>
@@ -30150,7 +29144,7 @@
               </a:spcBef>
             </a:pPr>
             <a:r>
-              <a:rPr lang="en-US" sz="2000" dirty="0" smtClean="0">
+              <a:rPr lang="en-US" sz="2000" dirty="0">
                 <a:solidFill>
                   <a:schemeClr val="bg1"/>
                 </a:solidFill>
@@ -30159,13 +29153,6 @@
               </a:rPr>
               <a:t> </a:t>
             </a:r>
-            <a:endParaRPr lang="en-US" sz="2000" dirty="0">
-              <a:solidFill>
-                <a:schemeClr val="bg1"/>
-              </a:solidFill>
-              <a:latin typeface="Arial" panose="020B0604020202020204" pitchFamily="34" charset="0"/>
-              <a:cs typeface="Arial" panose="020B0604020202020204" pitchFamily="34" charset="0"/>
-            </a:endParaRPr>
           </a:p>
           <a:p>
             <a:pPr marL="342900" lvl="0" indent="-342900" defTabSz="914400" eaLnBrk="0" fontAlgn="base" hangingPunct="0">
@@ -30184,15 +29171,7 @@
                   <a:schemeClr val="bg1"/>
                 </a:solidFill>
               </a:rPr>
-              <a:t>Create at least 1 table using Data Definition Language(DDL) </a:t>
-            </a:r>
-            <a:r>
-              <a:rPr lang="en-US" altLang="en-US" sz="2000" dirty="0" smtClean="0">
-                <a:solidFill>
-                  <a:schemeClr val="bg1"/>
-                </a:solidFill>
-              </a:rPr>
-              <a:t>statement.</a:t>
+              <a:t>Create at least 1 table using Data Definition Language(DDL) statement.</a:t>
             </a:r>
           </a:p>
           <a:p>
@@ -30206,7 +29185,7 @@
               <a:buFont typeface="Arial" panose="020B0604020202020204" pitchFamily="34" charset="0"/>
               <a:buChar char="•"/>
             </a:pPr>
-            <a:endParaRPr lang="en-US" altLang="en-US" sz="2000" dirty="0" smtClean="0">
+            <a:endParaRPr lang="en-US" altLang="en-US" sz="2000" dirty="0">
               <a:solidFill>
                 <a:schemeClr val="bg1"/>
               </a:solidFill>
@@ -30229,37 +29208,8 @@
                   <a:schemeClr val="bg1"/>
                 </a:solidFill>
               </a:rPr>
-              <a:t>Modify or </a:t>
-            </a:r>
-            <a:r>
-              <a:rPr lang="en-US" altLang="en-US" sz="2000" dirty="0" smtClean="0">
-                <a:solidFill>
-                  <a:schemeClr val="bg1"/>
-                </a:solidFill>
-              </a:rPr>
-              <a:t>Drop </a:t>
-            </a:r>
-            <a:r>
-              <a:rPr lang="en-US" altLang="en-US" sz="2000" dirty="0">
-                <a:solidFill>
-                  <a:schemeClr val="bg1"/>
-                </a:solidFill>
-              </a:rPr>
-              <a:t>at least 1 table structure created using DDL </a:t>
-            </a:r>
-            <a:r>
-              <a:rPr lang="en-US" altLang="en-US" sz="2000" dirty="0" smtClean="0">
-                <a:solidFill>
-                  <a:schemeClr val="bg1"/>
-                </a:solidFill>
-              </a:rPr>
-              <a:t>statement</a:t>
-            </a:r>
-            <a:endParaRPr lang="en-US" altLang="en-US" sz="2000" dirty="0">
-              <a:solidFill>
-                <a:schemeClr val="bg1"/>
-              </a:solidFill>
-            </a:endParaRPr>
+              <a:t>Modify or Drop at least 1 table structure created using DDL statement</a:t>
+            </a:r>
           </a:p>
         </p:txBody>
       </p:sp>
@@ -30287,26 +29237,16 @@
               </a:spcAft>
               <a:buNone/>
             </a:pPr>
-            <a:r>
-              <a:rPr lang="en-US" sz="1800" dirty="0" smtClean="0">
+            <a:br>
+              <a:rPr lang="en-US" sz="1800" dirty="0">
                 <a:solidFill>
                   <a:schemeClr val="bg1"/>
                 </a:solidFill>
                 <a:latin typeface="Arial" panose="020B0604020202020204" pitchFamily="34" charset="0"/>
                 <a:cs typeface="Arial" panose="020B0604020202020204" pitchFamily="34" charset="0"/>
               </a:rPr>
-              <a:t/>
-            </a:r>
-            <a:br>
-              <a:rPr lang="en-US" sz="1800" dirty="0" smtClean="0">
-                <a:solidFill>
-                  <a:schemeClr val="bg1"/>
-                </a:solidFill>
-                <a:latin typeface="Arial" panose="020B0604020202020204" pitchFamily="34" charset="0"/>
-                <a:cs typeface="Arial" panose="020B0604020202020204" pitchFamily="34" charset="0"/>
-              </a:rPr>
             </a:br>
-            <a:endParaRPr lang="en-US" sz="1800" dirty="0" smtClean="0">
+            <a:endParaRPr lang="en-US" sz="1800" dirty="0">
               <a:solidFill>
                 <a:schemeClr val="bg1"/>
               </a:solidFill>
@@ -30361,13 +29301,13 @@
           <a:bodyPr/>
           <a:lstStyle/>
           <a:p>
-            <a:endParaRPr lang="en-US" dirty="0" smtClean="0"/>
-          </a:p>
-          <a:p>
             <a:endParaRPr lang="en-US" dirty="0"/>
           </a:p>
           <a:p>
-            <a:endParaRPr lang="en-US" dirty="0" smtClean="0"/>
+            <a:endParaRPr lang="en-US" dirty="0"/>
+          </a:p>
+          <a:p>
+            <a:endParaRPr lang="en-US" dirty="0"/>
           </a:p>
           <a:p>
             <a:endParaRPr lang="en-US" dirty="0"/>
@@ -30387,13 +29327,6 @@
   <p:clrMapOvr>
     <a:masterClrMapping/>
   </p:clrMapOvr>
-  <p:timing>
-    <p:tnLst>
-      <p:par>
-        <p:cTn id="1" dur="indefinite" restart="never" nodeType="tmRoot"/>
-      </p:par>
-    </p:tnLst>
-  </p:timing>
 </p:sld>
 </file>
 
@@ -30437,34 +29370,14 @@
               <a:buChar char="•"/>
             </a:pPr>
             <a:r>
-              <a:rPr lang="en-US" sz="2200" dirty="0" smtClean="0">
+              <a:rPr lang="en-US" sz="2200" dirty="0">
                 <a:solidFill>
                   <a:schemeClr val="bg1"/>
                 </a:solidFill>
                 <a:latin typeface="Arial" panose="020B0604020202020204" pitchFamily="34" charset="0"/>
                 <a:cs typeface="Arial" panose="020B0604020202020204" pitchFamily="34" charset="0"/>
               </a:rPr>
-              <a:t>GRANT </a:t>
-            </a:r>
-            <a:r>
-              <a:rPr lang="en-US" sz="2200" dirty="0">
-                <a:solidFill>
-                  <a:schemeClr val="bg1"/>
-                </a:solidFill>
-                <a:latin typeface="Arial" panose="020B0604020202020204" pitchFamily="34" charset="0"/>
-                <a:cs typeface="Arial" panose="020B0604020202020204" pitchFamily="34" charset="0"/>
-              </a:rPr>
-              <a:t>to allow specific users to perform specific </a:t>
-            </a:r>
-            <a:r>
-              <a:rPr lang="en-US" sz="2200" dirty="0" smtClean="0">
-                <a:solidFill>
-                  <a:schemeClr val="bg1"/>
-                </a:solidFill>
-                <a:latin typeface="Arial" panose="020B0604020202020204" pitchFamily="34" charset="0"/>
-                <a:cs typeface="Arial" panose="020B0604020202020204" pitchFamily="34" charset="0"/>
-              </a:rPr>
-              <a:t>tasks</a:t>
+              <a:t>GRANT to allow specific users to perform specific tasks</a:t>
             </a:r>
           </a:p>
           <a:p>
@@ -30523,7 +29436,7 @@
               </a:spcBef>
               <a:buNone/>
             </a:pPr>
-            <a:endParaRPr lang="en-US" sz="2000" b="1" dirty="0" smtClean="0">
+            <a:endParaRPr lang="en-US" sz="2000" b="1" dirty="0">
               <a:solidFill>
                 <a:schemeClr val="bg1"/>
               </a:solidFill>
@@ -30547,7 +29460,7 @@
             <a:pPr marL="457200" lvl="1" indent="0">
               <a:buNone/>
             </a:pPr>
-            <a:endParaRPr lang="en-US" sz="2000" b="1" dirty="0" smtClean="0">
+            <a:endParaRPr lang="en-US" sz="2000" b="1" dirty="0">
               <a:solidFill>
                 <a:schemeClr val="bg1"/>
               </a:solidFill>
@@ -30560,7 +29473,7 @@
               <a:buFont typeface="Arial" pitchFamily="34" charset="0"/>
               <a:buChar char="•"/>
             </a:pPr>
-            <a:endParaRPr lang="en-US" sz="2000" dirty="0" smtClean="0">
+            <a:endParaRPr lang="en-US" sz="2000" dirty="0">
               <a:solidFill>
                 <a:schemeClr val="bg1"/>
               </a:solidFill>
@@ -30579,7 +29492,7 @@
               <a:buFont typeface="Arial" pitchFamily="34" charset="0"/>
               <a:buChar char="•"/>
             </a:pPr>
-            <a:endParaRPr lang="en-US" dirty="0" smtClean="0">
+            <a:endParaRPr lang="en-US" dirty="0">
               <a:solidFill>
                 <a:schemeClr val="bg1"/>
               </a:solidFill>
@@ -30591,7 +29504,7 @@
             <a:pPr marL="457200" lvl="1" indent="0">
               <a:buNone/>
             </a:pPr>
-            <a:endParaRPr lang="en-US" b="1" dirty="0" smtClean="0">
+            <a:endParaRPr lang="en-US" b="1" dirty="0">
               <a:solidFill>
                 <a:schemeClr val="bg1"/>
               </a:solidFill>
@@ -30603,7 +29516,7 @@
             <a:pPr marL="457200" lvl="1" indent="0">
               <a:buNone/>
             </a:pPr>
-            <a:endParaRPr lang="en-US" b="1" dirty="0" smtClean="0">
+            <a:endParaRPr lang="en-US" b="1" dirty="0">
               <a:solidFill>
                 <a:schemeClr val="bg1"/>
               </a:solidFill>
@@ -30652,25 +29565,8 @@
                 <a:latin typeface="Arial" panose="020B0604020202020204" pitchFamily="34" charset="0"/>
                 <a:cs typeface="Arial" panose="020B0604020202020204" pitchFamily="34" charset="0"/>
               </a:rPr>
-              <a:t>Data Control </a:t>
-            </a:r>
-            <a:r>
-              <a:rPr lang="en-IN" dirty="0" smtClean="0">
-                <a:solidFill>
-                  <a:schemeClr val="bg1"/>
-                </a:solidFill>
-                <a:latin typeface="Arial" panose="020B0604020202020204" pitchFamily="34" charset="0"/>
-                <a:cs typeface="Arial" panose="020B0604020202020204" pitchFamily="34" charset="0"/>
-              </a:rPr>
-              <a:t>Language</a:t>
-            </a:r>
-            <a:endParaRPr lang="en-IN" dirty="0">
-              <a:solidFill>
-                <a:schemeClr val="bg1"/>
-              </a:solidFill>
-              <a:latin typeface="Arial" panose="020B0604020202020204" pitchFamily="34" charset="0"/>
-              <a:cs typeface="Arial" panose="020B0604020202020204" pitchFamily="34" charset="0"/>
-            </a:endParaRPr>
+              <a:t>Data Control Language</a:t>
+            </a:r>
           </a:p>
         </p:txBody>
       </p:sp>
@@ -30864,7 +29760,7 @@
               <a:buNone/>
             </a:pPr>
             <a:r>
-              <a:rPr lang="en-US" sz="2000" dirty="0" smtClean="0">
+              <a:rPr lang="en-US" sz="2000" dirty="0">
                 <a:solidFill>
                   <a:schemeClr val="bg2"/>
                 </a:solidFill>
@@ -30880,7 +29776,7 @@
               <a:buNone/>
             </a:pPr>
             <a:r>
-              <a:rPr lang="en-US" sz="2000" dirty="0" smtClean="0">
+              <a:rPr lang="en-US" sz="2000" dirty="0">
                 <a:solidFill>
                   <a:schemeClr val="bg2"/>
                 </a:solidFill>
@@ -30895,7 +29791,7 @@
               <a:buFont typeface="Arial" charset="0"/>
               <a:buNone/>
             </a:pPr>
-            <a:endParaRPr lang="en-US" sz="1800" dirty="0" smtClean="0"/>
+            <a:endParaRPr lang="en-US" sz="1800" dirty="0"/>
           </a:p>
           <a:p>
             <a:pPr marL="57150" indent="0">
@@ -31317,7 +30213,7 @@
               <a:buNone/>
             </a:pPr>
             <a:r>
-              <a:rPr lang="en-US" sz="2000" dirty="0" smtClean="0">
+              <a:rPr lang="en-US" sz="2000" dirty="0">
                 <a:solidFill>
                   <a:schemeClr val="bg2"/>
                 </a:solidFill>
@@ -31333,7 +30229,7 @@
               <a:buNone/>
             </a:pPr>
             <a:r>
-              <a:rPr lang="en-US" sz="2000" dirty="0" smtClean="0">
+              <a:rPr lang="en-US" sz="2000" dirty="0">
                 <a:solidFill>
                   <a:schemeClr val="bg2"/>
                 </a:solidFill>
@@ -31348,7 +30244,7 @@
               <a:buFont typeface="Arial" charset="0"/>
               <a:buNone/>
             </a:pPr>
-            <a:endParaRPr lang="en-US" sz="1800" dirty="0" smtClean="0"/>
+            <a:endParaRPr lang="en-US" sz="1800" dirty="0"/>
           </a:p>
           <a:p>
             <a:pPr marL="57150" indent="0">
@@ -31530,7 +30426,7 @@
               <a:buFont typeface="Arial" charset="0"/>
               <a:buNone/>
             </a:pPr>
-            <a:endParaRPr lang="en-US" sz="1800" dirty="0" smtClean="0"/>
+            <a:endParaRPr lang="en-US" sz="1800" dirty="0"/>
           </a:p>
         </p:txBody>
       </p:sp>
@@ -31650,18 +30546,13 @@
           </a:lstStyle>
           <a:p>
             <a:r>
-              <a:rPr lang="en-US" sz="1400" dirty="0" smtClean="0">
+              <a:rPr lang="en-US" sz="1400" dirty="0">
                 <a:solidFill>
                   <a:schemeClr val="bg1"/>
                 </a:solidFill>
               </a:rPr>
               <a:t>50</a:t>
             </a:r>
-            <a:endParaRPr lang="en-US" sz="1400" dirty="0">
-              <a:solidFill>
-                <a:schemeClr val="bg1"/>
-              </a:solidFill>
-            </a:endParaRPr>
           </a:p>
         </p:txBody>
       </p:sp>
@@ -32402,10 +31293,9 @@
           <a:lstStyle/>
           <a:p>
             <a:r>
-              <a:rPr lang="en-US" sz="1800" dirty="0" smtClean="0"/>
+              <a:rPr lang="en-US" sz="1800" dirty="0"/>
               <a:t>Key Topics</a:t>
             </a:r>
-            <a:endParaRPr lang="en-US" sz="1800" dirty="0"/>
           </a:p>
         </p:txBody>
       </p:sp>
@@ -32429,7 +31319,7 @@
               <a:buChar char="•"/>
             </a:pPr>
             <a:r>
-              <a:rPr lang="en-US" sz="2400" dirty="0" smtClean="0"/>
+              <a:rPr lang="en-US" sz="2400" dirty="0"/>
               <a:t>CREATE Statement</a:t>
             </a:r>
           </a:p>
@@ -32439,7 +31329,7 @@
               <a:buChar char="•"/>
             </a:pPr>
             <a:r>
-              <a:rPr lang="en-US" sz="2400" dirty="0" smtClean="0"/>
+              <a:rPr lang="en-US" sz="2400" dirty="0"/>
               <a:t>ALTER Statement</a:t>
             </a:r>
           </a:p>
@@ -32449,7 +31339,7 @@
               <a:buChar char="•"/>
             </a:pPr>
             <a:r>
-              <a:rPr lang="en-US" sz="2400" dirty="0" smtClean="0"/>
+              <a:rPr lang="en-US" sz="2400" dirty="0"/>
               <a:t>DROP Statement</a:t>
             </a:r>
           </a:p>
@@ -32459,7 +31349,7 @@
               <a:buChar char="•"/>
             </a:pPr>
             <a:r>
-              <a:rPr lang="en-US" sz="2400" dirty="0" smtClean="0"/>
+              <a:rPr lang="en-US" sz="2400" dirty="0"/>
               <a:t>TRUNCATE Statement</a:t>
             </a:r>
           </a:p>
@@ -32469,7 +31359,7 @@
               <a:buChar char="•"/>
             </a:pPr>
             <a:r>
-              <a:rPr lang="en-US" sz="2400" dirty="0" smtClean="0"/>
+              <a:rPr lang="en-US" sz="2400" dirty="0"/>
               <a:t>GRANT and REVOKE Statement</a:t>
             </a:r>
           </a:p>
@@ -32492,13 +31382,6 @@
   <p:clrMapOvr>
     <a:masterClrMapping/>
   </p:clrMapOvr>
-  <p:timing>
-    <p:tnLst>
-      <p:par>
-        <p:cTn id="1" dur="indefinite" restart="never" nodeType="tmRoot"/>
-      </p:par>
-    </p:tnLst>
-  </p:timing>
 </p:sld>
 </file>
 
@@ -32580,17 +31463,7 @@
                 <a:latin typeface="Arial" panose="020B0604020202020204" pitchFamily="34" charset="0"/>
                 <a:cs typeface="Arial" panose="020B0604020202020204" pitchFamily="34" charset="0"/>
               </a:rPr>
-              <a:t>For the complete understanding of ANSI SQL, we are going to make use of Product Management System (PMS) for ABC Traders</a:t>
-            </a:r>
-            <a:r>
-              <a:rPr lang="en-US" sz="2000" dirty="0" smtClean="0">
-                <a:solidFill>
-                  <a:schemeClr val="bg1"/>
-                </a:solidFill>
-                <a:latin typeface="Arial" panose="020B0604020202020204" pitchFamily="34" charset="0"/>
-                <a:cs typeface="Arial" panose="020B0604020202020204" pitchFamily="34" charset="0"/>
-              </a:rPr>
-              <a:t>.</a:t>
+              <a:t>For the complete understanding of ANSI SQL, we are going to make use of Product Management System (PMS) for ABC Traders.</a:t>
             </a:r>
           </a:p>
           <a:p>
@@ -32603,7 +31476,7 @@
             </a:endParaRPr>
           </a:p>
           <a:p>
-            <a:endParaRPr lang="en-US" sz="2000" dirty="0" smtClean="0">
+            <a:endParaRPr lang="en-US" sz="2000" dirty="0">
               <a:solidFill>
                 <a:schemeClr val="bg1"/>
               </a:solidFill>
@@ -32788,18 +31661,13 @@
           </a:lstStyle>
           <a:p>
             <a:r>
-              <a:rPr lang="en-US" sz="1400" dirty="0" smtClean="0">
+              <a:rPr lang="en-US" sz="1400" dirty="0">
                 <a:solidFill>
                   <a:schemeClr val="bg1"/>
                 </a:solidFill>
               </a:rPr>
               <a:t>4</a:t>
             </a:r>
-            <a:endParaRPr lang="en-US" sz="1400" dirty="0">
-              <a:solidFill>
-                <a:schemeClr val="bg1"/>
-              </a:solidFill>
-            </a:endParaRPr>
           </a:p>
         </p:txBody>
       </p:sp>
@@ -33017,7 +31885,7 @@
           <a:lstStyle/>
           <a:p>
             <a:r>
-              <a:rPr lang="en-US" dirty="0" smtClean="0">
+              <a:rPr lang="en-US" dirty="0">
                 <a:solidFill>
                   <a:schemeClr val="bg1"/>
                 </a:solidFill>
@@ -33026,13 +31894,6 @@
               </a:rPr>
               <a:t>Database Tables</a:t>
             </a:r>
-            <a:endParaRPr lang="en-US" dirty="0">
-              <a:solidFill>
-                <a:schemeClr val="bg1"/>
-              </a:solidFill>
-              <a:latin typeface="Arial" panose="020B0604020202020204" pitchFamily="34" charset="0"/>
-              <a:cs typeface="Arial" panose="020B0604020202020204" pitchFamily="34" charset="0"/>
-            </a:endParaRPr>
           </a:p>
         </p:txBody>
       </p:sp>
@@ -33160,7 +32021,6 @@
               <a:lumMod val="50000"/>
             </a:schemeClr>
           </a:solidFill>
-          <a:extLst/>
         </p:spPr>
         <p:style>
           <a:lnRef idx="0">
@@ -33238,7 +32098,6 @@
               <a:lumMod val="75000"/>
             </a:schemeClr>
           </a:solidFill>
-          <a:extLst/>
         </p:spPr>
         <p:style>
           <a:lnRef idx="0">
@@ -33288,67 +32147,7 @@
                 <a:ea typeface="Times New Roman"/>
                 <a:cs typeface="Mangal"/>
               </a:rPr>
-              <a:t>To maintain customer </a:t>
-            </a:r>
-            <a:r>
-              <a:rPr lang="en-US" sz="1400" dirty="0" smtClean="0">
-                <a:solidFill>
-                  <a:schemeClr val="bg1"/>
-                </a:solidFill>
-                <a:ea typeface="Times New Roman"/>
-                <a:cs typeface="Mangal"/>
-              </a:rPr>
-              <a:t>details, </a:t>
-            </a:r>
-            <a:r>
-              <a:rPr lang="en-US" sz="1400" dirty="0">
-                <a:solidFill>
-                  <a:schemeClr val="bg1"/>
-                </a:solidFill>
-                <a:ea typeface="Times New Roman"/>
-                <a:cs typeface="Mangal"/>
-              </a:rPr>
-              <a:t>for example, </a:t>
-            </a:r>
-            <a:r>
-              <a:rPr lang="en-US" sz="1400" dirty="0" smtClean="0">
-                <a:solidFill>
-                  <a:schemeClr val="bg1"/>
-                </a:solidFill>
-                <a:ea typeface="Times New Roman"/>
-                <a:cs typeface="Mangal"/>
-              </a:rPr>
-              <a:t>customer name</a:t>
-            </a:r>
-            <a:r>
-              <a:rPr lang="en-US" sz="1400" dirty="0">
-                <a:solidFill>
-                  <a:schemeClr val="bg1"/>
-                </a:solidFill>
-                <a:ea typeface="Times New Roman"/>
-                <a:cs typeface="Mangal"/>
-              </a:rPr>
-              <a:t>, </a:t>
-            </a:r>
-            <a:r>
-              <a:rPr lang="en-US" sz="1400" dirty="0" smtClean="0">
-                <a:solidFill>
-                  <a:schemeClr val="bg1"/>
-                </a:solidFill>
-                <a:ea typeface="Times New Roman"/>
-                <a:cs typeface="Mangal"/>
-              </a:rPr>
-              <a:t>address, </a:t>
-            </a:r>
-            <a:r>
-              <a:rPr lang="en-US" sz="1400" dirty="0">
-                <a:solidFill>
-                  <a:schemeClr val="bg1"/>
-                </a:solidFill>
-                <a:ea typeface="Times New Roman"/>
-                <a:cs typeface="Mangal"/>
-              </a:rPr>
-              <a:t>and so on.</a:t>
+              <a:t>To maintain customer details, for example, customer name, address, and so on.</a:t>
             </a:r>
           </a:p>
           <a:p>
@@ -33394,7 +32193,6 @@
               <a:lumMod val="75000"/>
             </a:schemeClr>
           </a:solidFill>
-          <a:extLst/>
         </p:spPr>
         <p:style>
           <a:lnRef idx="0">
@@ -33472,7 +32270,6 @@
               <a:lumMod val="75000"/>
             </a:schemeClr>
           </a:solidFill>
-          <a:extLst/>
         </p:spPr>
         <p:style>
           <a:lnRef idx="0">
@@ -33544,45 +32341,8 @@
                 <a:ea typeface="Times New Roman"/>
                 <a:cs typeface="Mangal"/>
               </a:rPr>
-              <a:t>To maintain information of </a:t>
-            </a:r>
-            <a:r>
-              <a:rPr lang="en-US" sz="1400" dirty="0" smtClean="0">
-                <a:solidFill>
-                  <a:schemeClr val="bg1"/>
-                </a:solidFill>
-                <a:ea typeface="Times New Roman"/>
-                <a:cs typeface="Mangal"/>
-              </a:rPr>
-              <a:t>offices, for example, office </a:t>
-            </a:r>
-            <a:r>
-              <a:rPr lang="en-US" sz="1400" dirty="0">
-                <a:solidFill>
-                  <a:schemeClr val="bg1"/>
-                </a:solidFill>
-                <a:ea typeface="Times New Roman"/>
-                <a:cs typeface="Mangal"/>
-              </a:rPr>
-              <a:t>code, address, </a:t>
-            </a:r>
-            <a:r>
-              <a:rPr lang="en-US" sz="1400" dirty="0" smtClean="0">
-                <a:solidFill>
-                  <a:schemeClr val="bg1"/>
-                </a:solidFill>
-                <a:ea typeface="Times New Roman"/>
-                <a:cs typeface="Mangal"/>
-              </a:rPr>
-              <a:t>city, and so on. </a:t>
-            </a:r>
-            <a:endParaRPr lang="en-US" sz="1400" dirty="0">
-              <a:solidFill>
-                <a:schemeClr val="bg1"/>
-              </a:solidFill>
-              <a:ea typeface="Times New Roman"/>
-              <a:cs typeface="Mangal"/>
-            </a:endParaRPr>
+              <a:t>To maintain information of offices, for example, office code, address, city, and so on. </a:t>
+            </a:r>
           </a:p>
         </p:txBody>
       </p:sp>
@@ -33609,7 +32369,6 @@
               <a:lumMod val="75000"/>
             </a:schemeClr>
           </a:solidFill>
-          <a:extLst/>
         </p:spPr>
         <p:style>
           <a:lnRef idx="0">
@@ -33676,25 +32435,8 @@
                 <a:ea typeface="Times New Roman"/>
                 <a:cs typeface="Mangal"/>
               </a:rPr>
-              <a:t>details, for example, </a:t>
-            </a:r>
-            <a:r>
-              <a:rPr lang="en-US" sz="1400" b="1" dirty="0" smtClean="0">
-                <a:solidFill>
-                  <a:schemeClr val="bg1"/>
-                </a:solidFill>
-                <a:ea typeface="Times New Roman"/>
-                <a:cs typeface="Mangal"/>
-              </a:rPr>
-              <a:t>ID,</a:t>
-            </a:r>
-            <a:endParaRPr lang="en-US" sz="1400" b="1" dirty="0">
-              <a:solidFill>
-                <a:schemeClr val="bg1"/>
-              </a:solidFill>
-              <a:ea typeface="Times New Roman"/>
-              <a:cs typeface="Mangal"/>
-            </a:endParaRPr>
+              <a:t>details, for example, ID,</a:t>
+            </a:r>
           </a:p>
           <a:p>
             <a:pPr algn="ctr">
@@ -33703,7 +32445,7 @@
               </a:lnSpc>
             </a:pPr>
             <a:r>
-              <a:rPr lang="en-US" sz="1400" b="1" dirty="0" smtClean="0">
+              <a:rPr lang="en-US" sz="1400" b="1" dirty="0">
                 <a:solidFill>
                   <a:schemeClr val="bg1"/>
                 </a:solidFill>
@@ -33723,7 +32465,7 @@
               <a:t>and so on</a:t>
             </a:r>
             <a:r>
-              <a:rPr lang="en-US" sz="1400" b="1" dirty="0" smtClean="0">
+              <a:rPr lang="en-US" sz="1400" b="1" dirty="0">
                 <a:solidFill>
                   <a:schemeClr val="bg1"/>
                 </a:solidFill>
@@ -33732,13 +32474,6 @@
               </a:rPr>
               <a:t>. </a:t>
             </a:r>
-            <a:endParaRPr lang="en-US" sz="1400" b="1" dirty="0">
-              <a:solidFill>
-                <a:schemeClr val="bg1"/>
-              </a:solidFill>
-              <a:ea typeface="Times New Roman"/>
-              <a:cs typeface="Mangal"/>
-            </a:endParaRPr>
           </a:p>
         </p:txBody>
       </p:sp>
@@ -33765,7 +32500,6 @@
               <a:lumMod val="75000"/>
             </a:schemeClr>
           </a:solidFill>
-          <a:extLst/>
         </p:spPr>
         <p:style>
           <a:lnRef idx="0">
@@ -33815,67 +32549,7 @@
                 <a:ea typeface="Times New Roman"/>
                 <a:cs typeface="Mangal"/>
               </a:rPr>
-              <a:t>To maintain information of </a:t>
-            </a:r>
-            <a:r>
-              <a:rPr lang="en-US" sz="1400" dirty="0" smtClean="0">
-                <a:solidFill>
-                  <a:schemeClr val="bg1"/>
-                </a:solidFill>
-                <a:ea typeface="Times New Roman"/>
-                <a:cs typeface="Mangal"/>
-              </a:rPr>
-              <a:t>products, </a:t>
-            </a:r>
-            <a:r>
-              <a:rPr lang="en-US" sz="1400" dirty="0">
-                <a:solidFill>
-                  <a:schemeClr val="bg1"/>
-                </a:solidFill>
-                <a:ea typeface="Times New Roman"/>
-                <a:cs typeface="Mangal"/>
-              </a:rPr>
-              <a:t>for example, </a:t>
-            </a:r>
-            <a:r>
-              <a:rPr lang="en-US" sz="1400" dirty="0" smtClean="0">
-                <a:solidFill>
-                  <a:schemeClr val="bg1"/>
-                </a:solidFill>
-                <a:ea typeface="Times New Roman"/>
-                <a:cs typeface="Mangal"/>
-              </a:rPr>
-              <a:t>product </a:t>
-            </a:r>
-            <a:r>
-              <a:rPr lang="en-US" sz="1400" dirty="0">
-                <a:solidFill>
-                  <a:schemeClr val="bg1"/>
-                </a:solidFill>
-                <a:ea typeface="Times New Roman"/>
-                <a:cs typeface="Mangal"/>
-              </a:rPr>
-              <a:t>id, </a:t>
-            </a:r>
-            <a:r>
-              <a:rPr lang="en-US" sz="1400" dirty="0" smtClean="0">
-                <a:solidFill>
-                  <a:schemeClr val="bg1"/>
-                </a:solidFill>
-                <a:ea typeface="Times New Roman"/>
-                <a:cs typeface="Mangal"/>
-              </a:rPr>
-              <a:t>name, </a:t>
-            </a:r>
-            <a:r>
-              <a:rPr lang="en-US" sz="1400" dirty="0">
-                <a:solidFill>
-                  <a:schemeClr val="bg1"/>
-                </a:solidFill>
-                <a:ea typeface="Times New Roman"/>
-                <a:cs typeface="Mangal"/>
-              </a:rPr>
-              <a:t>and so on. </a:t>
+              <a:t>To maintain information of products, for example, product id, name, and so on. </a:t>
             </a:r>
           </a:p>
         </p:txBody>
@@ -33901,7 +32575,6 @@
           <a:solidFill>
             <a:srgbClr val="BC4744"/>
           </a:solidFill>
-          <a:extLst/>
         </p:spPr>
         <p:style>
           <a:lnRef idx="0">
@@ -35476,18 +34149,13 @@
           </a:lstStyle>
           <a:p>
             <a:r>
-              <a:rPr lang="en-US" sz="1400" dirty="0" smtClean="0">
+              <a:rPr lang="en-US" sz="1400" dirty="0">
                 <a:solidFill>
                   <a:schemeClr val="bg1"/>
                 </a:solidFill>
               </a:rPr>
               <a:t>6</a:t>
             </a:r>
-            <a:endParaRPr lang="en-US" sz="1400" dirty="0">
-              <a:solidFill>
-                <a:schemeClr val="bg1"/>
-              </a:solidFill>
-            </a:endParaRPr>
           </a:p>
         </p:txBody>
       </p:sp>
@@ -35635,10 +34303,9 @@
           <a:lstStyle/>
           <a:p>
             <a:r>
-              <a:rPr lang="en-US" dirty="0" smtClean="0"/>
+              <a:rPr lang="en-US" dirty="0"/>
               <a:t>CREATE Statement</a:t>
             </a:r>
-            <a:endParaRPr lang="en-US" dirty="0"/>
           </a:p>
         </p:txBody>
       </p:sp>
@@ -35652,13 +34319,6 @@
   <p:clrMapOvr>
     <a:masterClrMapping/>
   </p:clrMapOvr>
-  <p:timing>
-    <p:tnLst>
-      <p:par>
-        <p:cTn id="1" dur="indefinite" restart="never" nodeType="tmRoot"/>
-      </p:par>
-    </p:tnLst>
-  </p:timing>
 </p:sld>
 </file>
 
@@ -35703,7 +34363,7 @@
               <a:buNone/>
             </a:pPr>
             <a:r>
-              <a:rPr lang="en-US" sz="2000" dirty="0" smtClean="0">
+              <a:rPr lang="en-US" sz="2000" dirty="0">
                 <a:solidFill>
                   <a:schemeClr val="bg1"/>
                 </a:solidFill>
@@ -35713,7 +34373,7 @@
               <a:t>Requirement	</a:t>
             </a:r>
             <a:r>
-              <a:rPr lang="en-US" sz="4000" dirty="0" smtClean="0">
+              <a:rPr lang="en-US" sz="4000" dirty="0">
                 <a:solidFill>
                   <a:schemeClr val="bg1"/>
                 </a:solidFill>
@@ -35738,24 +34398,8 @@
               <a:t>	</a:t>
             </a:r>
             <a:r>
-              <a:rPr lang="en-US" sz="2200" dirty="0" smtClean="0"/>
-              <a:t>How </a:t>
-            </a:r>
-            <a:r>
               <a:rPr lang="en-US" sz="2200" dirty="0"/>
-              <a:t>to </a:t>
-            </a:r>
-            <a:r>
-              <a:rPr lang="en-US" sz="2200" dirty="0" smtClean="0"/>
-              <a:t>create the </a:t>
-            </a:r>
-            <a:r>
-              <a:rPr lang="en-US" sz="2200" dirty="0"/>
-              <a:t>database </a:t>
-            </a:r>
-            <a:r>
-              <a:rPr lang="en-US" sz="2200" dirty="0" smtClean="0"/>
-              <a:t>“</a:t>
+              <a:t>How to create the database “</a:t>
             </a:r>
             <a:r>
               <a:rPr lang="en-US" sz="2200" b="1" dirty="0" err="1"/>
@@ -35766,7 +34410,7 @@
               <a:t>“</a:t>
             </a:r>
             <a:r>
-              <a:rPr lang="en-US" sz="2400" dirty="0" smtClean="0">
+              <a:rPr lang="en-US" sz="2400" dirty="0">
                 <a:solidFill>
                   <a:schemeClr val="bg2">
                     <a:lumMod val="25000"/>
@@ -35776,27 +34420,15 @@
               <a:t> </a:t>
             </a:r>
             <a:r>
-              <a:rPr lang="en-US" sz="2200" dirty="0" smtClean="0"/>
-              <a:t>for </a:t>
-            </a:r>
-            <a:r>
               <a:rPr lang="en-US" sz="2200" dirty="0"/>
-              <a:t>PMS </a:t>
-            </a:r>
-            <a:r>
-              <a:rPr lang="en-US" sz="2200" dirty="0" smtClean="0"/>
-              <a:t>System</a:t>
-            </a:r>
-            <a:r>
-              <a:rPr lang="en-US" sz="2200" dirty="0"/>
-              <a:t>.</a:t>
+              <a:t>for PMS System.</a:t>
             </a:r>
           </a:p>
           <a:p>
             <a:pPr marL="0" indent="0">
               <a:buNone/>
             </a:pPr>
-            <a:endParaRPr lang="en-US" sz="1800" dirty="0" smtClean="0">
+            <a:endParaRPr lang="en-US" sz="1800" dirty="0">
               <a:solidFill>
                 <a:schemeClr val="bg1"/>
               </a:solidFill>
@@ -35808,7 +34440,7 @@
             <a:pPr marL="0" indent="0">
               <a:buNone/>
             </a:pPr>
-            <a:endParaRPr lang="en-US" sz="1800" dirty="0" smtClean="0">
+            <a:endParaRPr lang="en-US" sz="1800" dirty="0">
               <a:solidFill>
                 <a:schemeClr val="bg1"/>
               </a:solidFill>
@@ -35859,7 +34491,7 @@
               <a:t>	</a:t>
             </a:r>
             <a:r>
-              <a:rPr lang="en-IN" sz="2200" dirty="0" smtClean="0">
+              <a:rPr lang="en-IN" sz="2200" dirty="0">
                 <a:solidFill>
                   <a:schemeClr val="accent4">
                     <a:lumMod val="60000"/>
@@ -35871,7 +34503,7 @@
               <a:t>CREATE</a:t>
             </a:r>
             <a:r>
-              <a:rPr lang="en-IN" sz="1800" b="1" dirty="0" smtClean="0">
+              <a:rPr lang="en-IN" sz="1800" b="1" dirty="0">
                 <a:solidFill>
                   <a:schemeClr val="bg1"/>
                 </a:solidFill>
@@ -35925,7 +34557,7 @@
             <a:pPr marL="0" indent="0">
               <a:buNone/>
             </a:pPr>
-            <a:endParaRPr lang="en-US" sz="1800" dirty="0" smtClean="0">
+            <a:endParaRPr lang="en-US" sz="1800" dirty="0">
               <a:solidFill>
                 <a:schemeClr val="bg1"/>
               </a:solidFill>
@@ -35937,7 +34569,7 @@
             <a:pPr marL="0" indent="0">
               <a:buNone/>
             </a:pPr>
-            <a:endParaRPr lang="en-US" sz="1800" dirty="0" smtClean="0">
+            <a:endParaRPr lang="en-US" sz="1800" dirty="0">
               <a:solidFill>
                 <a:schemeClr val="bg1"/>
               </a:solidFill>
@@ -35961,7 +34593,7 @@
             <a:pPr marL="0" indent="0">
               <a:buNone/>
             </a:pPr>
-            <a:endParaRPr lang="en-US" sz="2000" dirty="0" smtClean="0">
+            <a:endParaRPr lang="en-US" sz="2000" dirty="0">
               <a:solidFill>
                 <a:schemeClr val="bg1"/>
               </a:solidFill>
@@ -35992,7 +34624,7 @@
           <a:lstStyle/>
           <a:p>
             <a:r>
-              <a:rPr lang="en-US" dirty="0" smtClean="0">
+              <a:rPr lang="en-US" dirty="0">
                 <a:latin typeface="Arial" panose="020B0604020202020204" pitchFamily="34" charset="0"/>
                 <a:cs typeface="Arial" panose="020B0604020202020204" pitchFamily="34" charset="0"/>
               </a:rPr>
@@ -38185,6 +36817,15 @@
 </file>
 
 <file path=customXml/item2.xml><?xml version="1.0" encoding="utf-8"?>
+<?mso-contentType ?>
+<FormTemplates xmlns="http://schemas.microsoft.com/sharepoint/v3/contenttype/forms">
+  <Display>DocumentLibraryForm</Display>
+  <Edit>DocumentLibraryForm</Edit>
+  <New>DocumentLibraryForm</New>
+</FormTemplates>
+</file>
+
+<file path=customXml/item3.xml><?xml version="1.0" encoding="utf-8"?>
 <p:properties xmlns:p="http://schemas.microsoft.com/office/2006/metadata/properties" xmlns:xsi="http://www.w3.org/2001/XMLSchema-instance">
   <documentManagement>
     <SharedWithUsers xmlns="951c5514-b77c-4532-82d5-a05f2f7d58e2">
@@ -38196,15 +36837,6 @@
     </SharedWithUsers>
   </documentManagement>
 </p:properties>
-</file>
-
-<file path=customXml/item3.xml><?xml version="1.0" encoding="utf-8"?>
-<?mso-contentType ?>
-<FormTemplates xmlns="http://schemas.microsoft.com/sharepoint/v3/contenttype/forms">
-  <Display>DocumentLibraryForm</Display>
-  <Edit>DocumentLibraryForm</Edit>
-  <New>DocumentLibraryForm</New>
-</FormTemplates>
 </file>
 
 <file path=customXml/itemProps1.xml><?xml version="1.0" encoding="utf-8"?>
@@ -38227,6 +36859,14 @@
 </file>
 
 <file path=customXml/itemProps2.xml><?xml version="1.0" encoding="utf-8"?>
+<ds:datastoreItem xmlns:ds="http://schemas.openxmlformats.org/officeDocument/2006/customXml" ds:itemID="{4587111D-7DFB-442C-9FE3-44380E208E2D}">
+  <ds:schemaRefs>
+    <ds:schemaRef ds:uri="http://schemas.microsoft.com/sharepoint/v3/contenttype/forms"/>
+  </ds:schemaRefs>
+</ds:datastoreItem>
+</file>
+
+<file path=customXml/itemProps3.xml><?xml version="1.0" encoding="utf-8"?>
 <ds:datastoreItem xmlns:ds="http://schemas.openxmlformats.org/officeDocument/2006/customXml" ds:itemID="{A7C481EB-8F30-4DBE-97E4-C47F16554C60}">
   <ds:schemaRefs>
     <ds:schemaRef ds:uri="http://www.w3.org/XML/1998/namespace"/>
@@ -38241,12 +36881,4 @@
     <ds:schemaRef ds:uri="http://purl.org/dc/elements/1.1/"/>
   </ds:schemaRefs>
 </ds:datastoreItem>
-</file>
-
-<file path=customXml/itemProps3.xml><?xml version="1.0" encoding="utf-8"?>
-<ds:datastoreItem xmlns:ds="http://schemas.openxmlformats.org/officeDocument/2006/customXml" ds:itemID="{4587111D-7DFB-442C-9FE3-44380E208E2D}">
-  <ds:schemaRefs>
-    <ds:schemaRef ds:uri="http://schemas.microsoft.com/sharepoint/v3/contenttype/forms"/>
-  </ds:schemaRefs>
-</ds:datastoreItem>
 </file>